--- a/QCATC777-Survival Curve.pptx
+++ b/QCATC777-Survival Curve.pptx
@@ -2325,7 +2325,7 @@
           <p:spPr>
             <a:xfrm>
               <a:off x="1693406" y="1040925"/>
-              <a:ext cx="4022806" cy="2984110"/>
+              <a:ext cx="3616434" cy="2984110"/>
             </a:xfrm>
             <a:prstGeom prst="rect">
               <a:avLst/>
@@ -2351,164 +2351,164 @@
           <p:spPr>
             <a:xfrm>
               <a:off x="1693406" y="1127841"/>
-              <a:ext cx="3949664" cy="1033332"/>
+              <a:ext cx="3550680" cy="1033332"/>
             </a:xfrm>
             <a:custGeom>
               <a:avLst/>
               <a:pathLst>
-                <a:path w="3949664" h="1033332">
+                <a:path w="3550680" h="1033332">
                   <a:moveTo>
                     <a:pt x="0" y="0"/>
                   </a:moveTo>
                   <a:lnTo>
-                    <a:pt x="1682264" y="0"/>
-                  </a:lnTo>
-                  <a:lnTo>
-                    <a:pt x="1682264" y="9657"/>
-                  </a:lnTo>
-                  <a:lnTo>
-                    <a:pt x="1901690" y="9657"/>
-                  </a:lnTo>
-                  <a:lnTo>
-                    <a:pt x="1901690" y="57943"/>
-                  </a:lnTo>
-                  <a:lnTo>
-                    <a:pt x="1974832" y="57943"/>
-                  </a:lnTo>
-                  <a:lnTo>
-                    <a:pt x="1974832" y="96573"/>
-                  </a:lnTo>
-                  <a:lnTo>
-                    <a:pt x="2121116" y="96573"/>
-                  </a:lnTo>
-                  <a:lnTo>
-                    <a:pt x="2121116" y="106230"/>
-                  </a:lnTo>
-                  <a:lnTo>
-                    <a:pt x="2194258" y="106230"/>
-                  </a:lnTo>
-                  <a:lnTo>
-                    <a:pt x="2194258" y="135202"/>
-                  </a:lnTo>
-                  <a:lnTo>
-                    <a:pt x="2267399" y="135202"/>
-                  </a:lnTo>
-                  <a:lnTo>
-                    <a:pt x="2267399" y="173831"/>
-                  </a:lnTo>
-                  <a:lnTo>
-                    <a:pt x="2340541" y="173831"/>
-                  </a:lnTo>
-                  <a:lnTo>
-                    <a:pt x="2340541" y="251090"/>
-                  </a:lnTo>
-                  <a:lnTo>
-                    <a:pt x="2413683" y="251090"/>
-                  </a:lnTo>
-                  <a:lnTo>
-                    <a:pt x="2413683" y="309034"/>
-                  </a:lnTo>
-                  <a:lnTo>
-                    <a:pt x="2486825" y="309034"/>
-                  </a:lnTo>
-                  <a:lnTo>
-                    <a:pt x="2486825" y="366978"/>
-                  </a:lnTo>
-                  <a:lnTo>
-                    <a:pt x="2559967" y="366978"/>
-                  </a:lnTo>
-                  <a:lnTo>
-                    <a:pt x="2559967" y="444236"/>
-                  </a:lnTo>
-                  <a:lnTo>
-                    <a:pt x="2633109" y="444236"/>
-                  </a:lnTo>
-                  <a:lnTo>
-                    <a:pt x="2633109" y="550467"/>
-                  </a:lnTo>
-                  <a:lnTo>
-                    <a:pt x="2706251" y="550467"/>
-                  </a:lnTo>
-                  <a:lnTo>
-                    <a:pt x="2706251" y="627725"/>
-                  </a:lnTo>
-                  <a:lnTo>
-                    <a:pt x="2779393" y="627725"/>
-                  </a:lnTo>
-                  <a:lnTo>
-                    <a:pt x="2779393" y="656697"/>
-                  </a:lnTo>
-                  <a:lnTo>
-                    <a:pt x="2852535" y="656697"/>
-                  </a:lnTo>
-                  <a:lnTo>
-                    <a:pt x="2852535" y="695326"/>
-                  </a:lnTo>
-                  <a:lnTo>
-                    <a:pt x="2925677" y="695326"/>
-                  </a:lnTo>
-                  <a:lnTo>
-                    <a:pt x="2925677" y="753270"/>
-                  </a:lnTo>
-                  <a:lnTo>
-                    <a:pt x="2998819" y="753270"/>
-                  </a:lnTo>
-                  <a:lnTo>
-                    <a:pt x="2998819" y="772585"/>
-                  </a:lnTo>
-                  <a:lnTo>
-                    <a:pt x="3145103" y="772585"/>
-                  </a:lnTo>
-                  <a:lnTo>
-                    <a:pt x="3145103" y="791899"/>
-                  </a:lnTo>
-                  <a:lnTo>
-                    <a:pt x="3218245" y="791899"/>
-                  </a:lnTo>
-                  <a:lnTo>
-                    <a:pt x="3218245" y="811214"/>
-                  </a:lnTo>
-                  <a:lnTo>
-                    <a:pt x="3291387" y="811214"/>
-                  </a:lnTo>
-                  <a:lnTo>
-                    <a:pt x="3291387" y="869158"/>
-                  </a:lnTo>
-                  <a:lnTo>
-                    <a:pt x="3364528" y="869158"/>
-                  </a:lnTo>
-                  <a:lnTo>
-                    <a:pt x="3364528" y="878815"/>
-                  </a:lnTo>
-                  <a:lnTo>
-                    <a:pt x="3437670" y="878815"/>
-                  </a:lnTo>
-                  <a:lnTo>
-                    <a:pt x="3437670" y="917445"/>
-                  </a:lnTo>
-                  <a:lnTo>
-                    <a:pt x="3510812" y="917445"/>
-                  </a:lnTo>
-                  <a:lnTo>
-                    <a:pt x="3510812" y="975388"/>
-                  </a:lnTo>
-                  <a:lnTo>
-                    <a:pt x="3583954" y="975388"/>
-                  </a:lnTo>
-                  <a:lnTo>
-                    <a:pt x="3583954" y="1004360"/>
-                  </a:lnTo>
-                  <a:lnTo>
-                    <a:pt x="3657096" y="1004360"/>
-                  </a:lnTo>
-                  <a:lnTo>
-                    <a:pt x="3657096" y="1023675"/>
-                  </a:lnTo>
-                  <a:lnTo>
-                    <a:pt x="3949664" y="1023675"/>
-                  </a:lnTo>
-                  <a:lnTo>
-                    <a:pt x="3949664" y="1033332"/>
+                    <a:pt x="1512327" y="0"/>
+                  </a:lnTo>
+                  <a:lnTo>
+                    <a:pt x="1512327" y="9657"/>
+                  </a:lnTo>
+                  <a:lnTo>
+                    <a:pt x="1709587" y="9657"/>
+                  </a:lnTo>
+                  <a:lnTo>
+                    <a:pt x="1709587" y="57943"/>
+                  </a:lnTo>
+                  <a:lnTo>
+                    <a:pt x="1775340" y="57943"/>
+                  </a:lnTo>
+                  <a:lnTo>
+                    <a:pt x="1775340" y="96573"/>
+                  </a:lnTo>
+                  <a:lnTo>
+                    <a:pt x="1906847" y="96573"/>
+                  </a:lnTo>
+                  <a:lnTo>
+                    <a:pt x="1906847" y="106230"/>
+                  </a:lnTo>
+                  <a:lnTo>
+                    <a:pt x="1972600" y="106230"/>
+                  </a:lnTo>
+                  <a:lnTo>
+                    <a:pt x="1972600" y="135202"/>
+                  </a:lnTo>
+                  <a:lnTo>
+                    <a:pt x="2038353" y="135202"/>
+                  </a:lnTo>
+                  <a:lnTo>
+                    <a:pt x="2038353" y="173831"/>
+                  </a:lnTo>
+                  <a:lnTo>
+                    <a:pt x="2104107" y="173831"/>
+                  </a:lnTo>
+                  <a:lnTo>
+                    <a:pt x="2104107" y="251090"/>
+                  </a:lnTo>
+                  <a:lnTo>
+                    <a:pt x="2169860" y="251090"/>
+                  </a:lnTo>
+                  <a:lnTo>
+                    <a:pt x="2169860" y="309034"/>
+                  </a:lnTo>
+                  <a:lnTo>
+                    <a:pt x="2235613" y="309034"/>
+                  </a:lnTo>
+                  <a:lnTo>
+                    <a:pt x="2235613" y="366978"/>
+                  </a:lnTo>
+                  <a:lnTo>
+                    <a:pt x="2301367" y="366978"/>
+                  </a:lnTo>
+                  <a:lnTo>
+                    <a:pt x="2301367" y="444236"/>
+                  </a:lnTo>
+                  <a:lnTo>
+                    <a:pt x="2367120" y="444236"/>
+                  </a:lnTo>
+                  <a:lnTo>
+                    <a:pt x="2367120" y="550467"/>
+                  </a:lnTo>
+                  <a:lnTo>
+                    <a:pt x="2432873" y="550467"/>
+                  </a:lnTo>
+                  <a:lnTo>
+                    <a:pt x="2432873" y="627725"/>
+                  </a:lnTo>
+                  <a:lnTo>
+                    <a:pt x="2498627" y="627725"/>
+                  </a:lnTo>
+                  <a:lnTo>
+                    <a:pt x="2498627" y="656697"/>
+                  </a:lnTo>
+                  <a:lnTo>
+                    <a:pt x="2564380" y="656697"/>
+                  </a:lnTo>
+                  <a:lnTo>
+                    <a:pt x="2564380" y="695326"/>
+                  </a:lnTo>
+                  <a:lnTo>
+                    <a:pt x="2630133" y="695326"/>
+                  </a:lnTo>
+                  <a:lnTo>
+                    <a:pt x="2630133" y="753270"/>
+                  </a:lnTo>
+                  <a:lnTo>
+                    <a:pt x="2695887" y="753270"/>
+                  </a:lnTo>
+                  <a:lnTo>
+                    <a:pt x="2695887" y="772585"/>
+                  </a:lnTo>
+                  <a:lnTo>
+                    <a:pt x="2827394" y="772585"/>
+                  </a:lnTo>
+                  <a:lnTo>
+                    <a:pt x="2827394" y="791899"/>
+                  </a:lnTo>
+                  <a:lnTo>
+                    <a:pt x="2893147" y="791899"/>
+                  </a:lnTo>
+                  <a:lnTo>
+                    <a:pt x="2893147" y="811214"/>
+                  </a:lnTo>
+                  <a:lnTo>
+                    <a:pt x="2958900" y="811214"/>
+                  </a:lnTo>
+                  <a:lnTo>
+                    <a:pt x="2958900" y="869158"/>
+                  </a:lnTo>
+                  <a:lnTo>
+                    <a:pt x="3024654" y="869158"/>
+                  </a:lnTo>
+                  <a:lnTo>
+                    <a:pt x="3024654" y="878815"/>
+                  </a:lnTo>
+                  <a:lnTo>
+                    <a:pt x="3090407" y="878815"/>
+                  </a:lnTo>
+                  <a:lnTo>
+                    <a:pt x="3090407" y="917445"/>
+                  </a:lnTo>
+                  <a:lnTo>
+                    <a:pt x="3156160" y="917445"/>
+                  </a:lnTo>
+                  <a:lnTo>
+                    <a:pt x="3156160" y="975388"/>
+                  </a:lnTo>
+                  <a:lnTo>
+                    <a:pt x="3221914" y="975388"/>
+                  </a:lnTo>
+                  <a:lnTo>
+                    <a:pt x="3221914" y="1004360"/>
+                  </a:lnTo>
+                  <a:lnTo>
+                    <a:pt x="3287667" y="1004360"/>
+                  </a:lnTo>
+                  <a:lnTo>
+                    <a:pt x="3287667" y="1023675"/>
+                  </a:lnTo>
+                  <a:lnTo>
+                    <a:pt x="3550680" y="1023675"/>
+                  </a:lnTo>
+                  <a:lnTo>
+                    <a:pt x="3550680" y="1033332"/>
                   </a:lnTo>
                 </a:path>
               </a:pathLst>
@@ -2538,12 +2538,12 @@
           <p:spPr>
             <a:xfrm>
               <a:off x="1693406" y="1127841"/>
-              <a:ext cx="3949664" cy="1042990"/>
+              <a:ext cx="3550680" cy="1042990"/>
             </a:xfrm>
             <a:custGeom>
               <a:avLst/>
               <a:pathLst>
-                <a:path w="3949664" h="1042990">
+                <a:path w="3550680" h="1042990">
                   <a:moveTo>
                     <a:pt x="0" y="0"/>
                   </a:moveTo>
@@ -2554,172 +2554,172 @@
                     <a:pt x="0" y="9657"/>
                   </a:lnTo>
                   <a:lnTo>
-                    <a:pt x="292567" y="9657"/>
-                  </a:lnTo>
-                  <a:lnTo>
-                    <a:pt x="292567" y="19314"/>
-                  </a:lnTo>
-                  <a:lnTo>
-                    <a:pt x="511993" y="19314"/>
-                  </a:lnTo>
-                  <a:lnTo>
-                    <a:pt x="511993" y="28971"/>
-                  </a:lnTo>
-                  <a:lnTo>
-                    <a:pt x="1389696" y="28971"/>
-                  </a:lnTo>
-                  <a:lnTo>
-                    <a:pt x="1389696" y="38629"/>
-                  </a:lnTo>
-                  <a:lnTo>
-                    <a:pt x="1462838" y="38629"/>
-                  </a:lnTo>
-                  <a:lnTo>
-                    <a:pt x="1462838" y="57943"/>
-                  </a:lnTo>
-                  <a:lnTo>
-                    <a:pt x="1535980" y="57943"/>
-                  </a:lnTo>
-                  <a:lnTo>
-                    <a:pt x="1535980" y="67601"/>
-                  </a:lnTo>
-                  <a:lnTo>
-                    <a:pt x="1609122" y="67601"/>
-                  </a:lnTo>
-                  <a:lnTo>
-                    <a:pt x="1609122" y="86915"/>
-                  </a:lnTo>
-                  <a:lnTo>
-                    <a:pt x="1755406" y="86915"/>
-                  </a:lnTo>
-                  <a:lnTo>
-                    <a:pt x="1755406" y="106230"/>
-                  </a:lnTo>
-                  <a:lnTo>
-                    <a:pt x="1828548" y="106230"/>
-                  </a:lnTo>
-                  <a:lnTo>
-                    <a:pt x="1828548" y="125545"/>
-                  </a:lnTo>
-                  <a:lnTo>
-                    <a:pt x="1901690" y="125545"/>
-                  </a:lnTo>
-                  <a:lnTo>
-                    <a:pt x="1901690" y="164174"/>
-                  </a:lnTo>
-                  <a:lnTo>
-                    <a:pt x="1974832" y="164174"/>
-                  </a:lnTo>
-                  <a:lnTo>
-                    <a:pt x="1974832" y="241432"/>
-                  </a:lnTo>
-                  <a:lnTo>
-                    <a:pt x="2047974" y="241432"/>
-                  </a:lnTo>
-                  <a:lnTo>
-                    <a:pt x="2047974" y="280062"/>
-                  </a:lnTo>
-                  <a:lnTo>
-                    <a:pt x="2121116" y="280062"/>
-                  </a:lnTo>
-                  <a:lnTo>
-                    <a:pt x="2121116" y="357320"/>
-                  </a:lnTo>
-                  <a:lnTo>
-                    <a:pt x="2194258" y="357320"/>
-                  </a:lnTo>
-                  <a:lnTo>
-                    <a:pt x="2194258" y="502180"/>
-                  </a:lnTo>
-                  <a:lnTo>
-                    <a:pt x="2267399" y="502180"/>
-                  </a:lnTo>
-                  <a:lnTo>
-                    <a:pt x="2267399" y="560124"/>
-                  </a:lnTo>
-                  <a:lnTo>
-                    <a:pt x="2340541" y="560124"/>
-                  </a:lnTo>
-                  <a:lnTo>
-                    <a:pt x="2340541" y="589096"/>
-                  </a:lnTo>
-                  <a:lnTo>
-                    <a:pt x="2413683" y="589096"/>
-                  </a:lnTo>
-                  <a:lnTo>
-                    <a:pt x="2413683" y="676012"/>
-                  </a:lnTo>
-                  <a:lnTo>
-                    <a:pt x="2486825" y="676012"/>
-                  </a:lnTo>
-                  <a:lnTo>
-                    <a:pt x="2486825" y="733956"/>
-                  </a:lnTo>
-                  <a:lnTo>
-                    <a:pt x="2559967" y="733956"/>
-                  </a:lnTo>
-                  <a:lnTo>
-                    <a:pt x="2559967" y="811214"/>
-                  </a:lnTo>
-                  <a:lnTo>
-                    <a:pt x="2633109" y="811214"/>
-                  </a:lnTo>
-                  <a:lnTo>
-                    <a:pt x="2633109" y="849843"/>
-                  </a:lnTo>
-                  <a:lnTo>
-                    <a:pt x="2706251" y="849843"/>
-                  </a:lnTo>
-                  <a:lnTo>
-                    <a:pt x="2706251" y="907787"/>
-                  </a:lnTo>
-                  <a:lnTo>
-                    <a:pt x="2779393" y="907787"/>
-                  </a:lnTo>
-                  <a:lnTo>
-                    <a:pt x="2779393" y="936759"/>
-                  </a:lnTo>
-                  <a:lnTo>
-                    <a:pt x="2925677" y="936759"/>
-                  </a:lnTo>
-                  <a:lnTo>
-                    <a:pt x="2925677" y="965731"/>
-                  </a:lnTo>
-                  <a:lnTo>
-                    <a:pt x="2998819" y="965731"/>
-                  </a:lnTo>
-                  <a:lnTo>
-                    <a:pt x="2998819" y="985046"/>
-                  </a:lnTo>
-                  <a:lnTo>
-                    <a:pt x="3071961" y="985046"/>
-                  </a:lnTo>
-                  <a:lnTo>
-                    <a:pt x="3071961" y="994703"/>
-                  </a:lnTo>
-                  <a:lnTo>
-                    <a:pt x="3145103" y="994703"/>
-                  </a:lnTo>
-                  <a:lnTo>
-                    <a:pt x="3145103" y="1023675"/>
-                  </a:lnTo>
-                  <a:lnTo>
-                    <a:pt x="3510812" y="1023675"/>
-                  </a:lnTo>
-                  <a:lnTo>
-                    <a:pt x="3510812" y="1033332"/>
-                  </a:lnTo>
-                  <a:lnTo>
-                    <a:pt x="3583954" y="1033332"/>
-                  </a:lnTo>
-                  <a:lnTo>
-                    <a:pt x="3583954" y="1042990"/>
-                  </a:lnTo>
-                  <a:lnTo>
-                    <a:pt x="3949664" y="1042990"/>
-                  </a:lnTo>
-                  <a:lnTo>
-                    <a:pt x="3949664" y="1042990"/>
+                    <a:pt x="263013" y="9657"/>
+                  </a:lnTo>
+                  <a:lnTo>
+                    <a:pt x="263013" y="19314"/>
+                  </a:lnTo>
+                  <a:lnTo>
+                    <a:pt x="460273" y="19314"/>
+                  </a:lnTo>
+                  <a:lnTo>
+                    <a:pt x="460273" y="28971"/>
+                  </a:lnTo>
+                  <a:lnTo>
+                    <a:pt x="1249313" y="28971"/>
+                  </a:lnTo>
+                  <a:lnTo>
+                    <a:pt x="1249313" y="38629"/>
+                  </a:lnTo>
+                  <a:lnTo>
+                    <a:pt x="1315066" y="38629"/>
+                  </a:lnTo>
+                  <a:lnTo>
+                    <a:pt x="1315066" y="57943"/>
+                  </a:lnTo>
+                  <a:lnTo>
+                    <a:pt x="1380820" y="57943"/>
+                  </a:lnTo>
+                  <a:lnTo>
+                    <a:pt x="1380820" y="67601"/>
+                  </a:lnTo>
+                  <a:lnTo>
+                    <a:pt x="1446573" y="67601"/>
+                  </a:lnTo>
+                  <a:lnTo>
+                    <a:pt x="1446573" y="86915"/>
+                  </a:lnTo>
+                  <a:lnTo>
+                    <a:pt x="1578080" y="86915"/>
+                  </a:lnTo>
+                  <a:lnTo>
+                    <a:pt x="1578080" y="106230"/>
+                  </a:lnTo>
+                  <a:lnTo>
+                    <a:pt x="1643833" y="106230"/>
+                  </a:lnTo>
+                  <a:lnTo>
+                    <a:pt x="1643833" y="125545"/>
+                  </a:lnTo>
+                  <a:lnTo>
+                    <a:pt x="1709587" y="125545"/>
+                  </a:lnTo>
+                  <a:lnTo>
+                    <a:pt x="1709587" y="164174"/>
+                  </a:lnTo>
+                  <a:lnTo>
+                    <a:pt x="1775340" y="164174"/>
+                  </a:lnTo>
+                  <a:lnTo>
+                    <a:pt x="1775340" y="241432"/>
+                  </a:lnTo>
+                  <a:lnTo>
+                    <a:pt x="1841093" y="241432"/>
+                  </a:lnTo>
+                  <a:lnTo>
+                    <a:pt x="1841093" y="280062"/>
+                  </a:lnTo>
+                  <a:lnTo>
+                    <a:pt x="1906847" y="280062"/>
+                  </a:lnTo>
+                  <a:lnTo>
+                    <a:pt x="1906847" y="357320"/>
+                  </a:lnTo>
+                  <a:lnTo>
+                    <a:pt x="1972600" y="357320"/>
+                  </a:lnTo>
+                  <a:lnTo>
+                    <a:pt x="1972600" y="502180"/>
+                  </a:lnTo>
+                  <a:lnTo>
+                    <a:pt x="2038353" y="502180"/>
+                  </a:lnTo>
+                  <a:lnTo>
+                    <a:pt x="2038353" y="560124"/>
+                  </a:lnTo>
+                  <a:lnTo>
+                    <a:pt x="2104107" y="560124"/>
+                  </a:lnTo>
+                  <a:lnTo>
+                    <a:pt x="2104107" y="589096"/>
+                  </a:lnTo>
+                  <a:lnTo>
+                    <a:pt x="2169860" y="589096"/>
+                  </a:lnTo>
+                  <a:lnTo>
+                    <a:pt x="2169860" y="676012"/>
+                  </a:lnTo>
+                  <a:lnTo>
+                    <a:pt x="2235613" y="676012"/>
+                  </a:lnTo>
+                  <a:lnTo>
+                    <a:pt x="2235613" y="733956"/>
+                  </a:lnTo>
+                  <a:lnTo>
+                    <a:pt x="2301367" y="733956"/>
+                  </a:lnTo>
+                  <a:lnTo>
+                    <a:pt x="2301367" y="811214"/>
+                  </a:lnTo>
+                  <a:lnTo>
+                    <a:pt x="2367120" y="811214"/>
+                  </a:lnTo>
+                  <a:lnTo>
+                    <a:pt x="2367120" y="849843"/>
+                  </a:lnTo>
+                  <a:lnTo>
+                    <a:pt x="2432873" y="849843"/>
+                  </a:lnTo>
+                  <a:lnTo>
+                    <a:pt x="2432873" y="907787"/>
+                  </a:lnTo>
+                  <a:lnTo>
+                    <a:pt x="2498627" y="907787"/>
+                  </a:lnTo>
+                  <a:lnTo>
+                    <a:pt x="2498627" y="936759"/>
+                  </a:lnTo>
+                  <a:lnTo>
+                    <a:pt x="2630133" y="936759"/>
+                  </a:lnTo>
+                  <a:lnTo>
+                    <a:pt x="2630133" y="965731"/>
+                  </a:lnTo>
+                  <a:lnTo>
+                    <a:pt x="2695887" y="965731"/>
+                  </a:lnTo>
+                  <a:lnTo>
+                    <a:pt x="2695887" y="985046"/>
+                  </a:lnTo>
+                  <a:lnTo>
+                    <a:pt x="2761640" y="985046"/>
+                  </a:lnTo>
+                  <a:lnTo>
+                    <a:pt x="2761640" y="994703"/>
+                  </a:lnTo>
+                  <a:lnTo>
+                    <a:pt x="2827394" y="994703"/>
+                  </a:lnTo>
+                  <a:lnTo>
+                    <a:pt x="2827394" y="1023675"/>
+                  </a:lnTo>
+                  <a:lnTo>
+                    <a:pt x="3156160" y="1023675"/>
+                  </a:lnTo>
+                  <a:lnTo>
+                    <a:pt x="3156160" y="1033332"/>
+                  </a:lnTo>
+                  <a:lnTo>
+                    <a:pt x="3221914" y="1033332"/>
+                  </a:lnTo>
+                  <a:lnTo>
+                    <a:pt x="3221914" y="1042990"/>
+                  </a:lnTo>
+                  <a:lnTo>
+                    <a:pt x="3550680" y="1042990"/>
+                  </a:lnTo>
+                  <a:lnTo>
+                    <a:pt x="3550680" y="1042990"/>
                   </a:lnTo>
                 </a:path>
               </a:pathLst>
@@ -2749,170 +2749,170 @@
           <p:spPr>
             <a:xfrm>
               <a:off x="1693406" y="1127841"/>
-              <a:ext cx="3949664" cy="849843"/>
+              <a:ext cx="3550680" cy="849843"/>
             </a:xfrm>
             <a:custGeom>
               <a:avLst/>
               <a:pathLst>
-                <a:path w="3949664" h="849843">
+                <a:path w="3550680" h="849843">
                   <a:moveTo>
                     <a:pt x="0" y="0"/>
                   </a:moveTo>
                   <a:lnTo>
-                    <a:pt x="1462838" y="0"/>
-                  </a:lnTo>
-                  <a:lnTo>
-                    <a:pt x="1462838" y="9657"/>
-                  </a:lnTo>
-                  <a:lnTo>
-                    <a:pt x="1609122" y="9657"/>
-                  </a:lnTo>
-                  <a:lnTo>
-                    <a:pt x="1609122" y="19314"/>
-                  </a:lnTo>
-                  <a:lnTo>
-                    <a:pt x="1755406" y="19314"/>
-                  </a:lnTo>
-                  <a:lnTo>
-                    <a:pt x="1755406" y="28971"/>
-                  </a:lnTo>
-                  <a:lnTo>
-                    <a:pt x="1901690" y="28971"/>
-                  </a:lnTo>
-                  <a:lnTo>
-                    <a:pt x="1901690" y="48286"/>
-                  </a:lnTo>
-                  <a:lnTo>
-                    <a:pt x="1974832" y="48286"/>
-                  </a:lnTo>
-                  <a:lnTo>
-                    <a:pt x="1974832" y="77258"/>
-                  </a:lnTo>
-                  <a:lnTo>
-                    <a:pt x="2047974" y="77258"/>
-                  </a:lnTo>
-                  <a:lnTo>
-                    <a:pt x="2047974" y="106230"/>
-                  </a:lnTo>
-                  <a:lnTo>
-                    <a:pt x="2121116" y="106230"/>
-                  </a:lnTo>
-                  <a:lnTo>
-                    <a:pt x="2121116" y="125545"/>
-                  </a:lnTo>
-                  <a:lnTo>
-                    <a:pt x="2194258" y="125545"/>
-                  </a:lnTo>
-                  <a:lnTo>
-                    <a:pt x="2194258" y="173831"/>
-                  </a:lnTo>
-                  <a:lnTo>
-                    <a:pt x="2267399" y="173831"/>
-                  </a:lnTo>
-                  <a:lnTo>
-                    <a:pt x="2267399" y="241432"/>
-                  </a:lnTo>
-                  <a:lnTo>
-                    <a:pt x="2340541" y="241432"/>
-                  </a:lnTo>
-                  <a:lnTo>
-                    <a:pt x="2340541" y="260747"/>
-                  </a:lnTo>
-                  <a:lnTo>
-                    <a:pt x="2413683" y="260747"/>
-                  </a:lnTo>
-                  <a:lnTo>
-                    <a:pt x="2413683" y="366978"/>
-                  </a:lnTo>
-                  <a:lnTo>
-                    <a:pt x="2486825" y="366978"/>
-                  </a:lnTo>
-                  <a:lnTo>
-                    <a:pt x="2486825" y="444236"/>
-                  </a:lnTo>
-                  <a:lnTo>
-                    <a:pt x="2559967" y="444236"/>
-                  </a:lnTo>
-                  <a:lnTo>
-                    <a:pt x="2559967" y="540809"/>
-                  </a:lnTo>
-                  <a:lnTo>
-                    <a:pt x="2633109" y="540809"/>
-                  </a:lnTo>
-                  <a:lnTo>
-                    <a:pt x="2633109" y="598753"/>
-                  </a:lnTo>
-                  <a:lnTo>
-                    <a:pt x="2706251" y="598753"/>
-                  </a:lnTo>
-                  <a:lnTo>
-                    <a:pt x="2706251" y="656697"/>
-                  </a:lnTo>
-                  <a:lnTo>
-                    <a:pt x="2779393" y="656697"/>
-                  </a:lnTo>
-                  <a:lnTo>
-                    <a:pt x="2779393" y="695326"/>
-                  </a:lnTo>
-                  <a:lnTo>
-                    <a:pt x="2852535" y="695326"/>
-                  </a:lnTo>
-                  <a:lnTo>
-                    <a:pt x="2852535" y="724298"/>
-                  </a:lnTo>
-                  <a:lnTo>
-                    <a:pt x="2925677" y="724298"/>
-                  </a:lnTo>
-                  <a:lnTo>
-                    <a:pt x="2925677" y="733956"/>
-                  </a:lnTo>
-                  <a:lnTo>
-                    <a:pt x="2998819" y="733956"/>
-                  </a:lnTo>
-                  <a:lnTo>
-                    <a:pt x="2998819" y="762927"/>
-                  </a:lnTo>
-                  <a:lnTo>
-                    <a:pt x="3145103" y="762927"/>
-                  </a:lnTo>
-                  <a:lnTo>
-                    <a:pt x="3145103" y="772585"/>
-                  </a:lnTo>
-                  <a:lnTo>
-                    <a:pt x="3218245" y="772585"/>
-                  </a:lnTo>
-                  <a:lnTo>
-                    <a:pt x="3218245" y="782242"/>
-                  </a:lnTo>
-                  <a:lnTo>
-                    <a:pt x="3291387" y="782242"/>
-                  </a:lnTo>
-                  <a:lnTo>
-                    <a:pt x="3291387" y="811214"/>
-                  </a:lnTo>
-                  <a:lnTo>
-                    <a:pt x="3510812" y="811214"/>
-                  </a:lnTo>
-                  <a:lnTo>
-                    <a:pt x="3510812" y="820871"/>
-                  </a:lnTo>
-                  <a:lnTo>
-                    <a:pt x="3583954" y="820871"/>
-                  </a:lnTo>
-                  <a:lnTo>
-                    <a:pt x="3583954" y="840186"/>
-                  </a:lnTo>
-                  <a:lnTo>
-                    <a:pt x="3730238" y="840186"/>
-                  </a:lnTo>
-                  <a:lnTo>
-                    <a:pt x="3730238" y="849843"/>
-                  </a:lnTo>
-                  <a:lnTo>
-                    <a:pt x="3949664" y="849843"/>
-                  </a:lnTo>
-                  <a:lnTo>
-                    <a:pt x="3949664" y="849843"/>
+                    <a:pt x="1315066" y="0"/>
+                  </a:lnTo>
+                  <a:lnTo>
+                    <a:pt x="1315066" y="9657"/>
+                  </a:lnTo>
+                  <a:lnTo>
+                    <a:pt x="1446573" y="9657"/>
+                  </a:lnTo>
+                  <a:lnTo>
+                    <a:pt x="1446573" y="19314"/>
+                  </a:lnTo>
+                  <a:lnTo>
+                    <a:pt x="1578080" y="19314"/>
+                  </a:lnTo>
+                  <a:lnTo>
+                    <a:pt x="1578080" y="28971"/>
+                  </a:lnTo>
+                  <a:lnTo>
+                    <a:pt x="1709587" y="28971"/>
+                  </a:lnTo>
+                  <a:lnTo>
+                    <a:pt x="1709587" y="48286"/>
+                  </a:lnTo>
+                  <a:lnTo>
+                    <a:pt x="1775340" y="48286"/>
+                  </a:lnTo>
+                  <a:lnTo>
+                    <a:pt x="1775340" y="77258"/>
+                  </a:lnTo>
+                  <a:lnTo>
+                    <a:pt x="1841093" y="77258"/>
+                  </a:lnTo>
+                  <a:lnTo>
+                    <a:pt x="1841093" y="106230"/>
+                  </a:lnTo>
+                  <a:lnTo>
+                    <a:pt x="1906847" y="106230"/>
+                  </a:lnTo>
+                  <a:lnTo>
+                    <a:pt x="1906847" y="125545"/>
+                  </a:lnTo>
+                  <a:lnTo>
+                    <a:pt x="1972600" y="125545"/>
+                  </a:lnTo>
+                  <a:lnTo>
+                    <a:pt x="1972600" y="173831"/>
+                  </a:lnTo>
+                  <a:lnTo>
+                    <a:pt x="2038353" y="173831"/>
+                  </a:lnTo>
+                  <a:lnTo>
+                    <a:pt x="2038353" y="241432"/>
+                  </a:lnTo>
+                  <a:lnTo>
+                    <a:pt x="2104107" y="241432"/>
+                  </a:lnTo>
+                  <a:lnTo>
+                    <a:pt x="2104107" y="260747"/>
+                  </a:lnTo>
+                  <a:lnTo>
+                    <a:pt x="2169860" y="260747"/>
+                  </a:lnTo>
+                  <a:lnTo>
+                    <a:pt x="2169860" y="366978"/>
+                  </a:lnTo>
+                  <a:lnTo>
+                    <a:pt x="2235613" y="366978"/>
+                  </a:lnTo>
+                  <a:lnTo>
+                    <a:pt x="2235613" y="444236"/>
+                  </a:lnTo>
+                  <a:lnTo>
+                    <a:pt x="2301367" y="444236"/>
+                  </a:lnTo>
+                  <a:lnTo>
+                    <a:pt x="2301367" y="540809"/>
+                  </a:lnTo>
+                  <a:lnTo>
+                    <a:pt x="2367120" y="540809"/>
+                  </a:lnTo>
+                  <a:lnTo>
+                    <a:pt x="2367120" y="598753"/>
+                  </a:lnTo>
+                  <a:lnTo>
+                    <a:pt x="2432873" y="598753"/>
+                  </a:lnTo>
+                  <a:lnTo>
+                    <a:pt x="2432873" y="656697"/>
+                  </a:lnTo>
+                  <a:lnTo>
+                    <a:pt x="2498627" y="656697"/>
+                  </a:lnTo>
+                  <a:lnTo>
+                    <a:pt x="2498627" y="695326"/>
+                  </a:lnTo>
+                  <a:lnTo>
+                    <a:pt x="2564380" y="695326"/>
+                  </a:lnTo>
+                  <a:lnTo>
+                    <a:pt x="2564380" y="724298"/>
+                  </a:lnTo>
+                  <a:lnTo>
+                    <a:pt x="2630133" y="724298"/>
+                  </a:lnTo>
+                  <a:lnTo>
+                    <a:pt x="2630133" y="733956"/>
+                  </a:lnTo>
+                  <a:lnTo>
+                    <a:pt x="2695887" y="733956"/>
+                  </a:lnTo>
+                  <a:lnTo>
+                    <a:pt x="2695887" y="762927"/>
+                  </a:lnTo>
+                  <a:lnTo>
+                    <a:pt x="2827394" y="762927"/>
+                  </a:lnTo>
+                  <a:lnTo>
+                    <a:pt x="2827394" y="772585"/>
+                  </a:lnTo>
+                  <a:lnTo>
+                    <a:pt x="2893147" y="772585"/>
+                  </a:lnTo>
+                  <a:lnTo>
+                    <a:pt x="2893147" y="782242"/>
+                  </a:lnTo>
+                  <a:lnTo>
+                    <a:pt x="2958900" y="782242"/>
+                  </a:lnTo>
+                  <a:lnTo>
+                    <a:pt x="2958900" y="811214"/>
+                  </a:lnTo>
+                  <a:lnTo>
+                    <a:pt x="3156160" y="811214"/>
+                  </a:lnTo>
+                  <a:lnTo>
+                    <a:pt x="3156160" y="820871"/>
+                  </a:lnTo>
+                  <a:lnTo>
+                    <a:pt x="3221914" y="820871"/>
+                  </a:lnTo>
+                  <a:lnTo>
+                    <a:pt x="3221914" y="840186"/>
+                  </a:lnTo>
+                  <a:lnTo>
+                    <a:pt x="3353420" y="840186"/>
+                  </a:lnTo>
+                  <a:lnTo>
+                    <a:pt x="3353420" y="849843"/>
+                  </a:lnTo>
+                  <a:lnTo>
+                    <a:pt x="3550680" y="849843"/>
+                  </a:lnTo>
+                  <a:lnTo>
+                    <a:pt x="3550680" y="849843"/>
                   </a:lnTo>
                 </a:path>
               </a:pathLst>
@@ -2942,170 +2942,170 @@
           <p:spPr>
             <a:xfrm>
               <a:off x="1693406" y="1127841"/>
-              <a:ext cx="3949664" cy="927102"/>
+              <a:ext cx="3550680" cy="927102"/>
             </a:xfrm>
             <a:custGeom>
               <a:avLst/>
               <a:pathLst>
-                <a:path w="3949664" h="927102">
+                <a:path w="3550680" h="927102">
                   <a:moveTo>
                     <a:pt x="0" y="0"/>
                   </a:moveTo>
                   <a:lnTo>
-                    <a:pt x="1389696" y="0"/>
-                  </a:lnTo>
-                  <a:lnTo>
-                    <a:pt x="1389696" y="9657"/>
-                  </a:lnTo>
-                  <a:lnTo>
-                    <a:pt x="1535980" y="9657"/>
-                  </a:lnTo>
-                  <a:lnTo>
-                    <a:pt x="1535980" y="19314"/>
-                  </a:lnTo>
-                  <a:lnTo>
-                    <a:pt x="1609122" y="19314"/>
-                  </a:lnTo>
-                  <a:lnTo>
-                    <a:pt x="1609122" y="28971"/>
-                  </a:lnTo>
-                  <a:lnTo>
-                    <a:pt x="1828548" y="28971"/>
-                  </a:lnTo>
-                  <a:lnTo>
-                    <a:pt x="1828548" y="38629"/>
-                  </a:lnTo>
-                  <a:lnTo>
-                    <a:pt x="1901690" y="38629"/>
-                  </a:lnTo>
-                  <a:lnTo>
-                    <a:pt x="1901690" y="57943"/>
-                  </a:lnTo>
-                  <a:lnTo>
-                    <a:pt x="1974832" y="57943"/>
-                  </a:lnTo>
-                  <a:lnTo>
-                    <a:pt x="1974832" y="77258"/>
-                  </a:lnTo>
-                  <a:lnTo>
-                    <a:pt x="2047974" y="77258"/>
-                  </a:lnTo>
-                  <a:lnTo>
-                    <a:pt x="2047974" y="86915"/>
-                  </a:lnTo>
-                  <a:lnTo>
-                    <a:pt x="2121116" y="86915"/>
-                  </a:lnTo>
-                  <a:lnTo>
-                    <a:pt x="2121116" y="154517"/>
-                  </a:lnTo>
-                  <a:lnTo>
-                    <a:pt x="2194258" y="154517"/>
-                  </a:lnTo>
-                  <a:lnTo>
-                    <a:pt x="2194258" y="222118"/>
-                  </a:lnTo>
-                  <a:lnTo>
-                    <a:pt x="2267399" y="222118"/>
-                  </a:lnTo>
-                  <a:lnTo>
-                    <a:pt x="2267399" y="318691"/>
-                  </a:lnTo>
-                  <a:lnTo>
-                    <a:pt x="2340541" y="318691"/>
-                  </a:lnTo>
-                  <a:lnTo>
-                    <a:pt x="2340541" y="357320"/>
-                  </a:lnTo>
-                  <a:lnTo>
-                    <a:pt x="2413683" y="357320"/>
-                  </a:lnTo>
-                  <a:lnTo>
-                    <a:pt x="2413683" y="386292"/>
-                  </a:lnTo>
-                  <a:lnTo>
-                    <a:pt x="2486825" y="386292"/>
-                  </a:lnTo>
-                  <a:lnTo>
-                    <a:pt x="2486825" y="453893"/>
-                  </a:lnTo>
-                  <a:lnTo>
-                    <a:pt x="2559967" y="453893"/>
-                  </a:lnTo>
-                  <a:lnTo>
-                    <a:pt x="2559967" y="579438"/>
-                  </a:lnTo>
-                  <a:lnTo>
-                    <a:pt x="2633109" y="579438"/>
-                  </a:lnTo>
-                  <a:lnTo>
-                    <a:pt x="2633109" y="656697"/>
-                  </a:lnTo>
-                  <a:lnTo>
-                    <a:pt x="2706251" y="656697"/>
-                  </a:lnTo>
-                  <a:lnTo>
-                    <a:pt x="2706251" y="695326"/>
-                  </a:lnTo>
-                  <a:lnTo>
-                    <a:pt x="2779393" y="695326"/>
-                  </a:lnTo>
-                  <a:lnTo>
-                    <a:pt x="2779393" y="762927"/>
-                  </a:lnTo>
-                  <a:lnTo>
-                    <a:pt x="2852535" y="762927"/>
-                  </a:lnTo>
-                  <a:lnTo>
-                    <a:pt x="2852535" y="811214"/>
-                  </a:lnTo>
-                  <a:lnTo>
-                    <a:pt x="2925677" y="811214"/>
-                  </a:lnTo>
-                  <a:lnTo>
-                    <a:pt x="2925677" y="830529"/>
-                  </a:lnTo>
-                  <a:lnTo>
-                    <a:pt x="3071961" y="830529"/>
-                  </a:lnTo>
-                  <a:lnTo>
-                    <a:pt x="3071961" y="840186"/>
-                  </a:lnTo>
-                  <a:lnTo>
-                    <a:pt x="3291387" y="840186"/>
-                  </a:lnTo>
-                  <a:lnTo>
-                    <a:pt x="3291387" y="859501"/>
-                  </a:lnTo>
-                  <a:lnTo>
-                    <a:pt x="3364528" y="859501"/>
-                  </a:lnTo>
-                  <a:lnTo>
-                    <a:pt x="3364528" y="869158"/>
-                  </a:lnTo>
-                  <a:lnTo>
-                    <a:pt x="3437670" y="869158"/>
-                  </a:lnTo>
-                  <a:lnTo>
-                    <a:pt x="3437670" y="888473"/>
-                  </a:lnTo>
-                  <a:lnTo>
-                    <a:pt x="3510812" y="888473"/>
-                  </a:lnTo>
-                  <a:lnTo>
-                    <a:pt x="3510812" y="907787"/>
-                  </a:lnTo>
-                  <a:lnTo>
-                    <a:pt x="3730238" y="907787"/>
-                  </a:lnTo>
-                  <a:lnTo>
-                    <a:pt x="3730238" y="917445"/>
-                  </a:lnTo>
-                  <a:lnTo>
-                    <a:pt x="3949664" y="917445"/>
-                  </a:lnTo>
-                  <a:lnTo>
-                    <a:pt x="3949664" y="927102"/>
+                    <a:pt x="1249313" y="0"/>
+                  </a:lnTo>
+                  <a:lnTo>
+                    <a:pt x="1249313" y="9657"/>
+                  </a:lnTo>
+                  <a:lnTo>
+                    <a:pt x="1380820" y="9657"/>
+                  </a:lnTo>
+                  <a:lnTo>
+                    <a:pt x="1380820" y="19314"/>
+                  </a:lnTo>
+                  <a:lnTo>
+                    <a:pt x="1446573" y="19314"/>
+                  </a:lnTo>
+                  <a:lnTo>
+                    <a:pt x="1446573" y="28971"/>
+                  </a:lnTo>
+                  <a:lnTo>
+                    <a:pt x="1643833" y="28971"/>
+                  </a:lnTo>
+                  <a:lnTo>
+                    <a:pt x="1643833" y="38629"/>
+                  </a:lnTo>
+                  <a:lnTo>
+                    <a:pt x="1709587" y="38629"/>
+                  </a:lnTo>
+                  <a:lnTo>
+                    <a:pt x="1709587" y="57943"/>
+                  </a:lnTo>
+                  <a:lnTo>
+                    <a:pt x="1775340" y="57943"/>
+                  </a:lnTo>
+                  <a:lnTo>
+                    <a:pt x="1775340" y="77258"/>
+                  </a:lnTo>
+                  <a:lnTo>
+                    <a:pt x="1841093" y="77258"/>
+                  </a:lnTo>
+                  <a:lnTo>
+                    <a:pt x="1841093" y="86915"/>
+                  </a:lnTo>
+                  <a:lnTo>
+                    <a:pt x="1906847" y="86915"/>
+                  </a:lnTo>
+                  <a:lnTo>
+                    <a:pt x="1906847" y="154517"/>
+                  </a:lnTo>
+                  <a:lnTo>
+                    <a:pt x="1972600" y="154517"/>
+                  </a:lnTo>
+                  <a:lnTo>
+                    <a:pt x="1972600" y="222118"/>
+                  </a:lnTo>
+                  <a:lnTo>
+                    <a:pt x="2038353" y="222118"/>
+                  </a:lnTo>
+                  <a:lnTo>
+                    <a:pt x="2038353" y="318691"/>
+                  </a:lnTo>
+                  <a:lnTo>
+                    <a:pt x="2104107" y="318691"/>
+                  </a:lnTo>
+                  <a:lnTo>
+                    <a:pt x="2104107" y="357320"/>
+                  </a:lnTo>
+                  <a:lnTo>
+                    <a:pt x="2169860" y="357320"/>
+                  </a:lnTo>
+                  <a:lnTo>
+                    <a:pt x="2169860" y="386292"/>
+                  </a:lnTo>
+                  <a:lnTo>
+                    <a:pt x="2235613" y="386292"/>
+                  </a:lnTo>
+                  <a:lnTo>
+                    <a:pt x="2235613" y="453893"/>
+                  </a:lnTo>
+                  <a:lnTo>
+                    <a:pt x="2301367" y="453893"/>
+                  </a:lnTo>
+                  <a:lnTo>
+                    <a:pt x="2301367" y="579438"/>
+                  </a:lnTo>
+                  <a:lnTo>
+                    <a:pt x="2367120" y="579438"/>
+                  </a:lnTo>
+                  <a:lnTo>
+                    <a:pt x="2367120" y="656697"/>
+                  </a:lnTo>
+                  <a:lnTo>
+                    <a:pt x="2432873" y="656697"/>
+                  </a:lnTo>
+                  <a:lnTo>
+                    <a:pt x="2432873" y="695326"/>
+                  </a:lnTo>
+                  <a:lnTo>
+                    <a:pt x="2498627" y="695326"/>
+                  </a:lnTo>
+                  <a:lnTo>
+                    <a:pt x="2498627" y="762927"/>
+                  </a:lnTo>
+                  <a:lnTo>
+                    <a:pt x="2564380" y="762927"/>
+                  </a:lnTo>
+                  <a:lnTo>
+                    <a:pt x="2564380" y="811214"/>
+                  </a:lnTo>
+                  <a:lnTo>
+                    <a:pt x="2630133" y="811214"/>
+                  </a:lnTo>
+                  <a:lnTo>
+                    <a:pt x="2630133" y="830529"/>
+                  </a:lnTo>
+                  <a:lnTo>
+                    <a:pt x="2761640" y="830529"/>
+                  </a:lnTo>
+                  <a:lnTo>
+                    <a:pt x="2761640" y="840186"/>
+                  </a:lnTo>
+                  <a:lnTo>
+                    <a:pt x="2958900" y="840186"/>
+                  </a:lnTo>
+                  <a:lnTo>
+                    <a:pt x="2958900" y="859501"/>
+                  </a:lnTo>
+                  <a:lnTo>
+                    <a:pt x="3024654" y="859501"/>
+                  </a:lnTo>
+                  <a:lnTo>
+                    <a:pt x="3024654" y="869158"/>
+                  </a:lnTo>
+                  <a:lnTo>
+                    <a:pt x="3090407" y="869158"/>
+                  </a:lnTo>
+                  <a:lnTo>
+                    <a:pt x="3090407" y="888473"/>
+                  </a:lnTo>
+                  <a:lnTo>
+                    <a:pt x="3156160" y="888473"/>
+                  </a:lnTo>
+                  <a:lnTo>
+                    <a:pt x="3156160" y="907787"/>
+                  </a:lnTo>
+                  <a:lnTo>
+                    <a:pt x="3353420" y="907787"/>
+                  </a:lnTo>
+                  <a:lnTo>
+                    <a:pt x="3353420" y="917445"/>
+                  </a:lnTo>
+                  <a:lnTo>
+                    <a:pt x="3550680" y="917445"/>
+                  </a:lnTo>
+                  <a:lnTo>
+                    <a:pt x="3550680" y="927102"/>
                   </a:lnTo>
                 </a:path>
               </a:pathLst>
@@ -3134,7 +3134,7 @@
           </p:nvSpPr>
           <p:spPr>
             <a:xfrm>
-              <a:off x="5592087" y="2140072"/>
+              <a:off x="5193103" y="2140072"/>
               <a:ext cx="101968" cy="82614"/>
             </a:xfrm>
             <a:prstGeom prst="rect">
@@ -3180,7 +3180,7 @@
           </p:nvSpPr>
           <p:spPr>
             <a:xfrm>
-              <a:off x="5592087" y="2149730"/>
+              <a:off x="5193103" y="2149730"/>
               <a:ext cx="101968" cy="82614"/>
             </a:xfrm>
             <a:prstGeom prst="rect">
@@ -3226,7 +3226,7 @@
           </p:nvSpPr>
           <p:spPr>
             <a:xfrm>
-              <a:off x="5592087" y="1956583"/>
+              <a:off x="5193103" y="1956583"/>
               <a:ext cx="101968" cy="82614"/>
             </a:xfrm>
             <a:prstGeom prst="rect">
@@ -3272,7 +3272,7 @@
           </p:nvSpPr>
           <p:spPr>
             <a:xfrm>
-              <a:off x="5592087" y="2033842"/>
+              <a:off x="5193103" y="2033842"/>
               <a:ext cx="101968" cy="82614"/>
             </a:xfrm>
             <a:prstGeom prst="rect">
@@ -3319,7 +3319,7 @@
           <p:spPr>
             <a:xfrm>
               <a:off x="1693406" y="1040925"/>
-              <a:ext cx="4022806" cy="2984110"/>
+              <a:ext cx="3616434" cy="2984110"/>
             </a:xfrm>
             <a:prstGeom prst="rect">
               <a:avLst/>
@@ -4326,17 +4326,17 @@
           <p:spPr>
             <a:xfrm>
               <a:off x="1693406" y="4025036"/>
-              <a:ext cx="4022806" cy="0"/>
+              <a:ext cx="3616434" cy="0"/>
             </a:xfrm>
             <a:custGeom>
               <a:avLst/>
               <a:pathLst>
-                <a:path w="4022806" h="0">
+                <a:path w="3616434" h="0">
                   <a:moveTo>
                     <a:pt x="0" y="0"/>
                   </a:moveTo>
                   <a:lnTo>
-                    <a:pt x="4022806" y="0"/>
+                    <a:pt x="3616434" y="0"/>
                   </a:lnTo>
                 </a:path>
               </a:pathLst>
@@ -4405,7 +4405,7 @@
           </p:nvSpPr>
           <p:spPr>
             <a:xfrm>
-              <a:off x="2132258" y="4025036"/>
+              <a:off x="2087926" y="4025036"/>
               <a:ext cx="0" cy="44283"/>
             </a:xfrm>
             <a:custGeom>
@@ -4445,7 +4445,7 @@
           </p:nvSpPr>
           <p:spPr>
             <a:xfrm>
-              <a:off x="2571109" y="4025036"/>
+              <a:off x="2482446" y="4025036"/>
               <a:ext cx="0" cy="44283"/>
             </a:xfrm>
             <a:custGeom>
@@ -4485,7 +4485,7 @@
           </p:nvSpPr>
           <p:spPr>
             <a:xfrm>
-              <a:off x="3009961" y="4025036"/>
+              <a:off x="2876967" y="4025036"/>
               <a:ext cx="0" cy="44283"/>
             </a:xfrm>
             <a:custGeom>
@@ -4525,7 +4525,7 @@
           </p:nvSpPr>
           <p:spPr>
             <a:xfrm>
-              <a:off x="3448813" y="4025036"/>
+              <a:off x="3271487" y="4025036"/>
               <a:ext cx="0" cy="44283"/>
             </a:xfrm>
             <a:custGeom>
@@ -4565,7 +4565,7 @@
           </p:nvSpPr>
           <p:spPr>
             <a:xfrm>
-              <a:off x="3887664" y="4025036"/>
+              <a:off x="3666007" y="4025036"/>
               <a:ext cx="0" cy="44283"/>
             </a:xfrm>
             <a:custGeom>
@@ -4605,7 +4605,7 @@
           </p:nvSpPr>
           <p:spPr>
             <a:xfrm>
-              <a:off x="4326516" y="4025036"/>
+              <a:off x="4060527" y="4025036"/>
               <a:ext cx="0" cy="44283"/>
             </a:xfrm>
             <a:custGeom>
@@ -4645,7 +4645,7 @@
           </p:nvSpPr>
           <p:spPr>
             <a:xfrm>
-              <a:off x="4765367" y="4025036"/>
+              <a:off x="4455047" y="4025036"/>
               <a:ext cx="0" cy="44283"/>
             </a:xfrm>
             <a:custGeom>
@@ -4685,7 +4685,7 @@
           </p:nvSpPr>
           <p:spPr>
             <a:xfrm>
-              <a:off x="5204219" y="4025036"/>
+              <a:off x="4849567" y="4025036"/>
               <a:ext cx="0" cy="44283"/>
             </a:xfrm>
             <a:custGeom>
@@ -4725,7 +4725,7 @@
           </p:nvSpPr>
           <p:spPr>
             <a:xfrm>
-              <a:off x="5643071" y="4025036"/>
+              <a:off x="5244087" y="4025036"/>
               <a:ext cx="0" cy="44283"/>
             </a:xfrm>
             <a:custGeom>
@@ -4811,7 +4811,7 @@
           </p:nvSpPr>
           <p:spPr>
             <a:xfrm>
-              <a:off x="2092704" y="4102594"/>
+              <a:off x="2048373" y="4102594"/>
               <a:ext cx="79107" cy="103971"/>
             </a:xfrm>
             <a:prstGeom prst="rect">
@@ -4857,7 +4857,7 @@
           </p:nvSpPr>
           <p:spPr>
             <a:xfrm>
-              <a:off x="2492002" y="4104330"/>
+              <a:off x="2403339" y="4104330"/>
               <a:ext cx="158214" cy="102235"/>
             </a:xfrm>
             <a:prstGeom prst="rect">
@@ -4903,7 +4903,7 @@
           </p:nvSpPr>
           <p:spPr>
             <a:xfrm>
-              <a:off x="2930854" y="4102594"/>
+              <a:off x="2797859" y="4102594"/>
               <a:ext cx="158214" cy="103971"/>
             </a:xfrm>
             <a:prstGeom prst="rect">
@@ -4949,7 +4949,7 @@
           </p:nvSpPr>
           <p:spPr>
             <a:xfrm>
-              <a:off x="3369706" y="4104330"/>
+              <a:off x="3192380" y="4104330"/>
               <a:ext cx="158214" cy="102235"/>
             </a:xfrm>
             <a:prstGeom prst="rect">
@@ -4995,7 +4995,7 @@
           </p:nvSpPr>
           <p:spPr>
             <a:xfrm>
-              <a:off x="3808557" y="4102524"/>
+              <a:off x="3586900" y="4102524"/>
               <a:ext cx="158214" cy="104040"/>
             </a:xfrm>
             <a:prstGeom prst="rect">
@@ -5041,7 +5041,7 @@
           </p:nvSpPr>
           <p:spPr>
             <a:xfrm>
-              <a:off x="4247409" y="4102524"/>
+              <a:off x="3981420" y="4102524"/>
               <a:ext cx="158214" cy="104040"/>
             </a:xfrm>
             <a:prstGeom prst="rect">
@@ -5087,7 +5087,7 @@
           </p:nvSpPr>
           <p:spPr>
             <a:xfrm>
-              <a:off x="4686260" y="4104330"/>
+              <a:off x="4375940" y="4104330"/>
               <a:ext cx="158214" cy="102235"/>
             </a:xfrm>
             <a:prstGeom prst="rect">
@@ -5133,7 +5133,7 @@
           </p:nvSpPr>
           <p:spPr>
             <a:xfrm>
-              <a:off x="5125112" y="4102594"/>
+              <a:off x="4770460" y="4102594"/>
               <a:ext cx="158214" cy="103971"/>
             </a:xfrm>
             <a:prstGeom prst="rect">
@@ -5179,7 +5179,7 @@
           </p:nvSpPr>
           <p:spPr>
             <a:xfrm>
-              <a:off x="5563964" y="4103010"/>
+              <a:off x="5164980" y="4103010"/>
               <a:ext cx="158214" cy="103554"/>
             </a:xfrm>
             <a:prstGeom prst="rect">
@@ -5225,7 +5225,7 @@
           </p:nvSpPr>
           <p:spPr>
             <a:xfrm>
-              <a:off x="3536907" y="4340652"/>
+              <a:off x="3333720" y="4340652"/>
               <a:ext cx="335805" cy="127272"/>
             </a:xfrm>
             <a:prstGeom prst="rect">
@@ -5317,8 +5317,8 @@
           </p:nvSpPr>
           <p:spPr>
             <a:xfrm>
-              <a:off x="5893348" y="2094115"/>
-              <a:ext cx="380925" cy="877731"/>
+              <a:off x="5486976" y="2256115"/>
+              <a:ext cx="787297" cy="553731"/>
             </a:xfrm>
             <a:prstGeom prst="rect">
               <a:avLst/>
@@ -5343,7 +5343,7 @@
           </p:nvSpPr>
           <p:spPr>
             <a:xfrm>
-              <a:off x="5893348" y="2109109"/>
+              <a:off x="5486976" y="2271109"/>
               <a:ext cx="380925" cy="110132"/>
             </a:xfrm>
             <a:prstGeom prst="rect">
@@ -5389,7 +5389,7 @@
           </p:nvSpPr>
           <p:spPr>
             <a:xfrm>
-              <a:off x="5909548" y="2404846"/>
+              <a:off x="5503176" y="2566846"/>
               <a:ext cx="129600" cy="0"/>
             </a:xfrm>
             <a:custGeom>
@@ -5429,7 +5429,7 @@
           </p:nvSpPr>
           <p:spPr>
             <a:xfrm>
-              <a:off x="5923364" y="2383745"/>
+              <a:off x="5516992" y="2545745"/>
               <a:ext cx="101968" cy="82614"/>
             </a:xfrm>
             <a:prstGeom prst="rect">
@@ -5475,7 +5475,7 @@
           </p:nvSpPr>
           <p:spPr>
             <a:xfrm>
-              <a:off x="5909548" y="2566846"/>
+              <a:off x="5503176" y="2728846"/>
               <a:ext cx="129600" cy="0"/>
             </a:xfrm>
             <a:custGeom>
@@ -5515,7 +5515,7 @@
           </p:nvSpPr>
           <p:spPr>
             <a:xfrm>
-              <a:off x="5923364" y="2545745"/>
+              <a:off x="5516992" y="2707745"/>
               <a:ext cx="101968" cy="82614"/>
             </a:xfrm>
             <a:prstGeom prst="rect">
@@ -5561,18 +5561,18 @@
           </p:nvSpPr>
           <p:spPr>
             <a:xfrm>
-              <a:off x="5909548" y="2728846"/>
-              <a:ext cx="129600" cy="0"/>
+              <a:off x="5937185" y="2566846"/>
+              <a:ext cx="129599" cy="0"/>
             </a:xfrm>
             <a:custGeom>
               <a:avLst/>
               <a:pathLst>
-                <a:path w="129600" h="0">
+                <a:path w="129599" h="0">
                   <a:moveTo>
                     <a:pt x="0" y="0"/>
                   </a:moveTo>
                   <a:lnTo>
-                    <a:pt x="129600" y="0"/>
+                    <a:pt x="129599" y="0"/>
                   </a:lnTo>
                 </a:path>
               </a:pathLst>
@@ -5601,7 +5601,7 @@
           </p:nvSpPr>
           <p:spPr>
             <a:xfrm>
-              <a:off x="5923364" y="2707745"/>
+              <a:off x="5951001" y="2545745"/>
               <a:ext cx="101968" cy="82614"/>
             </a:xfrm>
             <a:prstGeom prst="rect">
@@ -5647,18 +5647,18 @@
           </p:nvSpPr>
           <p:spPr>
             <a:xfrm>
-              <a:off x="5909548" y="2890846"/>
-              <a:ext cx="129600" cy="0"/>
+              <a:off x="5937185" y="2728846"/>
+              <a:ext cx="129599" cy="0"/>
             </a:xfrm>
             <a:custGeom>
               <a:avLst/>
               <a:pathLst>
-                <a:path w="129600" h="0">
+                <a:path w="129599" h="0">
                   <a:moveTo>
                     <a:pt x="0" y="0"/>
                   </a:moveTo>
                   <a:lnTo>
-                    <a:pt x="129600" y="0"/>
+                    <a:pt x="129599" y="0"/>
                   </a:lnTo>
                 </a:path>
               </a:pathLst>
@@ -5687,7 +5687,7 @@
           </p:nvSpPr>
           <p:spPr>
             <a:xfrm>
-              <a:off x="5923364" y="2869745"/>
+              <a:off x="5951001" y="2707745"/>
               <a:ext cx="101968" cy="82614"/>
             </a:xfrm>
             <a:prstGeom prst="rect">
@@ -5733,7 +5733,7 @@
           </p:nvSpPr>
           <p:spPr>
             <a:xfrm>
-              <a:off x="6143916" y="2353937"/>
+              <a:off x="5737544" y="2515937"/>
               <a:ext cx="94872" cy="101818"/>
             </a:xfrm>
             <a:prstGeom prst="rect">
@@ -5779,7 +5779,7 @@
           </p:nvSpPr>
           <p:spPr>
             <a:xfrm>
-              <a:off x="6143916" y="2515937"/>
+              <a:off x="5737544" y="2677937"/>
               <a:ext cx="94872" cy="101818"/>
             </a:xfrm>
             <a:prstGeom prst="rect">
@@ -5825,7 +5825,7 @@
           </p:nvSpPr>
           <p:spPr>
             <a:xfrm>
-              <a:off x="6143916" y="2674464"/>
+              <a:off x="6171553" y="2512464"/>
               <a:ext cx="102721" cy="105290"/>
             </a:xfrm>
             <a:prstGeom prst="rect">
@@ -5871,7 +5871,7 @@
           </p:nvSpPr>
           <p:spPr>
             <a:xfrm>
-              <a:off x="6143916" y="2839937"/>
+              <a:off x="6171553" y="2677937"/>
               <a:ext cx="102721" cy="101818"/>
             </a:xfrm>
             <a:prstGeom prst="rect">

--- a/QCATC777-Survival Curve.pptx
+++ b/QCATC777-Survival Curve.pptx
@@ -2325,7 +2325,7 @@
           <p:spPr>
             <a:xfrm>
               <a:off x="1693406" y="1040925"/>
-              <a:ext cx="3616434" cy="2984110"/>
+              <a:ext cx="3302329" cy="2984110"/>
             </a:xfrm>
             <a:prstGeom prst="rect">
               <a:avLst/>
@@ -2351,164 +2351,140 @@
           <p:spPr>
             <a:xfrm>
               <a:off x="1693406" y="1127841"/>
-              <a:ext cx="3550680" cy="1033332"/>
+              <a:ext cx="3242287" cy="1071962"/>
             </a:xfrm>
             <a:custGeom>
               <a:avLst/>
               <a:pathLst>
-                <a:path w="3550680" h="1033332">
+                <a:path w="3242287" h="1071962">
                   <a:moveTo>
                     <a:pt x="0" y="0"/>
                   </a:moveTo>
                   <a:lnTo>
-                    <a:pt x="1512327" y="0"/>
-                  </a:lnTo>
-                  <a:lnTo>
-                    <a:pt x="1512327" y="9657"/>
-                  </a:lnTo>
-                  <a:lnTo>
-                    <a:pt x="1709587" y="9657"/>
-                  </a:lnTo>
-                  <a:lnTo>
-                    <a:pt x="1709587" y="57943"/>
-                  </a:lnTo>
-                  <a:lnTo>
-                    <a:pt x="1775340" y="57943"/>
-                  </a:lnTo>
-                  <a:lnTo>
-                    <a:pt x="1775340" y="96573"/>
-                  </a:lnTo>
-                  <a:lnTo>
-                    <a:pt x="1906847" y="96573"/>
-                  </a:lnTo>
-                  <a:lnTo>
-                    <a:pt x="1906847" y="106230"/>
-                  </a:lnTo>
-                  <a:lnTo>
-                    <a:pt x="1972600" y="106230"/>
-                  </a:lnTo>
-                  <a:lnTo>
-                    <a:pt x="1972600" y="135202"/>
-                  </a:lnTo>
-                  <a:lnTo>
-                    <a:pt x="2038353" y="135202"/>
-                  </a:lnTo>
-                  <a:lnTo>
-                    <a:pt x="2038353" y="173831"/>
-                  </a:lnTo>
-                  <a:lnTo>
-                    <a:pt x="2104107" y="173831"/>
-                  </a:lnTo>
-                  <a:lnTo>
-                    <a:pt x="2104107" y="251090"/>
-                  </a:lnTo>
-                  <a:lnTo>
-                    <a:pt x="2169860" y="251090"/>
-                  </a:lnTo>
-                  <a:lnTo>
-                    <a:pt x="2169860" y="309034"/>
-                  </a:lnTo>
-                  <a:lnTo>
-                    <a:pt x="2235613" y="309034"/>
-                  </a:lnTo>
-                  <a:lnTo>
-                    <a:pt x="2235613" y="366978"/>
-                  </a:lnTo>
-                  <a:lnTo>
-                    <a:pt x="2301367" y="366978"/>
-                  </a:lnTo>
-                  <a:lnTo>
-                    <a:pt x="2301367" y="444236"/>
-                  </a:lnTo>
-                  <a:lnTo>
-                    <a:pt x="2367120" y="444236"/>
-                  </a:lnTo>
-                  <a:lnTo>
-                    <a:pt x="2367120" y="550467"/>
-                  </a:lnTo>
-                  <a:lnTo>
-                    <a:pt x="2432873" y="550467"/>
-                  </a:lnTo>
-                  <a:lnTo>
-                    <a:pt x="2432873" y="627725"/>
-                  </a:lnTo>
-                  <a:lnTo>
-                    <a:pt x="2498627" y="627725"/>
-                  </a:lnTo>
-                  <a:lnTo>
-                    <a:pt x="2498627" y="656697"/>
-                  </a:lnTo>
-                  <a:lnTo>
-                    <a:pt x="2564380" y="656697"/>
-                  </a:lnTo>
-                  <a:lnTo>
-                    <a:pt x="2564380" y="695326"/>
-                  </a:lnTo>
-                  <a:lnTo>
-                    <a:pt x="2630133" y="695326"/>
-                  </a:lnTo>
-                  <a:lnTo>
-                    <a:pt x="2630133" y="753270"/>
-                  </a:lnTo>
-                  <a:lnTo>
-                    <a:pt x="2695887" y="753270"/>
-                  </a:lnTo>
-                  <a:lnTo>
-                    <a:pt x="2695887" y="772585"/>
-                  </a:lnTo>
-                  <a:lnTo>
-                    <a:pt x="2827394" y="772585"/>
-                  </a:lnTo>
-                  <a:lnTo>
-                    <a:pt x="2827394" y="791899"/>
-                  </a:lnTo>
-                  <a:lnTo>
-                    <a:pt x="2893147" y="791899"/>
-                  </a:lnTo>
-                  <a:lnTo>
-                    <a:pt x="2893147" y="811214"/>
-                  </a:lnTo>
-                  <a:lnTo>
-                    <a:pt x="2958900" y="811214"/>
-                  </a:lnTo>
-                  <a:lnTo>
-                    <a:pt x="2958900" y="869158"/>
-                  </a:lnTo>
-                  <a:lnTo>
-                    <a:pt x="3024654" y="869158"/>
-                  </a:lnTo>
-                  <a:lnTo>
-                    <a:pt x="3024654" y="878815"/>
-                  </a:lnTo>
-                  <a:lnTo>
-                    <a:pt x="3090407" y="878815"/>
-                  </a:lnTo>
-                  <a:lnTo>
-                    <a:pt x="3090407" y="917445"/>
-                  </a:lnTo>
-                  <a:lnTo>
-                    <a:pt x="3156160" y="917445"/>
-                  </a:lnTo>
-                  <a:lnTo>
-                    <a:pt x="3156160" y="975388"/>
-                  </a:lnTo>
-                  <a:lnTo>
-                    <a:pt x="3221914" y="975388"/>
-                  </a:lnTo>
-                  <a:lnTo>
-                    <a:pt x="3221914" y="1004360"/>
-                  </a:lnTo>
-                  <a:lnTo>
-                    <a:pt x="3287667" y="1004360"/>
-                  </a:lnTo>
-                  <a:lnTo>
-                    <a:pt x="3287667" y="1023675"/>
-                  </a:lnTo>
-                  <a:lnTo>
-                    <a:pt x="3550680" y="1023675"/>
-                  </a:lnTo>
-                  <a:lnTo>
-                    <a:pt x="3550680" y="1033332"/>
+                    <a:pt x="0" y="0"/>
+                  </a:lnTo>
+                  <a:lnTo>
+                    <a:pt x="0" y="28971"/>
+                  </a:lnTo>
+                  <a:lnTo>
+                    <a:pt x="1140804" y="28971"/>
+                  </a:lnTo>
+                  <a:lnTo>
+                    <a:pt x="1140804" y="57943"/>
+                  </a:lnTo>
+                  <a:lnTo>
+                    <a:pt x="1260889" y="57943"/>
+                  </a:lnTo>
+                  <a:lnTo>
+                    <a:pt x="1260889" y="86915"/>
+                  </a:lnTo>
+                  <a:lnTo>
+                    <a:pt x="1320931" y="86915"/>
+                  </a:lnTo>
+                  <a:lnTo>
+                    <a:pt x="1320931" y="115887"/>
+                  </a:lnTo>
+                  <a:lnTo>
+                    <a:pt x="1441016" y="115887"/>
+                  </a:lnTo>
+                  <a:lnTo>
+                    <a:pt x="1441016" y="144859"/>
+                  </a:lnTo>
+                  <a:lnTo>
+                    <a:pt x="1621143" y="144859"/>
+                  </a:lnTo>
+                  <a:lnTo>
+                    <a:pt x="1621143" y="202803"/>
+                  </a:lnTo>
+                  <a:lnTo>
+                    <a:pt x="1741228" y="202803"/>
+                  </a:lnTo>
+                  <a:lnTo>
+                    <a:pt x="1741228" y="231775"/>
+                  </a:lnTo>
+                  <a:lnTo>
+                    <a:pt x="1801270" y="231775"/>
+                  </a:lnTo>
+                  <a:lnTo>
+                    <a:pt x="1801270" y="376635"/>
+                  </a:lnTo>
+                  <a:lnTo>
+                    <a:pt x="1861312" y="376635"/>
+                  </a:lnTo>
+                  <a:lnTo>
+                    <a:pt x="1861312" y="405607"/>
+                  </a:lnTo>
+                  <a:lnTo>
+                    <a:pt x="1981397" y="405607"/>
+                  </a:lnTo>
+                  <a:lnTo>
+                    <a:pt x="1981397" y="521495"/>
+                  </a:lnTo>
+                  <a:lnTo>
+                    <a:pt x="2041440" y="521495"/>
+                  </a:lnTo>
+                  <a:lnTo>
+                    <a:pt x="2041440" y="608410"/>
+                  </a:lnTo>
+                  <a:lnTo>
+                    <a:pt x="2101482" y="608410"/>
+                  </a:lnTo>
+                  <a:lnTo>
+                    <a:pt x="2101482" y="695326"/>
+                  </a:lnTo>
+                  <a:lnTo>
+                    <a:pt x="2161524" y="695326"/>
+                  </a:lnTo>
+                  <a:lnTo>
+                    <a:pt x="2161524" y="753270"/>
+                  </a:lnTo>
+                  <a:lnTo>
+                    <a:pt x="2221567" y="753270"/>
+                  </a:lnTo>
+                  <a:lnTo>
+                    <a:pt x="2221567" y="811214"/>
+                  </a:lnTo>
+                  <a:lnTo>
+                    <a:pt x="2281609" y="811214"/>
+                  </a:lnTo>
+                  <a:lnTo>
+                    <a:pt x="2281609" y="840186"/>
+                  </a:lnTo>
+                  <a:lnTo>
+                    <a:pt x="2401694" y="840186"/>
+                  </a:lnTo>
+                  <a:lnTo>
+                    <a:pt x="2401694" y="898130"/>
+                  </a:lnTo>
+                  <a:lnTo>
+                    <a:pt x="2461736" y="898130"/>
+                  </a:lnTo>
+                  <a:lnTo>
+                    <a:pt x="2461736" y="956074"/>
+                  </a:lnTo>
+                  <a:lnTo>
+                    <a:pt x="2521778" y="956074"/>
+                  </a:lnTo>
+                  <a:lnTo>
+                    <a:pt x="2521778" y="985046"/>
+                  </a:lnTo>
+                  <a:lnTo>
+                    <a:pt x="2581821" y="985046"/>
+                  </a:lnTo>
+                  <a:lnTo>
+                    <a:pt x="2581821" y="1042990"/>
+                  </a:lnTo>
+                  <a:lnTo>
+                    <a:pt x="2942075" y="1042990"/>
+                  </a:lnTo>
+                  <a:lnTo>
+                    <a:pt x="2942075" y="1071962"/>
+                  </a:lnTo>
+                  <a:lnTo>
+                    <a:pt x="3242287" y="1071962"/>
+                  </a:lnTo>
+                  <a:lnTo>
+                    <a:pt x="3242287" y="1071962"/>
                   </a:lnTo>
                 </a:path>
               </a:pathLst>
@@ -2538,188 +2514,418 @@
           <p:spPr>
             <a:xfrm>
               <a:off x="1693406" y="1127841"/>
-              <a:ext cx="3550680" cy="1042990"/>
+              <a:ext cx="3242287" cy="1042990"/>
             </a:xfrm>
             <a:custGeom>
               <a:avLst/>
               <a:pathLst>
-                <a:path w="3550680" h="1042990">
+                <a:path w="3242287" h="1042990">
                   <a:moveTo>
                     <a:pt x="0" y="0"/>
                   </a:moveTo>
                   <a:lnTo>
+                    <a:pt x="1200847" y="0"/>
+                  </a:lnTo>
+                  <a:lnTo>
+                    <a:pt x="1200847" y="57943"/>
+                  </a:lnTo>
+                  <a:lnTo>
+                    <a:pt x="1441016" y="57943"/>
+                  </a:lnTo>
+                  <a:lnTo>
+                    <a:pt x="1441016" y="86915"/>
+                  </a:lnTo>
+                  <a:lnTo>
+                    <a:pt x="1501058" y="86915"/>
+                  </a:lnTo>
+                  <a:lnTo>
+                    <a:pt x="1501058" y="115887"/>
+                  </a:lnTo>
+                  <a:lnTo>
+                    <a:pt x="1561101" y="115887"/>
+                  </a:lnTo>
+                  <a:lnTo>
+                    <a:pt x="1561101" y="231775"/>
+                  </a:lnTo>
+                  <a:lnTo>
+                    <a:pt x="1621143" y="231775"/>
+                  </a:lnTo>
+                  <a:lnTo>
+                    <a:pt x="1621143" y="347663"/>
+                  </a:lnTo>
+                  <a:lnTo>
+                    <a:pt x="1681185" y="347663"/>
+                  </a:lnTo>
+                  <a:lnTo>
+                    <a:pt x="1681185" y="405607"/>
+                  </a:lnTo>
+                  <a:lnTo>
+                    <a:pt x="1741228" y="405607"/>
+                  </a:lnTo>
+                  <a:lnTo>
+                    <a:pt x="1741228" y="521495"/>
+                  </a:lnTo>
+                  <a:lnTo>
+                    <a:pt x="1801270" y="521495"/>
+                  </a:lnTo>
+                  <a:lnTo>
+                    <a:pt x="1801270" y="637382"/>
+                  </a:lnTo>
+                  <a:lnTo>
+                    <a:pt x="1861312" y="637382"/>
+                  </a:lnTo>
+                  <a:lnTo>
+                    <a:pt x="1861312" y="724298"/>
+                  </a:lnTo>
+                  <a:lnTo>
+                    <a:pt x="1921355" y="724298"/>
+                  </a:lnTo>
+                  <a:lnTo>
+                    <a:pt x="1921355" y="753270"/>
+                  </a:lnTo>
+                  <a:lnTo>
+                    <a:pt x="1981397" y="753270"/>
+                  </a:lnTo>
+                  <a:lnTo>
+                    <a:pt x="1981397" y="811214"/>
+                  </a:lnTo>
+                  <a:lnTo>
+                    <a:pt x="2041440" y="811214"/>
+                  </a:lnTo>
+                  <a:lnTo>
+                    <a:pt x="2041440" y="840186"/>
+                  </a:lnTo>
+                  <a:lnTo>
+                    <a:pt x="2101482" y="840186"/>
+                  </a:lnTo>
+                  <a:lnTo>
+                    <a:pt x="2101482" y="898130"/>
+                  </a:lnTo>
+                  <a:lnTo>
+                    <a:pt x="2161524" y="898130"/>
+                  </a:lnTo>
+                  <a:lnTo>
+                    <a:pt x="2161524" y="927102"/>
+                  </a:lnTo>
+                  <a:lnTo>
+                    <a:pt x="2221567" y="927102"/>
+                  </a:lnTo>
+                  <a:lnTo>
+                    <a:pt x="2221567" y="956074"/>
+                  </a:lnTo>
+                  <a:lnTo>
+                    <a:pt x="2281609" y="956074"/>
+                  </a:lnTo>
+                  <a:lnTo>
+                    <a:pt x="2281609" y="985046"/>
+                  </a:lnTo>
+                  <a:lnTo>
+                    <a:pt x="2401694" y="985046"/>
+                  </a:lnTo>
+                  <a:lnTo>
+                    <a:pt x="2401694" y="1014018"/>
+                  </a:lnTo>
+                  <a:lnTo>
+                    <a:pt x="2581821" y="1014018"/>
+                  </a:lnTo>
+                  <a:lnTo>
+                    <a:pt x="2581821" y="1042990"/>
+                  </a:lnTo>
+                  <a:lnTo>
+                    <a:pt x="3242287" y="1042990"/>
+                  </a:lnTo>
+                  <a:lnTo>
+                    <a:pt x="3242287" y="1042990"/>
+                  </a:lnTo>
+                </a:path>
+              </a:pathLst>
+            </a:custGeom>
+            <a:ln w="27101" cap="flat">
+              <a:solidFill>
+                <a:srgbClr val="DE8C00">
+                  <a:alpha val="100000"/>
+                </a:srgbClr>
+              </a:solidFill>
+              <a:prstDash val="solid"/>
+              <a:round/>
+            </a:ln>
+          </p:spPr>
+          <p:txBody>
+            <a:bodyPr/>
+            <a:lstStyle/>
+            <a:p/>
+          </p:txBody>
+        </p:sp>
+        <p:sp>
+          <p:nvSpPr>
+            <p:cNvPr id="9" name="pl8"/>
+            <p:cNvSpPr/>
+            <p:nvPr/>
+          </p:nvSpPr>
+          <p:spPr>
+            <a:xfrm>
+              <a:off x="1693406" y="1127841"/>
+              <a:ext cx="3242287" cy="782242"/>
+            </a:xfrm>
+            <a:custGeom>
+              <a:avLst/>
+              <a:pathLst>
+                <a:path w="3242287" h="782242">
+                  <a:moveTo>
                     <a:pt x="0" y="0"/>
-                  </a:lnTo>
-                  <a:lnTo>
-                    <a:pt x="0" y="9657"/>
-                  </a:lnTo>
-                  <a:lnTo>
-                    <a:pt x="263013" y="9657"/>
-                  </a:lnTo>
-                  <a:lnTo>
-                    <a:pt x="263013" y="19314"/>
-                  </a:lnTo>
-                  <a:lnTo>
-                    <a:pt x="460273" y="19314"/>
-                  </a:lnTo>
-                  <a:lnTo>
-                    <a:pt x="460273" y="28971"/>
-                  </a:lnTo>
-                  <a:lnTo>
-                    <a:pt x="1249313" y="28971"/>
-                  </a:lnTo>
-                  <a:lnTo>
-                    <a:pt x="1249313" y="38629"/>
-                  </a:lnTo>
-                  <a:lnTo>
-                    <a:pt x="1315066" y="38629"/>
-                  </a:lnTo>
-                  <a:lnTo>
-                    <a:pt x="1315066" y="57943"/>
-                  </a:lnTo>
-                  <a:lnTo>
-                    <a:pt x="1380820" y="57943"/>
-                  </a:lnTo>
-                  <a:lnTo>
-                    <a:pt x="1380820" y="67601"/>
-                  </a:lnTo>
-                  <a:lnTo>
-                    <a:pt x="1446573" y="67601"/>
-                  </a:lnTo>
-                  <a:lnTo>
-                    <a:pt x="1446573" y="86915"/>
-                  </a:lnTo>
-                  <a:lnTo>
-                    <a:pt x="1578080" y="86915"/>
-                  </a:lnTo>
-                  <a:lnTo>
-                    <a:pt x="1578080" y="106230"/>
-                  </a:lnTo>
-                  <a:lnTo>
-                    <a:pt x="1643833" y="106230"/>
-                  </a:lnTo>
-                  <a:lnTo>
-                    <a:pt x="1643833" y="125545"/>
-                  </a:lnTo>
-                  <a:lnTo>
-                    <a:pt x="1709587" y="125545"/>
-                  </a:lnTo>
-                  <a:lnTo>
-                    <a:pt x="1709587" y="164174"/>
-                  </a:lnTo>
-                  <a:lnTo>
-                    <a:pt x="1775340" y="164174"/>
-                  </a:lnTo>
-                  <a:lnTo>
-                    <a:pt x="1775340" y="241432"/>
-                  </a:lnTo>
-                  <a:lnTo>
-                    <a:pt x="1841093" y="241432"/>
-                  </a:lnTo>
-                  <a:lnTo>
-                    <a:pt x="1841093" y="280062"/>
-                  </a:lnTo>
-                  <a:lnTo>
-                    <a:pt x="1906847" y="280062"/>
-                  </a:lnTo>
-                  <a:lnTo>
-                    <a:pt x="1906847" y="357320"/>
-                  </a:lnTo>
-                  <a:lnTo>
-                    <a:pt x="1972600" y="357320"/>
-                  </a:lnTo>
-                  <a:lnTo>
-                    <a:pt x="1972600" y="502180"/>
-                  </a:lnTo>
-                  <a:lnTo>
-                    <a:pt x="2038353" y="502180"/>
-                  </a:lnTo>
-                  <a:lnTo>
-                    <a:pt x="2038353" y="560124"/>
-                  </a:lnTo>
-                  <a:lnTo>
-                    <a:pt x="2104107" y="560124"/>
-                  </a:lnTo>
-                  <a:lnTo>
-                    <a:pt x="2104107" y="589096"/>
-                  </a:lnTo>
-                  <a:lnTo>
-                    <a:pt x="2169860" y="589096"/>
-                  </a:lnTo>
-                  <a:lnTo>
-                    <a:pt x="2169860" y="676012"/>
-                  </a:lnTo>
-                  <a:lnTo>
-                    <a:pt x="2235613" y="676012"/>
-                  </a:lnTo>
-                  <a:lnTo>
-                    <a:pt x="2235613" y="733956"/>
-                  </a:lnTo>
-                  <a:lnTo>
-                    <a:pt x="2301367" y="733956"/>
-                  </a:lnTo>
-                  <a:lnTo>
-                    <a:pt x="2301367" y="811214"/>
-                  </a:lnTo>
-                  <a:lnTo>
-                    <a:pt x="2367120" y="811214"/>
-                  </a:lnTo>
-                  <a:lnTo>
-                    <a:pt x="2367120" y="849843"/>
-                  </a:lnTo>
-                  <a:lnTo>
-                    <a:pt x="2432873" y="849843"/>
-                  </a:lnTo>
-                  <a:lnTo>
-                    <a:pt x="2432873" y="907787"/>
-                  </a:lnTo>
-                  <a:lnTo>
-                    <a:pt x="2498627" y="907787"/>
-                  </a:lnTo>
-                  <a:lnTo>
-                    <a:pt x="2498627" y="936759"/>
-                  </a:lnTo>
-                  <a:lnTo>
-                    <a:pt x="2630133" y="936759"/>
-                  </a:lnTo>
-                  <a:lnTo>
-                    <a:pt x="2630133" y="965731"/>
-                  </a:lnTo>
-                  <a:lnTo>
-                    <a:pt x="2695887" y="965731"/>
-                  </a:lnTo>
-                  <a:lnTo>
-                    <a:pt x="2695887" y="985046"/>
-                  </a:lnTo>
-                  <a:lnTo>
-                    <a:pt x="2761640" y="985046"/>
-                  </a:lnTo>
-                  <a:lnTo>
-                    <a:pt x="2761640" y="994703"/>
-                  </a:lnTo>
-                  <a:lnTo>
-                    <a:pt x="2827394" y="994703"/>
-                  </a:lnTo>
-                  <a:lnTo>
-                    <a:pt x="2827394" y="1023675"/>
-                  </a:lnTo>
-                  <a:lnTo>
-                    <a:pt x="3156160" y="1023675"/>
-                  </a:lnTo>
-                  <a:lnTo>
-                    <a:pt x="3156160" y="1033332"/>
-                  </a:lnTo>
-                  <a:lnTo>
-                    <a:pt x="3221914" y="1033332"/>
-                  </a:lnTo>
-                  <a:lnTo>
-                    <a:pt x="3221914" y="1042990"/>
-                  </a:lnTo>
-                  <a:lnTo>
-                    <a:pt x="3550680" y="1042990"/>
-                  </a:lnTo>
-                  <a:lnTo>
-                    <a:pt x="3550680" y="1042990"/>
+                  </a:moveTo>
+                  <a:lnTo>
+                    <a:pt x="1200847" y="0"/>
+                  </a:lnTo>
+                  <a:lnTo>
+                    <a:pt x="1200847" y="28971"/>
+                  </a:lnTo>
+                  <a:lnTo>
+                    <a:pt x="1561101" y="28971"/>
+                  </a:lnTo>
+                  <a:lnTo>
+                    <a:pt x="1561101" y="57943"/>
+                  </a:lnTo>
+                  <a:lnTo>
+                    <a:pt x="1681185" y="57943"/>
+                  </a:lnTo>
+                  <a:lnTo>
+                    <a:pt x="1681185" y="86915"/>
+                  </a:lnTo>
+                  <a:lnTo>
+                    <a:pt x="1741228" y="86915"/>
+                  </a:lnTo>
+                  <a:lnTo>
+                    <a:pt x="1741228" y="115887"/>
+                  </a:lnTo>
+                  <a:lnTo>
+                    <a:pt x="1801270" y="115887"/>
+                  </a:lnTo>
+                  <a:lnTo>
+                    <a:pt x="1801270" y="202803"/>
+                  </a:lnTo>
+                  <a:lnTo>
+                    <a:pt x="1861312" y="202803"/>
+                  </a:lnTo>
+                  <a:lnTo>
+                    <a:pt x="1861312" y="289719"/>
+                  </a:lnTo>
+                  <a:lnTo>
+                    <a:pt x="1921355" y="289719"/>
+                  </a:lnTo>
+                  <a:lnTo>
+                    <a:pt x="1921355" y="318691"/>
+                  </a:lnTo>
+                  <a:lnTo>
+                    <a:pt x="1981397" y="318691"/>
+                  </a:lnTo>
+                  <a:lnTo>
+                    <a:pt x="1981397" y="434579"/>
+                  </a:lnTo>
+                  <a:lnTo>
+                    <a:pt x="2041440" y="434579"/>
+                  </a:lnTo>
+                  <a:lnTo>
+                    <a:pt x="2041440" y="492523"/>
+                  </a:lnTo>
+                  <a:lnTo>
+                    <a:pt x="2101482" y="492523"/>
+                  </a:lnTo>
+                  <a:lnTo>
+                    <a:pt x="2101482" y="550467"/>
+                  </a:lnTo>
+                  <a:lnTo>
+                    <a:pt x="2161524" y="550467"/>
+                  </a:lnTo>
+                  <a:lnTo>
+                    <a:pt x="2161524" y="608410"/>
+                  </a:lnTo>
+                  <a:lnTo>
+                    <a:pt x="2221567" y="608410"/>
+                  </a:lnTo>
+                  <a:lnTo>
+                    <a:pt x="2221567" y="666354"/>
+                  </a:lnTo>
+                  <a:lnTo>
+                    <a:pt x="2341651" y="666354"/>
+                  </a:lnTo>
+                  <a:lnTo>
+                    <a:pt x="2341651" y="695326"/>
+                  </a:lnTo>
+                  <a:lnTo>
+                    <a:pt x="2461736" y="695326"/>
+                  </a:lnTo>
+                  <a:lnTo>
+                    <a:pt x="2461736" y="753270"/>
+                  </a:lnTo>
+                  <a:lnTo>
+                    <a:pt x="2641863" y="753270"/>
+                  </a:lnTo>
+                  <a:lnTo>
+                    <a:pt x="2641863" y="782242"/>
+                  </a:lnTo>
+                  <a:lnTo>
+                    <a:pt x="3242287" y="782242"/>
+                  </a:lnTo>
+                  <a:lnTo>
+                    <a:pt x="3242287" y="782242"/>
+                  </a:lnTo>
+                </a:path>
+              </a:pathLst>
+            </a:custGeom>
+            <a:ln w="27101" cap="flat">
+              <a:solidFill>
+                <a:srgbClr val="B79F00">
+                  <a:alpha val="100000"/>
+                </a:srgbClr>
+              </a:solidFill>
+              <a:prstDash val="solid"/>
+              <a:round/>
+            </a:ln>
+          </p:spPr>
+          <p:txBody>
+            <a:bodyPr/>
+            <a:lstStyle/>
+            <a:p/>
+          </p:txBody>
+        </p:sp>
+        <p:sp>
+          <p:nvSpPr>
+            <p:cNvPr id="10" name="pl9"/>
+            <p:cNvSpPr/>
+            <p:nvPr/>
+          </p:nvSpPr>
+          <p:spPr>
+            <a:xfrm>
+              <a:off x="1693406" y="1127841"/>
+              <a:ext cx="3242287" cy="1014018"/>
+            </a:xfrm>
+            <a:custGeom>
+              <a:avLst/>
+              <a:pathLst>
+                <a:path w="3242287" h="1014018">
+                  <a:moveTo>
+                    <a:pt x="0" y="0"/>
+                  </a:moveTo>
+                  <a:lnTo>
+                    <a:pt x="1621143" y="0"/>
+                  </a:lnTo>
+                  <a:lnTo>
+                    <a:pt x="1621143" y="28971"/>
+                  </a:lnTo>
+                  <a:lnTo>
+                    <a:pt x="1801270" y="28971"/>
+                  </a:lnTo>
+                  <a:lnTo>
+                    <a:pt x="1801270" y="57943"/>
+                  </a:lnTo>
+                  <a:lnTo>
+                    <a:pt x="1861312" y="57943"/>
+                  </a:lnTo>
+                  <a:lnTo>
+                    <a:pt x="1861312" y="86915"/>
+                  </a:lnTo>
+                  <a:lnTo>
+                    <a:pt x="1921355" y="86915"/>
+                  </a:lnTo>
+                  <a:lnTo>
+                    <a:pt x="1921355" y="115887"/>
+                  </a:lnTo>
+                  <a:lnTo>
+                    <a:pt x="1981397" y="115887"/>
+                  </a:lnTo>
+                  <a:lnTo>
+                    <a:pt x="1981397" y="144859"/>
+                  </a:lnTo>
+                  <a:lnTo>
+                    <a:pt x="2041440" y="144859"/>
+                  </a:lnTo>
+                  <a:lnTo>
+                    <a:pt x="2041440" y="173831"/>
+                  </a:lnTo>
+                  <a:lnTo>
+                    <a:pt x="2101482" y="173831"/>
+                  </a:lnTo>
+                  <a:lnTo>
+                    <a:pt x="2101482" y="202803"/>
+                  </a:lnTo>
+                  <a:lnTo>
+                    <a:pt x="2161524" y="202803"/>
+                  </a:lnTo>
+                  <a:lnTo>
+                    <a:pt x="2161524" y="318691"/>
+                  </a:lnTo>
+                  <a:lnTo>
+                    <a:pt x="2221567" y="318691"/>
+                  </a:lnTo>
+                  <a:lnTo>
+                    <a:pt x="2221567" y="434579"/>
+                  </a:lnTo>
+                  <a:lnTo>
+                    <a:pt x="2281609" y="434579"/>
+                  </a:lnTo>
+                  <a:lnTo>
+                    <a:pt x="2281609" y="492523"/>
+                  </a:lnTo>
+                  <a:lnTo>
+                    <a:pt x="2341651" y="492523"/>
+                  </a:lnTo>
+                  <a:lnTo>
+                    <a:pt x="2341651" y="579438"/>
+                  </a:lnTo>
+                  <a:lnTo>
+                    <a:pt x="2401694" y="579438"/>
+                  </a:lnTo>
+                  <a:lnTo>
+                    <a:pt x="2401694" y="637382"/>
+                  </a:lnTo>
+                  <a:lnTo>
+                    <a:pt x="2461736" y="637382"/>
+                  </a:lnTo>
+                  <a:lnTo>
+                    <a:pt x="2461736" y="695326"/>
+                  </a:lnTo>
+                  <a:lnTo>
+                    <a:pt x="2581821" y="695326"/>
+                  </a:lnTo>
+                  <a:lnTo>
+                    <a:pt x="2581821" y="724298"/>
+                  </a:lnTo>
+                  <a:lnTo>
+                    <a:pt x="2701905" y="724298"/>
+                  </a:lnTo>
+                  <a:lnTo>
+                    <a:pt x="2701905" y="811214"/>
+                  </a:lnTo>
+                  <a:lnTo>
+                    <a:pt x="2821990" y="811214"/>
+                  </a:lnTo>
+                  <a:lnTo>
+                    <a:pt x="2821990" y="898130"/>
+                  </a:lnTo>
+                  <a:lnTo>
+                    <a:pt x="2882032" y="898130"/>
+                  </a:lnTo>
+                  <a:lnTo>
+                    <a:pt x="2882032" y="956074"/>
+                  </a:lnTo>
+                  <a:lnTo>
+                    <a:pt x="2942075" y="956074"/>
+                  </a:lnTo>
+                  <a:lnTo>
+                    <a:pt x="2942075" y="985046"/>
+                  </a:lnTo>
+                  <a:lnTo>
+                    <a:pt x="3002117" y="985046"/>
+                  </a:lnTo>
+                  <a:lnTo>
+                    <a:pt x="3002117" y="1014018"/>
+                  </a:lnTo>
+                  <a:lnTo>
+                    <a:pt x="3242287" y="1014018"/>
+                  </a:lnTo>
+                  <a:lnTo>
+                    <a:pt x="3242287" y="1014018"/>
                   </a:lnTo>
                 </a:path>
               </a:pathLst>
@@ -2742,177 +2948,407 @@
         </p:sp>
         <p:sp>
           <p:nvSpPr>
-            <p:cNvPr id="9" name="pl8"/>
+            <p:cNvPr id="11" name="pl10"/>
             <p:cNvSpPr/>
             <p:nvPr/>
           </p:nvSpPr>
           <p:spPr>
             <a:xfrm>
               <a:off x="1693406" y="1127841"/>
-              <a:ext cx="3550680" cy="849843"/>
+              <a:ext cx="3242287" cy="869158"/>
             </a:xfrm>
             <a:custGeom>
               <a:avLst/>
               <a:pathLst>
-                <a:path w="3550680" h="849843">
+                <a:path w="3242287" h="869158">
                   <a:moveTo>
                     <a:pt x="0" y="0"/>
                   </a:moveTo>
                   <a:lnTo>
-                    <a:pt x="1315066" y="0"/>
-                  </a:lnTo>
-                  <a:lnTo>
-                    <a:pt x="1315066" y="9657"/>
-                  </a:lnTo>
-                  <a:lnTo>
-                    <a:pt x="1446573" y="9657"/>
-                  </a:lnTo>
-                  <a:lnTo>
-                    <a:pt x="1446573" y="19314"/>
-                  </a:lnTo>
-                  <a:lnTo>
-                    <a:pt x="1578080" y="19314"/>
-                  </a:lnTo>
-                  <a:lnTo>
-                    <a:pt x="1578080" y="28971"/>
-                  </a:lnTo>
-                  <a:lnTo>
-                    <a:pt x="1709587" y="28971"/>
-                  </a:lnTo>
-                  <a:lnTo>
-                    <a:pt x="1709587" y="48286"/>
-                  </a:lnTo>
-                  <a:lnTo>
-                    <a:pt x="1775340" y="48286"/>
-                  </a:lnTo>
-                  <a:lnTo>
-                    <a:pt x="1775340" y="77258"/>
-                  </a:lnTo>
-                  <a:lnTo>
-                    <a:pt x="1841093" y="77258"/>
-                  </a:lnTo>
-                  <a:lnTo>
-                    <a:pt x="1841093" y="106230"/>
-                  </a:lnTo>
-                  <a:lnTo>
-                    <a:pt x="1906847" y="106230"/>
-                  </a:lnTo>
-                  <a:lnTo>
-                    <a:pt x="1906847" y="125545"/>
-                  </a:lnTo>
-                  <a:lnTo>
-                    <a:pt x="1972600" y="125545"/>
-                  </a:lnTo>
-                  <a:lnTo>
-                    <a:pt x="1972600" y="173831"/>
-                  </a:lnTo>
-                  <a:lnTo>
-                    <a:pt x="2038353" y="173831"/>
-                  </a:lnTo>
-                  <a:lnTo>
-                    <a:pt x="2038353" y="241432"/>
-                  </a:lnTo>
-                  <a:lnTo>
-                    <a:pt x="2104107" y="241432"/>
-                  </a:lnTo>
-                  <a:lnTo>
-                    <a:pt x="2104107" y="260747"/>
-                  </a:lnTo>
-                  <a:lnTo>
-                    <a:pt x="2169860" y="260747"/>
-                  </a:lnTo>
-                  <a:lnTo>
-                    <a:pt x="2169860" y="366978"/>
-                  </a:lnTo>
-                  <a:lnTo>
-                    <a:pt x="2235613" y="366978"/>
-                  </a:lnTo>
-                  <a:lnTo>
-                    <a:pt x="2235613" y="444236"/>
-                  </a:lnTo>
-                  <a:lnTo>
-                    <a:pt x="2301367" y="444236"/>
-                  </a:lnTo>
-                  <a:lnTo>
-                    <a:pt x="2301367" y="540809"/>
-                  </a:lnTo>
-                  <a:lnTo>
-                    <a:pt x="2367120" y="540809"/>
-                  </a:lnTo>
-                  <a:lnTo>
-                    <a:pt x="2367120" y="598753"/>
-                  </a:lnTo>
-                  <a:lnTo>
-                    <a:pt x="2432873" y="598753"/>
-                  </a:lnTo>
-                  <a:lnTo>
-                    <a:pt x="2432873" y="656697"/>
-                  </a:lnTo>
-                  <a:lnTo>
-                    <a:pt x="2498627" y="656697"/>
-                  </a:lnTo>
-                  <a:lnTo>
-                    <a:pt x="2498627" y="695326"/>
-                  </a:lnTo>
-                  <a:lnTo>
-                    <a:pt x="2564380" y="695326"/>
-                  </a:lnTo>
-                  <a:lnTo>
-                    <a:pt x="2564380" y="724298"/>
-                  </a:lnTo>
-                  <a:lnTo>
-                    <a:pt x="2630133" y="724298"/>
-                  </a:lnTo>
-                  <a:lnTo>
-                    <a:pt x="2630133" y="733956"/>
-                  </a:lnTo>
-                  <a:lnTo>
-                    <a:pt x="2695887" y="733956"/>
-                  </a:lnTo>
-                  <a:lnTo>
-                    <a:pt x="2695887" y="762927"/>
-                  </a:lnTo>
-                  <a:lnTo>
-                    <a:pt x="2827394" y="762927"/>
-                  </a:lnTo>
-                  <a:lnTo>
-                    <a:pt x="2827394" y="772585"/>
-                  </a:lnTo>
-                  <a:lnTo>
-                    <a:pt x="2893147" y="772585"/>
-                  </a:lnTo>
-                  <a:lnTo>
-                    <a:pt x="2893147" y="782242"/>
-                  </a:lnTo>
-                  <a:lnTo>
-                    <a:pt x="2958900" y="782242"/>
-                  </a:lnTo>
-                  <a:lnTo>
-                    <a:pt x="2958900" y="811214"/>
-                  </a:lnTo>
-                  <a:lnTo>
-                    <a:pt x="3156160" y="811214"/>
-                  </a:lnTo>
-                  <a:lnTo>
-                    <a:pt x="3156160" y="820871"/>
-                  </a:lnTo>
-                  <a:lnTo>
-                    <a:pt x="3221914" y="820871"/>
-                  </a:lnTo>
-                  <a:lnTo>
-                    <a:pt x="3221914" y="840186"/>
-                  </a:lnTo>
-                  <a:lnTo>
-                    <a:pt x="3353420" y="840186"/>
-                  </a:lnTo>
-                  <a:lnTo>
-                    <a:pt x="3353420" y="849843"/>
-                  </a:lnTo>
-                  <a:lnTo>
-                    <a:pt x="3550680" y="849843"/>
-                  </a:lnTo>
-                  <a:lnTo>
-                    <a:pt x="3550680" y="849843"/>
+                    <a:pt x="1621143" y="0"/>
+                  </a:lnTo>
+                  <a:lnTo>
+                    <a:pt x="1621143" y="28971"/>
+                  </a:lnTo>
+                  <a:lnTo>
+                    <a:pt x="1681185" y="28971"/>
+                  </a:lnTo>
+                  <a:lnTo>
+                    <a:pt x="1681185" y="57943"/>
+                  </a:lnTo>
+                  <a:lnTo>
+                    <a:pt x="1741228" y="57943"/>
+                  </a:lnTo>
+                  <a:lnTo>
+                    <a:pt x="1741228" y="86915"/>
+                  </a:lnTo>
+                  <a:lnTo>
+                    <a:pt x="1801270" y="86915"/>
+                  </a:lnTo>
+                  <a:lnTo>
+                    <a:pt x="1801270" y="115887"/>
+                  </a:lnTo>
+                  <a:lnTo>
+                    <a:pt x="1861312" y="115887"/>
+                  </a:lnTo>
+                  <a:lnTo>
+                    <a:pt x="1861312" y="144859"/>
+                  </a:lnTo>
+                  <a:lnTo>
+                    <a:pt x="1981397" y="144859"/>
+                  </a:lnTo>
+                  <a:lnTo>
+                    <a:pt x="1981397" y="202803"/>
+                  </a:lnTo>
+                  <a:lnTo>
+                    <a:pt x="2041440" y="202803"/>
+                  </a:lnTo>
+                  <a:lnTo>
+                    <a:pt x="2041440" y="231775"/>
+                  </a:lnTo>
+                  <a:lnTo>
+                    <a:pt x="2101482" y="231775"/>
+                  </a:lnTo>
+                  <a:lnTo>
+                    <a:pt x="2101482" y="376635"/>
+                  </a:lnTo>
+                  <a:lnTo>
+                    <a:pt x="2161524" y="376635"/>
+                  </a:lnTo>
+                  <a:lnTo>
+                    <a:pt x="2161524" y="434579"/>
+                  </a:lnTo>
+                  <a:lnTo>
+                    <a:pt x="2221567" y="434579"/>
+                  </a:lnTo>
+                  <a:lnTo>
+                    <a:pt x="2221567" y="492523"/>
+                  </a:lnTo>
+                  <a:lnTo>
+                    <a:pt x="2281609" y="492523"/>
+                  </a:lnTo>
+                  <a:lnTo>
+                    <a:pt x="2281609" y="579438"/>
+                  </a:lnTo>
+                  <a:lnTo>
+                    <a:pt x="2341651" y="579438"/>
+                  </a:lnTo>
+                  <a:lnTo>
+                    <a:pt x="2341651" y="608410"/>
+                  </a:lnTo>
+                  <a:lnTo>
+                    <a:pt x="2401694" y="608410"/>
+                  </a:lnTo>
+                  <a:lnTo>
+                    <a:pt x="2401694" y="637382"/>
+                  </a:lnTo>
+                  <a:lnTo>
+                    <a:pt x="2461736" y="637382"/>
+                  </a:lnTo>
+                  <a:lnTo>
+                    <a:pt x="2461736" y="666354"/>
+                  </a:lnTo>
+                  <a:lnTo>
+                    <a:pt x="2581821" y="666354"/>
+                  </a:lnTo>
+                  <a:lnTo>
+                    <a:pt x="2581821" y="695326"/>
+                  </a:lnTo>
+                  <a:lnTo>
+                    <a:pt x="2701905" y="695326"/>
+                  </a:lnTo>
+                  <a:lnTo>
+                    <a:pt x="2701905" y="782242"/>
+                  </a:lnTo>
+                  <a:lnTo>
+                    <a:pt x="2882032" y="782242"/>
+                  </a:lnTo>
+                  <a:lnTo>
+                    <a:pt x="2882032" y="811214"/>
+                  </a:lnTo>
+                  <a:lnTo>
+                    <a:pt x="2942075" y="811214"/>
+                  </a:lnTo>
+                  <a:lnTo>
+                    <a:pt x="2942075" y="869158"/>
+                  </a:lnTo>
+                  <a:lnTo>
+                    <a:pt x="3242287" y="869158"/>
+                  </a:lnTo>
+                  <a:lnTo>
+                    <a:pt x="3242287" y="869158"/>
+                  </a:lnTo>
+                </a:path>
+              </a:pathLst>
+            </a:custGeom>
+            <a:ln w="27101" cap="flat">
+              <a:solidFill>
+                <a:srgbClr val="00BA38">
+                  <a:alpha val="100000"/>
+                </a:srgbClr>
+              </a:solidFill>
+              <a:prstDash val="solid"/>
+              <a:round/>
+            </a:ln>
+          </p:spPr>
+          <p:txBody>
+            <a:bodyPr/>
+            <a:lstStyle/>
+            <a:p/>
+          </p:txBody>
+        </p:sp>
+        <p:sp>
+          <p:nvSpPr>
+            <p:cNvPr id="12" name="pl11"/>
+            <p:cNvSpPr/>
+            <p:nvPr/>
+          </p:nvSpPr>
+          <p:spPr>
+            <a:xfrm>
+              <a:off x="1693406" y="1127841"/>
+              <a:ext cx="3242287" cy="1129905"/>
+            </a:xfrm>
+            <a:custGeom>
+              <a:avLst/>
+              <a:pathLst>
+                <a:path w="3242287" h="1129905">
+                  <a:moveTo>
+                    <a:pt x="0" y="0"/>
+                  </a:moveTo>
+                  <a:lnTo>
+                    <a:pt x="1561101" y="0"/>
+                  </a:lnTo>
+                  <a:lnTo>
+                    <a:pt x="1561101" y="28971"/>
+                  </a:lnTo>
+                  <a:lnTo>
+                    <a:pt x="1621143" y="28971"/>
+                  </a:lnTo>
+                  <a:lnTo>
+                    <a:pt x="1621143" y="86915"/>
+                  </a:lnTo>
+                  <a:lnTo>
+                    <a:pt x="1801270" y="86915"/>
+                  </a:lnTo>
+                  <a:lnTo>
+                    <a:pt x="1801270" y="144859"/>
+                  </a:lnTo>
+                  <a:lnTo>
+                    <a:pt x="1861312" y="144859"/>
+                  </a:lnTo>
+                  <a:lnTo>
+                    <a:pt x="1861312" y="202803"/>
+                  </a:lnTo>
+                  <a:lnTo>
+                    <a:pt x="1921355" y="202803"/>
+                  </a:lnTo>
+                  <a:lnTo>
+                    <a:pt x="1921355" y="376635"/>
+                  </a:lnTo>
+                  <a:lnTo>
+                    <a:pt x="1981397" y="376635"/>
+                  </a:lnTo>
+                  <a:lnTo>
+                    <a:pt x="1981397" y="492523"/>
+                  </a:lnTo>
+                  <a:lnTo>
+                    <a:pt x="2041440" y="492523"/>
+                  </a:lnTo>
+                  <a:lnTo>
+                    <a:pt x="2041440" y="579438"/>
+                  </a:lnTo>
+                  <a:lnTo>
+                    <a:pt x="2101482" y="579438"/>
+                  </a:lnTo>
+                  <a:lnTo>
+                    <a:pt x="2101482" y="724298"/>
+                  </a:lnTo>
+                  <a:lnTo>
+                    <a:pt x="2161524" y="724298"/>
+                  </a:lnTo>
+                  <a:lnTo>
+                    <a:pt x="2161524" y="869158"/>
+                  </a:lnTo>
+                  <a:lnTo>
+                    <a:pt x="2221567" y="869158"/>
+                  </a:lnTo>
+                  <a:lnTo>
+                    <a:pt x="2221567" y="927102"/>
+                  </a:lnTo>
+                  <a:lnTo>
+                    <a:pt x="2281609" y="927102"/>
+                  </a:lnTo>
+                  <a:lnTo>
+                    <a:pt x="2281609" y="956074"/>
+                  </a:lnTo>
+                  <a:lnTo>
+                    <a:pt x="2341651" y="956074"/>
+                  </a:lnTo>
+                  <a:lnTo>
+                    <a:pt x="2341651" y="985046"/>
+                  </a:lnTo>
+                  <a:lnTo>
+                    <a:pt x="2401694" y="985046"/>
+                  </a:lnTo>
+                  <a:lnTo>
+                    <a:pt x="2401694" y="1042990"/>
+                  </a:lnTo>
+                  <a:lnTo>
+                    <a:pt x="2821990" y="1042990"/>
+                  </a:lnTo>
+                  <a:lnTo>
+                    <a:pt x="2821990" y="1071962"/>
+                  </a:lnTo>
+                  <a:lnTo>
+                    <a:pt x="2882032" y="1071962"/>
+                  </a:lnTo>
+                  <a:lnTo>
+                    <a:pt x="2882032" y="1100934"/>
+                  </a:lnTo>
+                  <a:lnTo>
+                    <a:pt x="3242287" y="1100934"/>
+                  </a:lnTo>
+                  <a:lnTo>
+                    <a:pt x="3242287" y="1129905"/>
+                  </a:lnTo>
+                </a:path>
+              </a:pathLst>
+            </a:custGeom>
+            <a:ln w="27101" cap="flat">
+              <a:solidFill>
+                <a:srgbClr val="00C08B">
+                  <a:alpha val="100000"/>
+                </a:srgbClr>
+              </a:solidFill>
+              <a:prstDash val="solid"/>
+              <a:round/>
+            </a:ln>
+          </p:spPr>
+          <p:txBody>
+            <a:bodyPr/>
+            <a:lstStyle/>
+            <a:p/>
+          </p:txBody>
+        </p:sp>
+        <p:sp>
+          <p:nvSpPr>
+            <p:cNvPr id="13" name="pl12"/>
+            <p:cNvSpPr/>
+            <p:nvPr/>
+          </p:nvSpPr>
+          <p:spPr>
+            <a:xfrm>
+              <a:off x="1693406" y="1127841"/>
+              <a:ext cx="3242287" cy="898130"/>
+            </a:xfrm>
+            <a:custGeom>
+              <a:avLst/>
+              <a:pathLst>
+                <a:path w="3242287" h="898130">
+                  <a:moveTo>
+                    <a:pt x="0" y="0"/>
+                  </a:moveTo>
+                  <a:lnTo>
+                    <a:pt x="1320931" y="0"/>
+                  </a:lnTo>
+                  <a:lnTo>
+                    <a:pt x="1320931" y="28971"/>
+                  </a:lnTo>
+                  <a:lnTo>
+                    <a:pt x="1441016" y="28971"/>
+                  </a:lnTo>
+                  <a:lnTo>
+                    <a:pt x="1441016" y="57943"/>
+                  </a:lnTo>
+                  <a:lnTo>
+                    <a:pt x="1561101" y="57943"/>
+                  </a:lnTo>
+                  <a:lnTo>
+                    <a:pt x="1561101" y="86915"/>
+                  </a:lnTo>
+                  <a:lnTo>
+                    <a:pt x="1621143" y="86915"/>
+                  </a:lnTo>
+                  <a:lnTo>
+                    <a:pt x="1621143" y="144859"/>
+                  </a:lnTo>
+                  <a:lnTo>
+                    <a:pt x="1681185" y="144859"/>
+                  </a:lnTo>
+                  <a:lnTo>
+                    <a:pt x="1681185" y="173831"/>
+                  </a:lnTo>
+                  <a:lnTo>
+                    <a:pt x="1801270" y="173831"/>
+                  </a:lnTo>
+                  <a:lnTo>
+                    <a:pt x="1801270" y="202803"/>
+                  </a:lnTo>
+                  <a:lnTo>
+                    <a:pt x="1861312" y="202803"/>
+                  </a:lnTo>
+                  <a:lnTo>
+                    <a:pt x="1861312" y="289719"/>
+                  </a:lnTo>
+                  <a:lnTo>
+                    <a:pt x="1921355" y="289719"/>
+                  </a:lnTo>
+                  <a:lnTo>
+                    <a:pt x="1921355" y="318691"/>
+                  </a:lnTo>
+                  <a:lnTo>
+                    <a:pt x="1981397" y="318691"/>
+                  </a:lnTo>
+                  <a:lnTo>
+                    <a:pt x="1981397" y="463551"/>
+                  </a:lnTo>
+                  <a:lnTo>
+                    <a:pt x="2041440" y="463551"/>
+                  </a:lnTo>
+                  <a:lnTo>
+                    <a:pt x="2041440" y="608410"/>
+                  </a:lnTo>
+                  <a:lnTo>
+                    <a:pt x="2101482" y="608410"/>
+                  </a:lnTo>
+                  <a:lnTo>
+                    <a:pt x="2101482" y="695326"/>
+                  </a:lnTo>
+                  <a:lnTo>
+                    <a:pt x="2161524" y="695326"/>
+                  </a:lnTo>
+                  <a:lnTo>
+                    <a:pt x="2161524" y="753270"/>
+                  </a:lnTo>
+                  <a:lnTo>
+                    <a:pt x="2221567" y="753270"/>
+                  </a:lnTo>
+                  <a:lnTo>
+                    <a:pt x="2221567" y="811214"/>
+                  </a:lnTo>
+                  <a:lnTo>
+                    <a:pt x="2281609" y="811214"/>
+                  </a:lnTo>
+                  <a:lnTo>
+                    <a:pt x="2281609" y="840186"/>
+                  </a:lnTo>
+                  <a:lnTo>
+                    <a:pt x="2341651" y="840186"/>
+                  </a:lnTo>
+                  <a:lnTo>
+                    <a:pt x="2341651" y="869158"/>
+                  </a:lnTo>
+                  <a:lnTo>
+                    <a:pt x="3062160" y="869158"/>
+                  </a:lnTo>
+                  <a:lnTo>
+                    <a:pt x="3062160" y="898130"/>
+                  </a:lnTo>
+                  <a:lnTo>
+                    <a:pt x="3242287" y="898130"/>
+                  </a:lnTo>
+                  <a:lnTo>
+                    <a:pt x="3242287" y="898130"/>
                   </a:lnTo>
                 </a:path>
               </a:pathLst>
@@ -2935,177 +3371,383 @@
         </p:sp>
         <p:sp>
           <p:nvSpPr>
-            <p:cNvPr id="10" name="pl9"/>
+            <p:cNvPr id="14" name="pl13"/>
             <p:cNvSpPr/>
             <p:nvPr/>
           </p:nvSpPr>
           <p:spPr>
             <a:xfrm>
               <a:off x="1693406" y="1127841"/>
-              <a:ext cx="3550680" cy="927102"/>
+              <a:ext cx="3242287" cy="1014018"/>
             </a:xfrm>
             <a:custGeom>
               <a:avLst/>
               <a:pathLst>
-                <a:path w="3550680" h="927102">
+                <a:path w="3242287" h="1014018">
                   <a:moveTo>
                     <a:pt x="0" y="0"/>
                   </a:moveTo>
                   <a:lnTo>
-                    <a:pt x="1249313" y="0"/>
-                  </a:lnTo>
-                  <a:lnTo>
-                    <a:pt x="1249313" y="9657"/>
-                  </a:lnTo>
-                  <a:lnTo>
-                    <a:pt x="1380820" y="9657"/>
-                  </a:lnTo>
-                  <a:lnTo>
-                    <a:pt x="1380820" y="19314"/>
-                  </a:lnTo>
-                  <a:lnTo>
-                    <a:pt x="1446573" y="19314"/>
-                  </a:lnTo>
-                  <a:lnTo>
-                    <a:pt x="1446573" y="28971"/>
-                  </a:lnTo>
-                  <a:lnTo>
-                    <a:pt x="1643833" y="28971"/>
-                  </a:lnTo>
-                  <a:lnTo>
-                    <a:pt x="1643833" y="38629"/>
-                  </a:lnTo>
-                  <a:lnTo>
-                    <a:pt x="1709587" y="38629"/>
-                  </a:lnTo>
-                  <a:lnTo>
-                    <a:pt x="1709587" y="57943"/>
-                  </a:lnTo>
-                  <a:lnTo>
-                    <a:pt x="1775340" y="57943"/>
-                  </a:lnTo>
-                  <a:lnTo>
-                    <a:pt x="1775340" y="77258"/>
-                  </a:lnTo>
-                  <a:lnTo>
-                    <a:pt x="1841093" y="77258"/>
-                  </a:lnTo>
-                  <a:lnTo>
-                    <a:pt x="1841093" y="86915"/>
-                  </a:lnTo>
-                  <a:lnTo>
-                    <a:pt x="1906847" y="86915"/>
-                  </a:lnTo>
-                  <a:lnTo>
-                    <a:pt x="1906847" y="154517"/>
-                  </a:lnTo>
-                  <a:lnTo>
-                    <a:pt x="1972600" y="154517"/>
-                  </a:lnTo>
-                  <a:lnTo>
-                    <a:pt x="1972600" y="222118"/>
-                  </a:lnTo>
-                  <a:lnTo>
-                    <a:pt x="2038353" y="222118"/>
-                  </a:lnTo>
-                  <a:lnTo>
-                    <a:pt x="2038353" y="318691"/>
-                  </a:lnTo>
-                  <a:lnTo>
-                    <a:pt x="2104107" y="318691"/>
-                  </a:lnTo>
-                  <a:lnTo>
-                    <a:pt x="2104107" y="357320"/>
-                  </a:lnTo>
-                  <a:lnTo>
-                    <a:pt x="2169860" y="357320"/>
-                  </a:lnTo>
-                  <a:lnTo>
-                    <a:pt x="2169860" y="386292"/>
-                  </a:lnTo>
-                  <a:lnTo>
-                    <a:pt x="2235613" y="386292"/>
-                  </a:lnTo>
-                  <a:lnTo>
-                    <a:pt x="2235613" y="453893"/>
-                  </a:lnTo>
-                  <a:lnTo>
-                    <a:pt x="2301367" y="453893"/>
-                  </a:lnTo>
-                  <a:lnTo>
-                    <a:pt x="2301367" y="579438"/>
-                  </a:lnTo>
-                  <a:lnTo>
-                    <a:pt x="2367120" y="579438"/>
-                  </a:lnTo>
-                  <a:lnTo>
-                    <a:pt x="2367120" y="656697"/>
-                  </a:lnTo>
-                  <a:lnTo>
-                    <a:pt x="2432873" y="656697"/>
-                  </a:lnTo>
-                  <a:lnTo>
-                    <a:pt x="2432873" y="695326"/>
-                  </a:lnTo>
-                  <a:lnTo>
-                    <a:pt x="2498627" y="695326"/>
-                  </a:lnTo>
-                  <a:lnTo>
-                    <a:pt x="2498627" y="762927"/>
-                  </a:lnTo>
-                  <a:lnTo>
-                    <a:pt x="2564380" y="762927"/>
-                  </a:lnTo>
-                  <a:lnTo>
-                    <a:pt x="2564380" y="811214"/>
-                  </a:lnTo>
-                  <a:lnTo>
-                    <a:pt x="2630133" y="811214"/>
-                  </a:lnTo>
-                  <a:lnTo>
-                    <a:pt x="2630133" y="830529"/>
-                  </a:lnTo>
-                  <a:lnTo>
-                    <a:pt x="2761640" y="830529"/>
-                  </a:lnTo>
-                  <a:lnTo>
-                    <a:pt x="2761640" y="840186"/>
-                  </a:lnTo>
-                  <a:lnTo>
-                    <a:pt x="2958900" y="840186"/>
-                  </a:lnTo>
-                  <a:lnTo>
-                    <a:pt x="2958900" y="859501"/>
-                  </a:lnTo>
-                  <a:lnTo>
-                    <a:pt x="3024654" y="859501"/>
-                  </a:lnTo>
-                  <a:lnTo>
-                    <a:pt x="3024654" y="869158"/>
-                  </a:lnTo>
-                  <a:lnTo>
-                    <a:pt x="3090407" y="869158"/>
-                  </a:lnTo>
-                  <a:lnTo>
-                    <a:pt x="3090407" y="888473"/>
-                  </a:lnTo>
-                  <a:lnTo>
-                    <a:pt x="3156160" y="888473"/>
-                  </a:lnTo>
-                  <a:lnTo>
-                    <a:pt x="3156160" y="907787"/>
-                  </a:lnTo>
-                  <a:lnTo>
-                    <a:pt x="3353420" y="907787"/>
-                  </a:lnTo>
-                  <a:lnTo>
-                    <a:pt x="3353420" y="917445"/>
-                  </a:lnTo>
-                  <a:lnTo>
-                    <a:pt x="3550680" y="917445"/>
-                  </a:lnTo>
-                  <a:lnTo>
-                    <a:pt x="3550680" y="927102"/>
+                    <a:pt x="1621143" y="0"/>
+                  </a:lnTo>
+                  <a:lnTo>
+                    <a:pt x="1621143" y="28971"/>
+                  </a:lnTo>
+                  <a:lnTo>
+                    <a:pt x="1741228" y="28971"/>
+                  </a:lnTo>
+                  <a:lnTo>
+                    <a:pt x="1741228" y="86915"/>
+                  </a:lnTo>
+                  <a:lnTo>
+                    <a:pt x="1801270" y="86915"/>
+                  </a:lnTo>
+                  <a:lnTo>
+                    <a:pt x="1801270" y="231775"/>
+                  </a:lnTo>
+                  <a:lnTo>
+                    <a:pt x="1861312" y="231775"/>
+                  </a:lnTo>
+                  <a:lnTo>
+                    <a:pt x="1861312" y="376635"/>
+                  </a:lnTo>
+                  <a:lnTo>
+                    <a:pt x="1921355" y="376635"/>
+                  </a:lnTo>
+                  <a:lnTo>
+                    <a:pt x="1921355" y="492523"/>
+                  </a:lnTo>
+                  <a:lnTo>
+                    <a:pt x="1981397" y="492523"/>
+                  </a:lnTo>
+                  <a:lnTo>
+                    <a:pt x="1981397" y="521495"/>
+                  </a:lnTo>
+                  <a:lnTo>
+                    <a:pt x="2101482" y="521495"/>
+                  </a:lnTo>
+                  <a:lnTo>
+                    <a:pt x="2101482" y="608410"/>
+                  </a:lnTo>
+                  <a:lnTo>
+                    <a:pt x="2161524" y="608410"/>
+                  </a:lnTo>
+                  <a:lnTo>
+                    <a:pt x="2161524" y="724298"/>
+                  </a:lnTo>
+                  <a:lnTo>
+                    <a:pt x="2221567" y="724298"/>
+                  </a:lnTo>
+                  <a:lnTo>
+                    <a:pt x="2221567" y="753270"/>
+                  </a:lnTo>
+                  <a:lnTo>
+                    <a:pt x="2281609" y="753270"/>
+                  </a:lnTo>
+                  <a:lnTo>
+                    <a:pt x="2281609" y="840186"/>
+                  </a:lnTo>
+                  <a:lnTo>
+                    <a:pt x="2401694" y="840186"/>
+                  </a:lnTo>
+                  <a:lnTo>
+                    <a:pt x="2401694" y="869158"/>
+                  </a:lnTo>
+                  <a:lnTo>
+                    <a:pt x="2701905" y="869158"/>
+                  </a:lnTo>
+                  <a:lnTo>
+                    <a:pt x="2701905" y="927102"/>
+                  </a:lnTo>
+                  <a:lnTo>
+                    <a:pt x="2761948" y="927102"/>
+                  </a:lnTo>
+                  <a:lnTo>
+                    <a:pt x="2761948" y="956074"/>
+                  </a:lnTo>
+                  <a:lnTo>
+                    <a:pt x="2821990" y="956074"/>
+                  </a:lnTo>
+                  <a:lnTo>
+                    <a:pt x="2821990" y="985046"/>
+                  </a:lnTo>
+                  <a:lnTo>
+                    <a:pt x="2882032" y="985046"/>
+                  </a:lnTo>
+                  <a:lnTo>
+                    <a:pt x="2882032" y="1014018"/>
+                  </a:lnTo>
+                  <a:lnTo>
+                    <a:pt x="3242287" y="1014018"/>
+                  </a:lnTo>
+                  <a:lnTo>
+                    <a:pt x="3242287" y="1014018"/>
+                  </a:lnTo>
+                </a:path>
+              </a:pathLst>
+            </a:custGeom>
+            <a:ln w="27101" cap="flat">
+              <a:solidFill>
+                <a:srgbClr val="00B4F0">
+                  <a:alpha val="100000"/>
+                </a:srgbClr>
+              </a:solidFill>
+              <a:prstDash val="solid"/>
+              <a:round/>
+            </a:ln>
+          </p:spPr>
+          <p:txBody>
+            <a:bodyPr/>
+            <a:lstStyle/>
+            <a:p/>
+          </p:txBody>
+        </p:sp>
+        <p:sp>
+          <p:nvSpPr>
+            <p:cNvPr id="15" name="pl14"/>
+            <p:cNvSpPr/>
+            <p:nvPr/>
+          </p:nvSpPr>
+          <p:spPr>
+            <a:xfrm>
+              <a:off x="1693406" y="1127841"/>
+              <a:ext cx="3242287" cy="782242"/>
+            </a:xfrm>
+            <a:custGeom>
+              <a:avLst/>
+              <a:pathLst>
+                <a:path w="3242287" h="782242">
+                  <a:moveTo>
+                    <a:pt x="0" y="0"/>
+                  </a:moveTo>
+                  <a:lnTo>
+                    <a:pt x="1561101" y="0"/>
+                  </a:lnTo>
+                  <a:lnTo>
+                    <a:pt x="1561101" y="57943"/>
+                  </a:lnTo>
+                  <a:lnTo>
+                    <a:pt x="1621143" y="57943"/>
+                  </a:lnTo>
+                  <a:lnTo>
+                    <a:pt x="1621143" y="86915"/>
+                  </a:lnTo>
+                  <a:lnTo>
+                    <a:pt x="1741228" y="86915"/>
+                  </a:lnTo>
+                  <a:lnTo>
+                    <a:pt x="1741228" y="231775"/>
+                  </a:lnTo>
+                  <a:lnTo>
+                    <a:pt x="1801270" y="231775"/>
+                  </a:lnTo>
+                  <a:lnTo>
+                    <a:pt x="1801270" y="260747"/>
+                  </a:lnTo>
+                  <a:lnTo>
+                    <a:pt x="1981397" y="260747"/>
+                  </a:lnTo>
+                  <a:lnTo>
+                    <a:pt x="1981397" y="289719"/>
+                  </a:lnTo>
+                  <a:lnTo>
+                    <a:pt x="2041440" y="289719"/>
+                  </a:lnTo>
+                  <a:lnTo>
+                    <a:pt x="2041440" y="405607"/>
+                  </a:lnTo>
+                  <a:lnTo>
+                    <a:pt x="2101482" y="405607"/>
+                  </a:lnTo>
+                  <a:lnTo>
+                    <a:pt x="2101482" y="550467"/>
+                  </a:lnTo>
+                  <a:lnTo>
+                    <a:pt x="2161524" y="550467"/>
+                  </a:lnTo>
+                  <a:lnTo>
+                    <a:pt x="2161524" y="608410"/>
+                  </a:lnTo>
+                  <a:lnTo>
+                    <a:pt x="2221567" y="608410"/>
+                  </a:lnTo>
+                  <a:lnTo>
+                    <a:pt x="2221567" y="666354"/>
+                  </a:lnTo>
+                  <a:lnTo>
+                    <a:pt x="2281609" y="666354"/>
+                  </a:lnTo>
+                  <a:lnTo>
+                    <a:pt x="2281609" y="695326"/>
+                  </a:lnTo>
+                  <a:lnTo>
+                    <a:pt x="2341651" y="695326"/>
+                  </a:lnTo>
+                  <a:lnTo>
+                    <a:pt x="2341651" y="724298"/>
+                  </a:lnTo>
+                  <a:lnTo>
+                    <a:pt x="2821990" y="724298"/>
+                  </a:lnTo>
+                  <a:lnTo>
+                    <a:pt x="2821990" y="753270"/>
+                  </a:lnTo>
+                  <a:lnTo>
+                    <a:pt x="3062160" y="753270"/>
+                  </a:lnTo>
+                  <a:lnTo>
+                    <a:pt x="3062160" y="782242"/>
+                  </a:lnTo>
+                  <a:lnTo>
+                    <a:pt x="3242287" y="782242"/>
+                  </a:lnTo>
+                  <a:lnTo>
+                    <a:pt x="3242287" y="782242"/>
+                  </a:lnTo>
+                </a:path>
+              </a:pathLst>
+            </a:custGeom>
+            <a:ln w="27101" cap="flat">
+              <a:solidFill>
+                <a:srgbClr val="619CFF">
+                  <a:alpha val="100000"/>
+                </a:srgbClr>
+              </a:solidFill>
+              <a:prstDash val="solid"/>
+              <a:round/>
+            </a:ln>
+          </p:spPr>
+          <p:txBody>
+            <a:bodyPr/>
+            <a:lstStyle/>
+            <a:p/>
+          </p:txBody>
+        </p:sp>
+        <p:sp>
+          <p:nvSpPr>
+            <p:cNvPr id="16" name="pl15"/>
+            <p:cNvSpPr/>
+            <p:nvPr/>
+          </p:nvSpPr>
+          <p:spPr>
+            <a:xfrm>
+              <a:off x="1693406" y="1127841"/>
+              <a:ext cx="3242287" cy="1014018"/>
+            </a:xfrm>
+            <a:custGeom>
+              <a:avLst/>
+              <a:pathLst>
+                <a:path w="3242287" h="1014018">
+                  <a:moveTo>
+                    <a:pt x="0" y="0"/>
+                  </a:moveTo>
+                  <a:lnTo>
+                    <a:pt x="240169" y="0"/>
+                  </a:lnTo>
+                  <a:lnTo>
+                    <a:pt x="240169" y="28971"/>
+                  </a:lnTo>
+                  <a:lnTo>
+                    <a:pt x="420296" y="28971"/>
+                  </a:lnTo>
+                  <a:lnTo>
+                    <a:pt x="420296" y="57943"/>
+                  </a:lnTo>
+                  <a:lnTo>
+                    <a:pt x="1320931" y="57943"/>
+                  </a:lnTo>
+                  <a:lnTo>
+                    <a:pt x="1320931" y="86915"/>
+                  </a:lnTo>
+                  <a:lnTo>
+                    <a:pt x="1501058" y="86915"/>
+                  </a:lnTo>
+                  <a:lnTo>
+                    <a:pt x="1501058" y="115887"/>
+                  </a:lnTo>
+                  <a:lnTo>
+                    <a:pt x="1621143" y="115887"/>
+                  </a:lnTo>
+                  <a:lnTo>
+                    <a:pt x="1621143" y="173831"/>
+                  </a:lnTo>
+                  <a:lnTo>
+                    <a:pt x="1681185" y="173831"/>
+                  </a:lnTo>
+                  <a:lnTo>
+                    <a:pt x="1681185" y="231775"/>
+                  </a:lnTo>
+                  <a:lnTo>
+                    <a:pt x="1741228" y="231775"/>
+                  </a:lnTo>
+                  <a:lnTo>
+                    <a:pt x="1741228" y="318691"/>
+                  </a:lnTo>
+                  <a:lnTo>
+                    <a:pt x="1801270" y="318691"/>
+                  </a:lnTo>
+                  <a:lnTo>
+                    <a:pt x="1801270" y="492523"/>
+                  </a:lnTo>
+                  <a:lnTo>
+                    <a:pt x="1861312" y="492523"/>
+                  </a:lnTo>
+                  <a:lnTo>
+                    <a:pt x="1861312" y="550467"/>
+                  </a:lnTo>
+                  <a:lnTo>
+                    <a:pt x="1921355" y="550467"/>
+                  </a:lnTo>
+                  <a:lnTo>
+                    <a:pt x="1921355" y="608410"/>
+                  </a:lnTo>
+                  <a:lnTo>
+                    <a:pt x="1981397" y="608410"/>
+                  </a:lnTo>
+                  <a:lnTo>
+                    <a:pt x="1981397" y="695326"/>
+                  </a:lnTo>
+                  <a:lnTo>
+                    <a:pt x="2041440" y="695326"/>
+                  </a:lnTo>
+                  <a:lnTo>
+                    <a:pt x="2041440" y="753270"/>
+                  </a:lnTo>
+                  <a:lnTo>
+                    <a:pt x="2101482" y="753270"/>
+                  </a:lnTo>
+                  <a:lnTo>
+                    <a:pt x="2101482" y="840186"/>
+                  </a:lnTo>
+                  <a:lnTo>
+                    <a:pt x="2161524" y="840186"/>
+                  </a:lnTo>
+                  <a:lnTo>
+                    <a:pt x="2161524" y="869158"/>
+                  </a:lnTo>
+                  <a:lnTo>
+                    <a:pt x="2221567" y="869158"/>
+                  </a:lnTo>
+                  <a:lnTo>
+                    <a:pt x="2221567" y="956074"/>
+                  </a:lnTo>
+                  <a:lnTo>
+                    <a:pt x="2281609" y="956074"/>
+                  </a:lnTo>
+                  <a:lnTo>
+                    <a:pt x="2281609" y="985046"/>
+                  </a:lnTo>
+                  <a:lnTo>
+                    <a:pt x="2882032" y="985046"/>
+                  </a:lnTo>
+                  <a:lnTo>
+                    <a:pt x="2882032" y="1014018"/>
+                  </a:lnTo>
+                  <a:lnTo>
+                    <a:pt x="3242287" y="1014018"/>
+                  </a:lnTo>
+                  <a:lnTo>
+                    <a:pt x="3242287" y="1014018"/>
                   </a:lnTo>
                 </a:path>
               </a:pathLst>
@@ -3128,13 +3770,315 @@
         </p:sp>
         <p:sp>
           <p:nvSpPr>
-            <p:cNvPr id="11" name="tx10"/>
-            <p:cNvSpPr/>
-            <p:nvPr/>
-          </p:nvSpPr>
-          <p:spPr>
-            <a:xfrm>
-              <a:off x="5193103" y="2140072"/>
+            <p:cNvPr id="17" name="pl16"/>
+            <p:cNvSpPr/>
+            <p:nvPr/>
+          </p:nvSpPr>
+          <p:spPr>
+            <a:xfrm>
+              <a:off x="1693406" y="1127841"/>
+              <a:ext cx="3242287" cy="985046"/>
+            </a:xfrm>
+            <a:custGeom>
+              <a:avLst/>
+              <a:pathLst>
+                <a:path w="3242287" h="985046">
+                  <a:moveTo>
+                    <a:pt x="0" y="0"/>
+                  </a:moveTo>
+                  <a:lnTo>
+                    <a:pt x="1140804" y="0"/>
+                  </a:lnTo>
+                  <a:lnTo>
+                    <a:pt x="1140804" y="28971"/>
+                  </a:lnTo>
+                  <a:lnTo>
+                    <a:pt x="1260889" y="28971"/>
+                  </a:lnTo>
+                  <a:lnTo>
+                    <a:pt x="1260889" y="57943"/>
+                  </a:lnTo>
+                  <a:lnTo>
+                    <a:pt x="1320931" y="57943"/>
+                  </a:lnTo>
+                  <a:lnTo>
+                    <a:pt x="1320931" y="86915"/>
+                  </a:lnTo>
+                  <a:lnTo>
+                    <a:pt x="1501058" y="86915"/>
+                  </a:lnTo>
+                  <a:lnTo>
+                    <a:pt x="1501058" y="115887"/>
+                  </a:lnTo>
+                  <a:lnTo>
+                    <a:pt x="1681185" y="115887"/>
+                  </a:lnTo>
+                  <a:lnTo>
+                    <a:pt x="1681185" y="144859"/>
+                  </a:lnTo>
+                  <a:lnTo>
+                    <a:pt x="1801270" y="144859"/>
+                  </a:lnTo>
+                  <a:lnTo>
+                    <a:pt x="1801270" y="173831"/>
+                  </a:lnTo>
+                  <a:lnTo>
+                    <a:pt x="1861312" y="173831"/>
+                  </a:lnTo>
+                  <a:lnTo>
+                    <a:pt x="1861312" y="318691"/>
+                  </a:lnTo>
+                  <a:lnTo>
+                    <a:pt x="1981397" y="318691"/>
+                  </a:lnTo>
+                  <a:lnTo>
+                    <a:pt x="1981397" y="347663"/>
+                  </a:lnTo>
+                  <a:lnTo>
+                    <a:pt x="2041440" y="347663"/>
+                  </a:lnTo>
+                  <a:lnTo>
+                    <a:pt x="2041440" y="434579"/>
+                  </a:lnTo>
+                  <a:lnTo>
+                    <a:pt x="2101482" y="434579"/>
+                  </a:lnTo>
+                  <a:lnTo>
+                    <a:pt x="2101482" y="579438"/>
+                  </a:lnTo>
+                  <a:lnTo>
+                    <a:pt x="2161524" y="579438"/>
+                  </a:lnTo>
+                  <a:lnTo>
+                    <a:pt x="2161524" y="637382"/>
+                  </a:lnTo>
+                  <a:lnTo>
+                    <a:pt x="2221567" y="637382"/>
+                  </a:lnTo>
+                  <a:lnTo>
+                    <a:pt x="2221567" y="666354"/>
+                  </a:lnTo>
+                  <a:lnTo>
+                    <a:pt x="2281609" y="666354"/>
+                  </a:lnTo>
+                  <a:lnTo>
+                    <a:pt x="2281609" y="753270"/>
+                  </a:lnTo>
+                  <a:lnTo>
+                    <a:pt x="2341651" y="753270"/>
+                  </a:lnTo>
+                  <a:lnTo>
+                    <a:pt x="2341651" y="869158"/>
+                  </a:lnTo>
+                  <a:lnTo>
+                    <a:pt x="2401694" y="869158"/>
+                  </a:lnTo>
+                  <a:lnTo>
+                    <a:pt x="2401694" y="898130"/>
+                  </a:lnTo>
+                  <a:lnTo>
+                    <a:pt x="2521778" y="898130"/>
+                  </a:lnTo>
+                  <a:lnTo>
+                    <a:pt x="2521778" y="927102"/>
+                  </a:lnTo>
+                  <a:lnTo>
+                    <a:pt x="2882032" y="927102"/>
+                  </a:lnTo>
+                  <a:lnTo>
+                    <a:pt x="2882032" y="956074"/>
+                  </a:lnTo>
+                  <a:lnTo>
+                    <a:pt x="3242287" y="956074"/>
+                  </a:lnTo>
+                  <a:lnTo>
+                    <a:pt x="3242287" y="985046"/>
+                  </a:lnTo>
+                </a:path>
+              </a:pathLst>
+            </a:custGeom>
+            <a:ln w="27101" cap="flat">
+              <a:solidFill>
+                <a:srgbClr val="F564E3">
+                  <a:alpha val="100000"/>
+                </a:srgbClr>
+              </a:solidFill>
+              <a:prstDash val="solid"/>
+              <a:round/>
+            </a:ln>
+          </p:spPr>
+          <p:txBody>
+            <a:bodyPr/>
+            <a:lstStyle/>
+            <a:p/>
+          </p:txBody>
+        </p:sp>
+        <p:sp>
+          <p:nvSpPr>
+            <p:cNvPr id="18" name="pl17"/>
+            <p:cNvSpPr/>
+            <p:nvPr/>
+          </p:nvSpPr>
+          <p:spPr>
+            <a:xfrm>
+              <a:off x="1693406" y="1127841"/>
+              <a:ext cx="3242287" cy="956074"/>
+            </a:xfrm>
+            <a:custGeom>
+              <a:avLst/>
+              <a:pathLst>
+                <a:path w="3242287" h="956074">
+                  <a:moveTo>
+                    <a:pt x="0" y="0"/>
+                  </a:moveTo>
+                  <a:lnTo>
+                    <a:pt x="1380974" y="0"/>
+                  </a:lnTo>
+                  <a:lnTo>
+                    <a:pt x="1380974" y="28971"/>
+                  </a:lnTo>
+                  <a:lnTo>
+                    <a:pt x="1561101" y="28971"/>
+                  </a:lnTo>
+                  <a:lnTo>
+                    <a:pt x="1561101" y="144859"/>
+                  </a:lnTo>
+                  <a:lnTo>
+                    <a:pt x="1621143" y="144859"/>
+                  </a:lnTo>
+                  <a:lnTo>
+                    <a:pt x="1621143" y="173831"/>
+                  </a:lnTo>
+                  <a:lnTo>
+                    <a:pt x="1741228" y="173831"/>
+                  </a:lnTo>
+                  <a:lnTo>
+                    <a:pt x="1741228" y="202803"/>
+                  </a:lnTo>
+                  <a:lnTo>
+                    <a:pt x="1861312" y="202803"/>
+                  </a:lnTo>
+                  <a:lnTo>
+                    <a:pt x="1861312" y="231775"/>
+                  </a:lnTo>
+                  <a:lnTo>
+                    <a:pt x="1921355" y="231775"/>
+                  </a:lnTo>
+                  <a:lnTo>
+                    <a:pt x="1921355" y="260747"/>
+                  </a:lnTo>
+                  <a:lnTo>
+                    <a:pt x="1981397" y="260747"/>
+                  </a:lnTo>
+                  <a:lnTo>
+                    <a:pt x="1981397" y="289719"/>
+                  </a:lnTo>
+                  <a:lnTo>
+                    <a:pt x="2041440" y="289719"/>
+                  </a:lnTo>
+                  <a:lnTo>
+                    <a:pt x="2041440" y="347663"/>
+                  </a:lnTo>
+                  <a:lnTo>
+                    <a:pt x="2101482" y="347663"/>
+                  </a:lnTo>
+                  <a:lnTo>
+                    <a:pt x="2101482" y="405607"/>
+                  </a:lnTo>
+                  <a:lnTo>
+                    <a:pt x="2161524" y="405607"/>
+                  </a:lnTo>
+                  <a:lnTo>
+                    <a:pt x="2161524" y="463551"/>
+                  </a:lnTo>
+                  <a:lnTo>
+                    <a:pt x="2221567" y="463551"/>
+                  </a:lnTo>
+                  <a:lnTo>
+                    <a:pt x="2221567" y="521495"/>
+                  </a:lnTo>
+                  <a:lnTo>
+                    <a:pt x="2401694" y="521495"/>
+                  </a:lnTo>
+                  <a:lnTo>
+                    <a:pt x="2401694" y="579438"/>
+                  </a:lnTo>
+                  <a:lnTo>
+                    <a:pt x="2581821" y="579438"/>
+                  </a:lnTo>
+                  <a:lnTo>
+                    <a:pt x="2581821" y="608410"/>
+                  </a:lnTo>
+                  <a:lnTo>
+                    <a:pt x="2641863" y="608410"/>
+                  </a:lnTo>
+                  <a:lnTo>
+                    <a:pt x="2641863" y="666354"/>
+                  </a:lnTo>
+                  <a:lnTo>
+                    <a:pt x="2701905" y="666354"/>
+                  </a:lnTo>
+                  <a:lnTo>
+                    <a:pt x="2701905" y="753270"/>
+                  </a:lnTo>
+                  <a:lnTo>
+                    <a:pt x="2761948" y="753270"/>
+                  </a:lnTo>
+                  <a:lnTo>
+                    <a:pt x="2761948" y="782242"/>
+                  </a:lnTo>
+                  <a:lnTo>
+                    <a:pt x="2882032" y="782242"/>
+                  </a:lnTo>
+                  <a:lnTo>
+                    <a:pt x="2882032" y="869158"/>
+                  </a:lnTo>
+                  <a:lnTo>
+                    <a:pt x="2942075" y="869158"/>
+                  </a:lnTo>
+                  <a:lnTo>
+                    <a:pt x="2942075" y="927102"/>
+                  </a:lnTo>
+                  <a:lnTo>
+                    <a:pt x="3002117" y="927102"/>
+                  </a:lnTo>
+                  <a:lnTo>
+                    <a:pt x="3002117" y="956074"/>
+                  </a:lnTo>
+                  <a:lnTo>
+                    <a:pt x="3242287" y="956074"/>
+                  </a:lnTo>
+                  <a:lnTo>
+                    <a:pt x="3242287" y="956074"/>
+                  </a:lnTo>
+                </a:path>
+              </a:pathLst>
+            </a:custGeom>
+            <a:ln w="27101" cap="flat">
+              <a:solidFill>
+                <a:srgbClr val="FF64B0">
+                  <a:alpha val="100000"/>
+                </a:srgbClr>
+              </a:solidFill>
+              <a:prstDash val="solid"/>
+              <a:round/>
+            </a:ln>
+          </p:spPr>
+          <p:txBody>
+            <a:bodyPr/>
+            <a:lstStyle/>
+            <a:p/>
+          </p:txBody>
+        </p:sp>
+        <p:sp>
+          <p:nvSpPr>
+            <p:cNvPr id="19" name="tx18"/>
+            <p:cNvSpPr/>
+            <p:nvPr/>
+          </p:nvSpPr>
+          <p:spPr>
+            <a:xfrm>
+              <a:off x="4884709" y="2178702"/>
               <a:ext cx="101968" cy="82614"/>
             </a:xfrm>
             <a:prstGeom prst="rect">
@@ -3174,13 +4118,105 @@
         </p:sp>
         <p:sp>
           <p:nvSpPr>
-            <p:cNvPr id="12" name="tx11"/>
-            <p:cNvSpPr/>
-            <p:nvPr/>
-          </p:nvSpPr>
-          <p:spPr>
-            <a:xfrm>
-              <a:off x="5193103" y="2149730"/>
+            <p:cNvPr id="20" name="tx19"/>
+            <p:cNvSpPr/>
+            <p:nvPr/>
+          </p:nvSpPr>
+          <p:spPr>
+            <a:xfrm>
+              <a:off x="4884709" y="2149730"/>
+              <a:ext cx="101968" cy="82614"/>
+            </a:xfrm>
+            <a:prstGeom prst="rect">
+              <a:avLst/>
+            </a:prstGeom>
+            <a:noFill/>
+          </p:spPr>
+          <p:txBody>
+            <a:bodyPr lIns="0" rIns="0" tIns="0" bIns="0" anchorCtr="1" anchor="ctr" wrap="none"/>
+            <a:lstStyle/>
+            <a:p>
+              <a:pPr algn="l" marL="0" marR="0" indent="0">
+                <a:lnSpc>
+                  <a:spcPts val="1374"/>
+                </a:lnSpc>
+                <a:spcBef>
+                  <a:spcPts val="0"/>
+                </a:spcBef>
+                <a:spcAft>
+                  <a:spcPts val="0"/>
+                </a:spcAft>
+              </a:pPr>
+              <a:r>
+                <a:rPr sz="1374">
+                  <a:solidFill>
+                    <a:srgbClr val="DE8C00">
+                      <a:alpha val="100000"/>
+                    </a:srgbClr>
+                  </a:solidFill>
+                  <a:latin typeface="Arial"/>
+                  <a:cs typeface="Arial"/>
+                </a:rPr>
+                <a:t>+</a:t>
+              </a:r>
+            </a:p>
+          </p:txBody>
+        </p:sp>
+        <p:sp>
+          <p:nvSpPr>
+            <p:cNvPr id="21" name="tx20"/>
+            <p:cNvSpPr/>
+            <p:nvPr/>
+          </p:nvSpPr>
+          <p:spPr>
+            <a:xfrm>
+              <a:off x="4884709" y="1888982"/>
+              <a:ext cx="101968" cy="82614"/>
+            </a:xfrm>
+            <a:prstGeom prst="rect">
+              <a:avLst/>
+            </a:prstGeom>
+            <a:noFill/>
+          </p:spPr>
+          <p:txBody>
+            <a:bodyPr lIns="0" rIns="0" tIns="0" bIns="0" anchorCtr="1" anchor="ctr" wrap="none"/>
+            <a:lstStyle/>
+            <a:p>
+              <a:pPr algn="l" marL="0" marR="0" indent="0">
+                <a:lnSpc>
+                  <a:spcPts val="1374"/>
+                </a:lnSpc>
+                <a:spcBef>
+                  <a:spcPts val="0"/>
+                </a:spcBef>
+                <a:spcAft>
+                  <a:spcPts val="0"/>
+                </a:spcAft>
+              </a:pPr>
+              <a:r>
+                <a:rPr sz="1374">
+                  <a:solidFill>
+                    <a:srgbClr val="B79F00">
+                      <a:alpha val="100000"/>
+                    </a:srgbClr>
+                  </a:solidFill>
+                  <a:latin typeface="Arial"/>
+                  <a:cs typeface="Arial"/>
+                </a:rPr>
+                <a:t>+</a:t>
+              </a:r>
+            </a:p>
+          </p:txBody>
+        </p:sp>
+        <p:sp>
+          <p:nvSpPr>
+            <p:cNvPr id="22" name="tx21"/>
+            <p:cNvSpPr/>
+            <p:nvPr/>
+          </p:nvSpPr>
+          <p:spPr>
+            <a:xfrm>
+              <a:off x="4884709" y="2120758"/>
               <a:ext cx="101968" cy="82614"/>
             </a:xfrm>
             <a:prstGeom prst="rect">
@@ -3220,13 +4256,105 @@
         </p:sp>
         <p:sp>
           <p:nvSpPr>
-            <p:cNvPr id="13" name="tx12"/>
-            <p:cNvSpPr/>
-            <p:nvPr/>
-          </p:nvSpPr>
-          <p:spPr>
-            <a:xfrm>
-              <a:off x="5193103" y="1956583"/>
+            <p:cNvPr id="23" name="tx22"/>
+            <p:cNvSpPr/>
+            <p:nvPr/>
+          </p:nvSpPr>
+          <p:spPr>
+            <a:xfrm>
+              <a:off x="4884709" y="1975898"/>
+              <a:ext cx="101968" cy="82614"/>
+            </a:xfrm>
+            <a:prstGeom prst="rect">
+              <a:avLst/>
+            </a:prstGeom>
+            <a:noFill/>
+          </p:spPr>
+          <p:txBody>
+            <a:bodyPr lIns="0" rIns="0" tIns="0" bIns="0" anchorCtr="1" anchor="ctr" wrap="none"/>
+            <a:lstStyle/>
+            <a:p>
+              <a:pPr algn="l" marL="0" marR="0" indent="0">
+                <a:lnSpc>
+                  <a:spcPts val="1374"/>
+                </a:lnSpc>
+                <a:spcBef>
+                  <a:spcPts val="0"/>
+                </a:spcBef>
+                <a:spcAft>
+                  <a:spcPts val="0"/>
+                </a:spcAft>
+              </a:pPr>
+              <a:r>
+                <a:rPr sz="1374">
+                  <a:solidFill>
+                    <a:srgbClr val="00BA38">
+                      <a:alpha val="100000"/>
+                    </a:srgbClr>
+                  </a:solidFill>
+                  <a:latin typeface="Arial"/>
+                  <a:cs typeface="Arial"/>
+                </a:rPr>
+                <a:t>+</a:t>
+              </a:r>
+            </a:p>
+          </p:txBody>
+        </p:sp>
+        <p:sp>
+          <p:nvSpPr>
+            <p:cNvPr id="24" name="tx23"/>
+            <p:cNvSpPr/>
+            <p:nvPr/>
+          </p:nvSpPr>
+          <p:spPr>
+            <a:xfrm>
+              <a:off x="4884709" y="2236646"/>
+              <a:ext cx="101968" cy="82614"/>
+            </a:xfrm>
+            <a:prstGeom prst="rect">
+              <a:avLst/>
+            </a:prstGeom>
+            <a:noFill/>
+          </p:spPr>
+          <p:txBody>
+            <a:bodyPr lIns="0" rIns="0" tIns="0" bIns="0" anchorCtr="1" anchor="ctr" wrap="none"/>
+            <a:lstStyle/>
+            <a:p>
+              <a:pPr algn="l" marL="0" marR="0" indent="0">
+                <a:lnSpc>
+                  <a:spcPts val="1374"/>
+                </a:lnSpc>
+                <a:spcBef>
+                  <a:spcPts val="0"/>
+                </a:spcBef>
+                <a:spcAft>
+                  <a:spcPts val="0"/>
+                </a:spcAft>
+              </a:pPr>
+              <a:r>
+                <a:rPr sz="1374">
+                  <a:solidFill>
+                    <a:srgbClr val="00C08B">
+                      <a:alpha val="100000"/>
+                    </a:srgbClr>
+                  </a:solidFill>
+                  <a:latin typeface="Arial"/>
+                  <a:cs typeface="Arial"/>
+                </a:rPr>
+                <a:t>+</a:t>
+              </a:r>
+            </a:p>
+          </p:txBody>
+        </p:sp>
+        <p:sp>
+          <p:nvSpPr>
+            <p:cNvPr id="25" name="tx24"/>
+            <p:cNvSpPr/>
+            <p:nvPr/>
+          </p:nvSpPr>
+          <p:spPr>
+            <a:xfrm>
+              <a:off x="4884709" y="2004870"/>
               <a:ext cx="101968" cy="82614"/>
             </a:xfrm>
             <a:prstGeom prst="rect">
@@ -3266,13 +4394,105 @@
         </p:sp>
         <p:sp>
           <p:nvSpPr>
-            <p:cNvPr id="14" name="tx13"/>
-            <p:cNvSpPr/>
-            <p:nvPr/>
-          </p:nvSpPr>
-          <p:spPr>
-            <a:xfrm>
-              <a:off x="5193103" y="2033842"/>
+            <p:cNvPr id="26" name="tx25"/>
+            <p:cNvSpPr/>
+            <p:nvPr/>
+          </p:nvSpPr>
+          <p:spPr>
+            <a:xfrm>
+              <a:off x="4884709" y="2120758"/>
+              <a:ext cx="101968" cy="82614"/>
+            </a:xfrm>
+            <a:prstGeom prst="rect">
+              <a:avLst/>
+            </a:prstGeom>
+            <a:noFill/>
+          </p:spPr>
+          <p:txBody>
+            <a:bodyPr lIns="0" rIns="0" tIns="0" bIns="0" anchorCtr="1" anchor="ctr" wrap="none"/>
+            <a:lstStyle/>
+            <a:p>
+              <a:pPr algn="l" marL="0" marR="0" indent="0">
+                <a:lnSpc>
+                  <a:spcPts val="1374"/>
+                </a:lnSpc>
+                <a:spcBef>
+                  <a:spcPts val="0"/>
+                </a:spcBef>
+                <a:spcAft>
+                  <a:spcPts val="0"/>
+                </a:spcAft>
+              </a:pPr>
+              <a:r>
+                <a:rPr sz="1374">
+                  <a:solidFill>
+                    <a:srgbClr val="00B4F0">
+                      <a:alpha val="100000"/>
+                    </a:srgbClr>
+                  </a:solidFill>
+                  <a:latin typeface="Arial"/>
+                  <a:cs typeface="Arial"/>
+                </a:rPr>
+                <a:t>+</a:t>
+              </a:r>
+            </a:p>
+          </p:txBody>
+        </p:sp>
+        <p:sp>
+          <p:nvSpPr>
+            <p:cNvPr id="27" name="tx26"/>
+            <p:cNvSpPr/>
+            <p:nvPr/>
+          </p:nvSpPr>
+          <p:spPr>
+            <a:xfrm>
+              <a:off x="4884709" y="1888982"/>
+              <a:ext cx="101968" cy="82614"/>
+            </a:xfrm>
+            <a:prstGeom prst="rect">
+              <a:avLst/>
+            </a:prstGeom>
+            <a:noFill/>
+          </p:spPr>
+          <p:txBody>
+            <a:bodyPr lIns="0" rIns="0" tIns="0" bIns="0" anchorCtr="1" anchor="ctr" wrap="none"/>
+            <a:lstStyle/>
+            <a:p>
+              <a:pPr algn="l" marL="0" marR="0" indent="0">
+                <a:lnSpc>
+                  <a:spcPts val="1374"/>
+                </a:lnSpc>
+                <a:spcBef>
+                  <a:spcPts val="0"/>
+                </a:spcBef>
+                <a:spcAft>
+                  <a:spcPts val="0"/>
+                </a:spcAft>
+              </a:pPr>
+              <a:r>
+                <a:rPr sz="1374">
+                  <a:solidFill>
+                    <a:srgbClr val="619CFF">
+                      <a:alpha val="100000"/>
+                    </a:srgbClr>
+                  </a:solidFill>
+                  <a:latin typeface="Arial"/>
+                  <a:cs typeface="Arial"/>
+                </a:rPr>
+                <a:t>+</a:t>
+              </a:r>
+            </a:p>
+          </p:txBody>
+        </p:sp>
+        <p:sp>
+          <p:nvSpPr>
+            <p:cNvPr id="28" name="tx27"/>
+            <p:cNvSpPr/>
+            <p:nvPr/>
+          </p:nvSpPr>
+          <p:spPr>
+            <a:xfrm>
+              <a:off x="4884709" y="2120758"/>
               <a:ext cx="101968" cy="82614"/>
             </a:xfrm>
             <a:prstGeom prst="rect">
@@ -3312,14 +4532,106 @@
         </p:sp>
         <p:sp>
           <p:nvSpPr>
-            <p:cNvPr id="15" name="rc14"/>
+            <p:cNvPr id="29" name="tx28"/>
+            <p:cNvSpPr/>
+            <p:nvPr/>
+          </p:nvSpPr>
+          <p:spPr>
+            <a:xfrm>
+              <a:off x="4884709" y="2091786"/>
+              <a:ext cx="101968" cy="82614"/>
+            </a:xfrm>
+            <a:prstGeom prst="rect">
+              <a:avLst/>
+            </a:prstGeom>
+            <a:noFill/>
+          </p:spPr>
+          <p:txBody>
+            <a:bodyPr lIns="0" rIns="0" tIns="0" bIns="0" anchorCtr="1" anchor="ctr" wrap="none"/>
+            <a:lstStyle/>
+            <a:p>
+              <a:pPr algn="l" marL="0" marR="0" indent="0">
+                <a:lnSpc>
+                  <a:spcPts val="1374"/>
+                </a:lnSpc>
+                <a:spcBef>
+                  <a:spcPts val="0"/>
+                </a:spcBef>
+                <a:spcAft>
+                  <a:spcPts val="0"/>
+                </a:spcAft>
+              </a:pPr>
+              <a:r>
+                <a:rPr sz="1374">
+                  <a:solidFill>
+                    <a:srgbClr val="F564E3">
+                      <a:alpha val="100000"/>
+                    </a:srgbClr>
+                  </a:solidFill>
+                  <a:latin typeface="Arial"/>
+                  <a:cs typeface="Arial"/>
+                </a:rPr>
+                <a:t>+</a:t>
+              </a:r>
+            </a:p>
+          </p:txBody>
+        </p:sp>
+        <p:sp>
+          <p:nvSpPr>
+            <p:cNvPr id="30" name="tx29"/>
+            <p:cNvSpPr/>
+            <p:nvPr/>
+          </p:nvSpPr>
+          <p:spPr>
+            <a:xfrm>
+              <a:off x="4884709" y="2062814"/>
+              <a:ext cx="101968" cy="82614"/>
+            </a:xfrm>
+            <a:prstGeom prst="rect">
+              <a:avLst/>
+            </a:prstGeom>
+            <a:noFill/>
+          </p:spPr>
+          <p:txBody>
+            <a:bodyPr lIns="0" rIns="0" tIns="0" bIns="0" anchorCtr="1" anchor="ctr" wrap="none"/>
+            <a:lstStyle/>
+            <a:p>
+              <a:pPr algn="l" marL="0" marR="0" indent="0">
+                <a:lnSpc>
+                  <a:spcPts val="1374"/>
+                </a:lnSpc>
+                <a:spcBef>
+                  <a:spcPts val="0"/>
+                </a:spcBef>
+                <a:spcAft>
+                  <a:spcPts val="0"/>
+                </a:spcAft>
+              </a:pPr>
+              <a:r>
+                <a:rPr sz="1374">
+                  <a:solidFill>
+                    <a:srgbClr val="FF64B0">
+                      <a:alpha val="100000"/>
+                    </a:srgbClr>
+                  </a:solidFill>
+                  <a:latin typeface="Arial"/>
+                  <a:cs typeface="Arial"/>
+                </a:rPr>
+                <a:t>+</a:t>
+              </a:r>
+            </a:p>
+          </p:txBody>
+        </p:sp>
+        <p:sp>
+          <p:nvSpPr>
+            <p:cNvPr id="31" name="rc30"/>
             <p:cNvSpPr/>
             <p:nvPr/>
           </p:nvSpPr>
           <p:spPr>
             <a:xfrm>
               <a:off x="1693406" y="1040925"/>
-              <a:ext cx="3616434" cy="2984110"/>
+              <a:ext cx="3302329" cy="2984110"/>
             </a:xfrm>
             <a:prstGeom prst="rect">
               <a:avLst/>
@@ -3333,7 +4645,7 @@
         </p:sp>
         <p:sp>
           <p:nvSpPr>
-            <p:cNvPr id="16" name="pl15"/>
+            <p:cNvPr id="32" name="pl31"/>
             <p:cNvSpPr/>
             <p:nvPr/>
           </p:nvSpPr>
@@ -3373,7 +4685,7 @@
         </p:sp>
         <p:sp>
           <p:nvSpPr>
-            <p:cNvPr id="17" name="tx16"/>
+            <p:cNvPr id="33" name="tx32"/>
             <p:cNvSpPr/>
             <p:nvPr/>
           </p:nvSpPr>
@@ -3419,7 +4731,7 @@
         </p:sp>
         <p:sp>
           <p:nvSpPr>
-            <p:cNvPr id="18" name="tx17"/>
+            <p:cNvPr id="34" name="tx33"/>
             <p:cNvSpPr/>
             <p:nvPr/>
           </p:nvSpPr>
@@ -3465,7 +4777,7 @@
         </p:sp>
         <p:sp>
           <p:nvSpPr>
-            <p:cNvPr id="19" name="tx18"/>
+            <p:cNvPr id="35" name="tx34"/>
             <p:cNvSpPr/>
             <p:nvPr/>
           </p:nvSpPr>
@@ -3511,7 +4823,7 @@
         </p:sp>
         <p:sp>
           <p:nvSpPr>
-            <p:cNvPr id="20" name="tx19"/>
+            <p:cNvPr id="36" name="tx35"/>
             <p:cNvSpPr/>
             <p:nvPr/>
           </p:nvSpPr>
@@ -3557,7 +4869,7 @@
         </p:sp>
         <p:sp>
           <p:nvSpPr>
-            <p:cNvPr id="21" name="tx20"/>
+            <p:cNvPr id="37" name="tx36"/>
             <p:cNvSpPr/>
             <p:nvPr/>
           </p:nvSpPr>
@@ -3603,7 +4915,7 @@
         </p:sp>
         <p:sp>
           <p:nvSpPr>
-            <p:cNvPr id="22" name="tx21"/>
+            <p:cNvPr id="38" name="tx37"/>
             <p:cNvSpPr/>
             <p:nvPr/>
           </p:nvSpPr>
@@ -3649,7 +4961,7 @@
         </p:sp>
         <p:sp>
           <p:nvSpPr>
-            <p:cNvPr id="23" name="tx22"/>
+            <p:cNvPr id="39" name="tx38"/>
             <p:cNvSpPr/>
             <p:nvPr/>
           </p:nvSpPr>
@@ -3695,7 +5007,7 @@
         </p:sp>
         <p:sp>
           <p:nvSpPr>
-            <p:cNvPr id="24" name="tx23"/>
+            <p:cNvPr id="40" name="tx39"/>
             <p:cNvSpPr/>
             <p:nvPr/>
           </p:nvSpPr>
@@ -3741,7 +5053,7 @@
         </p:sp>
         <p:sp>
           <p:nvSpPr>
-            <p:cNvPr id="25" name="tx24"/>
+            <p:cNvPr id="41" name="tx40"/>
             <p:cNvSpPr/>
             <p:nvPr/>
           </p:nvSpPr>
@@ -3787,7 +5099,7 @@
         </p:sp>
         <p:sp>
           <p:nvSpPr>
-            <p:cNvPr id="26" name="tx25"/>
+            <p:cNvPr id="42" name="tx41"/>
             <p:cNvSpPr/>
             <p:nvPr/>
           </p:nvSpPr>
@@ -3833,7 +5145,7 @@
         </p:sp>
         <p:sp>
           <p:nvSpPr>
-            <p:cNvPr id="27" name="tx26"/>
+            <p:cNvPr id="43" name="tx42"/>
             <p:cNvSpPr/>
             <p:nvPr/>
           </p:nvSpPr>
@@ -3879,7 +5191,7 @@
         </p:sp>
         <p:sp>
           <p:nvSpPr>
-            <p:cNvPr id="28" name="pl27"/>
+            <p:cNvPr id="44" name="pl43"/>
             <p:cNvSpPr/>
             <p:nvPr/>
           </p:nvSpPr>
@@ -3919,7 +5231,7 @@
         </p:sp>
         <p:sp>
           <p:nvSpPr>
-            <p:cNvPr id="29" name="pl28"/>
+            <p:cNvPr id="45" name="pl44"/>
             <p:cNvSpPr/>
             <p:nvPr/>
           </p:nvSpPr>
@@ -3959,7 +5271,7 @@
         </p:sp>
         <p:sp>
           <p:nvSpPr>
-            <p:cNvPr id="30" name="pl29"/>
+            <p:cNvPr id="46" name="pl45"/>
             <p:cNvSpPr/>
             <p:nvPr/>
           </p:nvSpPr>
@@ -3999,7 +5311,7 @@
         </p:sp>
         <p:sp>
           <p:nvSpPr>
-            <p:cNvPr id="31" name="pl30"/>
+            <p:cNvPr id="47" name="pl46"/>
             <p:cNvSpPr/>
             <p:nvPr/>
           </p:nvSpPr>
@@ -4039,7 +5351,7 @@
         </p:sp>
         <p:sp>
           <p:nvSpPr>
-            <p:cNvPr id="32" name="pl31"/>
+            <p:cNvPr id="48" name="pl47"/>
             <p:cNvSpPr/>
             <p:nvPr/>
           </p:nvSpPr>
@@ -4079,7 +5391,7 @@
         </p:sp>
         <p:sp>
           <p:nvSpPr>
-            <p:cNvPr id="33" name="pl32"/>
+            <p:cNvPr id="49" name="pl48"/>
             <p:cNvSpPr/>
             <p:nvPr/>
           </p:nvSpPr>
@@ -4119,7 +5431,7 @@
         </p:sp>
         <p:sp>
           <p:nvSpPr>
-            <p:cNvPr id="34" name="pl33"/>
+            <p:cNvPr id="50" name="pl49"/>
             <p:cNvSpPr/>
             <p:nvPr/>
           </p:nvSpPr>
@@ -4159,7 +5471,7 @@
         </p:sp>
         <p:sp>
           <p:nvSpPr>
-            <p:cNvPr id="35" name="pl34"/>
+            <p:cNvPr id="51" name="pl50"/>
             <p:cNvSpPr/>
             <p:nvPr/>
           </p:nvSpPr>
@@ -4199,7 +5511,7 @@
         </p:sp>
         <p:sp>
           <p:nvSpPr>
-            <p:cNvPr id="36" name="pl35"/>
+            <p:cNvPr id="52" name="pl51"/>
             <p:cNvSpPr/>
             <p:nvPr/>
           </p:nvSpPr>
@@ -4239,7 +5551,7 @@
         </p:sp>
         <p:sp>
           <p:nvSpPr>
-            <p:cNvPr id="37" name="pl36"/>
+            <p:cNvPr id="53" name="pl52"/>
             <p:cNvSpPr/>
             <p:nvPr/>
           </p:nvSpPr>
@@ -4279,7 +5591,7 @@
         </p:sp>
         <p:sp>
           <p:nvSpPr>
-            <p:cNvPr id="38" name="pl37"/>
+            <p:cNvPr id="54" name="pl53"/>
             <p:cNvSpPr/>
             <p:nvPr/>
           </p:nvSpPr>
@@ -4319,24 +5631,24 @@
         </p:sp>
         <p:sp>
           <p:nvSpPr>
-            <p:cNvPr id="39" name="pl38"/>
+            <p:cNvPr id="55" name="pl54"/>
             <p:cNvSpPr/>
             <p:nvPr/>
           </p:nvSpPr>
           <p:spPr>
             <a:xfrm>
               <a:off x="1693406" y="4025036"/>
-              <a:ext cx="3616434" cy="0"/>
+              <a:ext cx="3302329" cy="0"/>
             </a:xfrm>
             <a:custGeom>
               <a:avLst/>
               <a:pathLst>
-                <a:path w="3616434" h="0">
+                <a:path w="3302329" h="0">
                   <a:moveTo>
                     <a:pt x="0" y="0"/>
                   </a:moveTo>
                   <a:lnTo>
-                    <a:pt x="3616434" y="0"/>
+                    <a:pt x="3302329" y="0"/>
                   </a:lnTo>
                 </a:path>
               </a:pathLst>
@@ -4359,7 +5671,7 @@
         </p:sp>
         <p:sp>
           <p:nvSpPr>
-            <p:cNvPr id="40" name="pl39"/>
+            <p:cNvPr id="56" name="pl55"/>
             <p:cNvSpPr/>
             <p:nvPr/>
           </p:nvSpPr>
@@ -4399,13 +5711,13 @@
         </p:sp>
         <p:sp>
           <p:nvSpPr>
-            <p:cNvPr id="41" name="pl40"/>
-            <p:cNvSpPr/>
-            <p:nvPr/>
-          </p:nvSpPr>
-          <p:spPr>
-            <a:xfrm>
-              <a:off x="2087926" y="4025036"/>
+            <p:cNvPr id="57" name="pl56"/>
+            <p:cNvSpPr/>
+            <p:nvPr/>
+          </p:nvSpPr>
+          <p:spPr>
+            <a:xfrm>
+              <a:off x="2053660" y="4025036"/>
               <a:ext cx="0" cy="44283"/>
             </a:xfrm>
             <a:custGeom>
@@ -4439,13 +5751,13 @@
         </p:sp>
         <p:sp>
           <p:nvSpPr>
-            <p:cNvPr id="42" name="pl41"/>
-            <p:cNvSpPr/>
-            <p:nvPr/>
-          </p:nvSpPr>
-          <p:spPr>
-            <a:xfrm>
-              <a:off x="2482446" y="4025036"/>
+            <p:cNvPr id="58" name="pl57"/>
+            <p:cNvSpPr/>
+            <p:nvPr/>
+          </p:nvSpPr>
+          <p:spPr>
+            <a:xfrm>
+              <a:off x="2413914" y="4025036"/>
               <a:ext cx="0" cy="44283"/>
             </a:xfrm>
             <a:custGeom>
@@ -4479,13 +5791,13 @@
         </p:sp>
         <p:sp>
           <p:nvSpPr>
-            <p:cNvPr id="43" name="pl42"/>
-            <p:cNvSpPr/>
-            <p:nvPr/>
-          </p:nvSpPr>
-          <p:spPr>
-            <a:xfrm>
-              <a:off x="2876967" y="4025036"/>
+            <p:cNvPr id="59" name="pl58"/>
+            <p:cNvSpPr/>
+            <p:nvPr/>
+          </p:nvSpPr>
+          <p:spPr>
+            <a:xfrm>
+              <a:off x="2774169" y="4025036"/>
               <a:ext cx="0" cy="44283"/>
             </a:xfrm>
             <a:custGeom>
@@ -4519,13 +5831,13 @@
         </p:sp>
         <p:sp>
           <p:nvSpPr>
-            <p:cNvPr id="44" name="pl43"/>
-            <p:cNvSpPr/>
-            <p:nvPr/>
-          </p:nvSpPr>
-          <p:spPr>
-            <a:xfrm>
-              <a:off x="3271487" y="4025036"/>
+            <p:cNvPr id="60" name="pl59"/>
+            <p:cNvSpPr/>
+            <p:nvPr/>
+          </p:nvSpPr>
+          <p:spPr>
+            <a:xfrm>
+              <a:off x="3134423" y="4025036"/>
               <a:ext cx="0" cy="44283"/>
             </a:xfrm>
             <a:custGeom>
@@ -4559,13 +5871,13 @@
         </p:sp>
         <p:sp>
           <p:nvSpPr>
-            <p:cNvPr id="45" name="pl44"/>
-            <p:cNvSpPr/>
-            <p:nvPr/>
-          </p:nvSpPr>
-          <p:spPr>
-            <a:xfrm>
-              <a:off x="3666007" y="4025036"/>
+            <p:cNvPr id="61" name="pl60"/>
+            <p:cNvSpPr/>
+            <p:nvPr/>
+          </p:nvSpPr>
+          <p:spPr>
+            <a:xfrm>
+              <a:off x="3494677" y="4025036"/>
               <a:ext cx="0" cy="44283"/>
             </a:xfrm>
             <a:custGeom>
@@ -4599,13 +5911,13 @@
         </p:sp>
         <p:sp>
           <p:nvSpPr>
-            <p:cNvPr id="46" name="pl45"/>
-            <p:cNvSpPr/>
-            <p:nvPr/>
-          </p:nvSpPr>
-          <p:spPr>
-            <a:xfrm>
-              <a:off x="4060527" y="4025036"/>
+            <p:cNvPr id="62" name="pl61"/>
+            <p:cNvSpPr/>
+            <p:nvPr/>
+          </p:nvSpPr>
+          <p:spPr>
+            <a:xfrm>
+              <a:off x="3854931" y="4025036"/>
               <a:ext cx="0" cy="44283"/>
             </a:xfrm>
             <a:custGeom>
@@ -4639,13 +5951,13 @@
         </p:sp>
         <p:sp>
           <p:nvSpPr>
-            <p:cNvPr id="47" name="pl46"/>
-            <p:cNvSpPr/>
-            <p:nvPr/>
-          </p:nvSpPr>
-          <p:spPr>
-            <a:xfrm>
-              <a:off x="4455047" y="4025036"/>
+            <p:cNvPr id="63" name="pl62"/>
+            <p:cNvSpPr/>
+            <p:nvPr/>
+          </p:nvSpPr>
+          <p:spPr>
+            <a:xfrm>
+              <a:off x="4215185" y="4025036"/>
               <a:ext cx="0" cy="44283"/>
             </a:xfrm>
             <a:custGeom>
@@ -4679,13 +5991,13 @@
         </p:sp>
         <p:sp>
           <p:nvSpPr>
-            <p:cNvPr id="48" name="pl47"/>
-            <p:cNvSpPr/>
-            <p:nvPr/>
-          </p:nvSpPr>
-          <p:spPr>
-            <a:xfrm>
-              <a:off x="4849567" y="4025036"/>
+            <p:cNvPr id="64" name="pl63"/>
+            <p:cNvSpPr/>
+            <p:nvPr/>
+          </p:nvSpPr>
+          <p:spPr>
+            <a:xfrm>
+              <a:off x="4575439" y="4025036"/>
               <a:ext cx="0" cy="44283"/>
             </a:xfrm>
             <a:custGeom>
@@ -4719,13 +6031,13 @@
         </p:sp>
         <p:sp>
           <p:nvSpPr>
-            <p:cNvPr id="49" name="pl48"/>
-            <p:cNvSpPr/>
-            <p:nvPr/>
-          </p:nvSpPr>
-          <p:spPr>
-            <a:xfrm>
-              <a:off x="5244087" y="4025036"/>
+            <p:cNvPr id="65" name="pl64"/>
+            <p:cNvSpPr/>
+            <p:nvPr/>
+          </p:nvSpPr>
+          <p:spPr>
+            <a:xfrm>
+              <a:off x="4935693" y="4025036"/>
               <a:ext cx="0" cy="44283"/>
             </a:xfrm>
             <a:custGeom>
@@ -4759,7 +6071,7 @@
         </p:sp>
         <p:sp>
           <p:nvSpPr>
-            <p:cNvPr id="50" name="tx49"/>
+            <p:cNvPr id="66" name="tx65"/>
             <p:cNvSpPr/>
             <p:nvPr/>
           </p:nvSpPr>
@@ -4805,13 +6117,13 @@
         </p:sp>
         <p:sp>
           <p:nvSpPr>
-            <p:cNvPr id="51" name="tx50"/>
-            <p:cNvSpPr/>
-            <p:nvPr/>
-          </p:nvSpPr>
-          <p:spPr>
-            <a:xfrm>
-              <a:off x="2048373" y="4102594"/>
+            <p:cNvPr id="67" name="tx66"/>
+            <p:cNvSpPr/>
+            <p:nvPr/>
+          </p:nvSpPr>
+          <p:spPr>
+            <a:xfrm>
+              <a:off x="2014107" y="4102594"/>
               <a:ext cx="79107" cy="103971"/>
             </a:xfrm>
             <a:prstGeom prst="rect">
@@ -4851,13 +6163,13 @@
         </p:sp>
         <p:sp>
           <p:nvSpPr>
-            <p:cNvPr id="52" name="tx51"/>
-            <p:cNvSpPr/>
-            <p:nvPr/>
-          </p:nvSpPr>
-          <p:spPr>
-            <a:xfrm>
-              <a:off x="2403339" y="4104330"/>
+            <p:cNvPr id="68" name="tx67"/>
+            <p:cNvSpPr/>
+            <p:nvPr/>
+          </p:nvSpPr>
+          <p:spPr>
+            <a:xfrm>
+              <a:off x="2334807" y="4104330"/>
               <a:ext cx="158214" cy="102235"/>
             </a:xfrm>
             <a:prstGeom prst="rect">
@@ -4897,13 +6209,13 @@
         </p:sp>
         <p:sp>
           <p:nvSpPr>
-            <p:cNvPr id="53" name="tx52"/>
-            <p:cNvSpPr/>
-            <p:nvPr/>
-          </p:nvSpPr>
-          <p:spPr>
-            <a:xfrm>
-              <a:off x="2797859" y="4102594"/>
+            <p:cNvPr id="69" name="tx68"/>
+            <p:cNvSpPr/>
+            <p:nvPr/>
+          </p:nvSpPr>
+          <p:spPr>
+            <a:xfrm>
+              <a:off x="2695061" y="4102594"/>
               <a:ext cx="158214" cy="103971"/>
             </a:xfrm>
             <a:prstGeom prst="rect">
@@ -4943,13 +6255,13 @@
         </p:sp>
         <p:sp>
           <p:nvSpPr>
-            <p:cNvPr id="54" name="tx53"/>
-            <p:cNvSpPr/>
-            <p:nvPr/>
-          </p:nvSpPr>
-          <p:spPr>
-            <a:xfrm>
-              <a:off x="3192380" y="4104330"/>
+            <p:cNvPr id="70" name="tx69"/>
+            <p:cNvSpPr/>
+            <p:nvPr/>
+          </p:nvSpPr>
+          <p:spPr>
+            <a:xfrm>
+              <a:off x="3055316" y="4104330"/>
               <a:ext cx="158214" cy="102235"/>
             </a:xfrm>
             <a:prstGeom prst="rect">
@@ -4989,13 +6301,13 @@
         </p:sp>
         <p:sp>
           <p:nvSpPr>
-            <p:cNvPr id="55" name="tx54"/>
-            <p:cNvSpPr/>
-            <p:nvPr/>
-          </p:nvSpPr>
-          <p:spPr>
-            <a:xfrm>
-              <a:off x="3586900" y="4102524"/>
+            <p:cNvPr id="71" name="tx70"/>
+            <p:cNvSpPr/>
+            <p:nvPr/>
+          </p:nvSpPr>
+          <p:spPr>
+            <a:xfrm>
+              <a:off x="3415570" y="4102524"/>
               <a:ext cx="158214" cy="104040"/>
             </a:xfrm>
             <a:prstGeom prst="rect">
@@ -5035,13 +6347,13 @@
         </p:sp>
         <p:sp>
           <p:nvSpPr>
-            <p:cNvPr id="56" name="tx55"/>
-            <p:cNvSpPr/>
-            <p:nvPr/>
-          </p:nvSpPr>
-          <p:spPr>
-            <a:xfrm>
-              <a:off x="3981420" y="4102524"/>
+            <p:cNvPr id="72" name="tx71"/>
+            <p:cNvSpPr/>
+            <p:nvPr/>
+          </p:nvSpPr>
+          <p:spPr>
+            <a:xfrm>
+              <a:off x="3775824" y="4102524"/>
               <a:ext cx="158214" cy="104040"/>
             </a:xfrm>
             <a:prstGeom prst="rect">
@@ -5081,13 +6393,13 @@
         </p:sp>
         <p:sp>
           <p:nvSpPr>
-            <p:cNvPr id="57" name="tx56"/>
-            <p:cNvSpPr/>
-            <p:nvPr/>
-          </p:nvSpPr>
-          <p:spPr>
-            <a:xfrm>
-              <a:off x="4375940" y="4104330"/>
+            <p:cNvPr id="73" name="tx72"/>
+            <p:cNvSpPr/>
+            <p:nvPr/>
+          </p:nvSpPr>
+          <p:spPr>
+            <a:xfrm>
+              <a:off x="4136078" y="4104330"/>
               <a:ext cx="158214" cy="102235"/>
             </a:xfrm>
             <a:prstGeom prst="rect">
@@ -5127,13 +6439,13 @@
         </p:sp>
         <p:sp>
           <p:nvSpPr>
-            <p:cNvPr id="58" name="tx57"/>
-            <p:cNvSpPr/>
-            <p:nvPr/>
-          </p:nvSpPr>
-          <p:spPr>
-            <a:xfrm>
-              <a:off x="4770460" y="4102594"/>
+            <p:cNvPr id="74" name="tx73"/>
+            <p:cNvSpPr/>
+            <p:nvPr/>
+          </p:nvSpPr>
+          <p:spPr>
+            <a:xfrm>
+              <a:off x="4496332" y="4102594"/>
               <a:ext cx="158214" cy="103971"/>
             </a:xfrm>
             <a:prstGeom prst="rect">
@@ -5173,13 +6485,13 @@
         </p:sp>
         <p:sp>
           <p:nvSpPr>
-            <p:cNvPr id="59" name="tx58"/>
-            <p:cNvSpPr/>
-            <p:nvPr/>
-          </p:nvSpPr>
-          <p:spPr>
-            <a:xfrm>
-              <a:off x="5164980" y="4103010"/>
+            <p:cNvPr id="75" name="tx74"/>
+            <p:cNvSpPr/>
+            <p:nvPr/>
+          </p:nvSpPr>
+          <p:spPr>
+            <a:xfrm>
+              <a:off x="4856586" y="4103010"/>
               <a:ext cx="158214" cy="103554"/>
             </a:xfrm>
             <a:prstGeom prst="rect">
@@ -5219,13 +6531,13 @@
         </p:sp>
         <p:sp>
           <p:nvSpPr>
-            <p:cNvPr id="60" name="tx59"/>
-            <p:cNvSpPr/>
-            <p:nvPr/>
-          </p:nvSpPr>
-          <p:spPr>
-            <a:xfrm>
-              <a:off x="3333720" y="4340652"/>
+            <p:cNvPr id="76" name="tx75"/>
+            <p:cNvSpPr/>
+            <p:nvPr/>
+          </p:nvSpPr>
+          <p:spPr>
+            <a:xfrm>
+              <a:off x="3176668" y="4340652"/>
               <a:ext cx="335805" cy="127272"/>
             </a:xfrm>
             <a:prstGeom prst="rect">
@@ -5265,7 +6577,7 @@
         </p:sp>
         <p:sp>
           <p:nvSpPr>
-            <p:cNvPr id="61" name="tx60"/>
+            <p:cNvPr id="77" name="tx76"/>
             <p:cNvSpPr/>
             <p:nvPr/>
           </p:nvSpPr>
@@ -5311,14 +6623,14 @@
         </p:sp>
         <p:sp>
           <p:nvSpPr>
-            <p:cNvPr id="62" name="rc61"/>
-            <p:cNvSpPr/>
-            <p:nvPr/>
-          </p:nvSpPr>
-          <p:spPr>
-            <a:xfrm>
-              <a:off x="5486976" y="2256115"/>
-              <a:ext cx="787297" cy="553731"/>
+            <p:cNvPr id="78" name="rc77"/>
+            <p:cNvSpPr/>
+            <p:nvPr/>
+          </p:nvSpPr>
+          <p:spPr>
+            <a:xfrm>
+              <a:off x="5172871" y="1363819"/>
+              <a:ext cx="1101402" cy="2338323"/>
             </a:xfrm>
             <a:prstGeom prst="rect">
               <a:avLst/>
@@ -5337,13 +6649,59 @@
         </p:sp>
         <p:sp>
           <p:nvSpPr>
-            <p:cNvPr id="63" name="tx62"/>
-            <p:cNvSpPr/>
-            <p:nvPr/>
-          </p:nvSpPr>
-          <p:spPr>
-            <a:xfrm>
-              <a:off x="5486976" y="2271109"/>
+            <p:cNvPr id="79" name="tx78"/>
+            <p:cNvSpPr/>
+            <p:nvPr/>
+          </p:nvSpPr>
+          <p:spPr>
+            <a:xfrm>
+              <a:off x="5172871" y="1345922"/>
+              <a:ext cx="1101402" cy="143023"/>
+            </a:xfrm>
+            <a:prstGeom prst="rect">
+              <a:avLst/>
+            </a:prstGeom>
+            <a:noFill/>
+          </p:spPr>
+          <p:txBody>
+            <a:bodyPr lIns="0" rIns="0" tIns="0" bIns="0" anchorCtr="1" anchor="ctr" wrap="none"/>
+            <a:lstStyle/>
+            <a:p>
+              <a:pPr algn="l" marL="0" marR="0" indent="0">
+                <a:lnSpc>
+                  <a:spcPts val="1200"/>
+                </a:lnSpc>
+                <a:spcBef>
+                  <a:spcPts val="0"/>
+                </a:spcBef>
+                <a:spcAft>
+                  <a:spcPts val="0"/>
+                </a:spcAft>
+              </a:pPr>
+              <a:r>
+                <a:rPr sz="1200">
+                  <a:solidFill>
+                    <a:srgbClr val="000000">
+                      <a:alpha val="100000"/>
+                    </a:srgbClr>
+                  </a:solidFill>
+                  <a:latin typeface="Arial"/>
+                  <a:cs typeface="Arial"/>
+                </a:rPr>
+                <a:t>longnametank &amp;</a:t>
+              </a:r>
+            </a:p>
+          </p:txBody>
+        </p:sp>
+        <p:sp>
+          <p:nvSpPr>
+            <p:cNvPr id="80" name="tx79"/>
+            <p:cNvSpPr/>
+            <p:nvPr/>
+          </p:nvSpPr>
+          <p:spPr>
+            <a:xfrm>
+              <a:off x="5172871" y="1543405"/>
               <a:ext cx="380925" cy="110132"/>
             </a:xfrm>
             <a:prstGeom prst="rect">
@@ -5383,24 +6741,24 @@
         </p:sp>
         <p:sp>
           <p:nvSpPr>
-            <p:cNvPr id="64" name="pl63"/>
-            <p:cNvSpPr/>
-            <p:nvPr/>
-          </p:nvSpPr>
-          <p:spPr>
-            <a:xfrm>
-              <a:off x="5503176" y="2566846"/>
-              <a:ext cx="129600" cy="0"/>
+            <p:cNvPr id="81" name="pl80"/>
+            <p:cNvSpPr/>
+            <p:nvPr/>
+          </p:nvSpPr>
+          <p:spPr>
+            <a:xfrm>
+              <a:off x="5189071" y="1839142"/>
+              <a:ext cx="129599" cy="0"/>
             </a:xfrm>
             <a:custGeom>
               <a:avLst/>
               <a:pathLst>
-                <a:path w="129600" h="0">
+                <a:path w="129599" h="0">
                   <a:moveTo>
                     <a:pt x="0" y="0"/>
                   </a:moveTo>
                   <a:lnTo>
-                    <a:pt x="129600" y="0"/>
+                    <a:pt x="129599" y="0"/>
                   </a:lnTo>
                 </a:path>
               </a:pathLst>
@@ -5423,13 +6781,13 @@
         </p:sp>
         <p:sp>
           <p:nvSpPr>
-            <p:cNvPr id="65" name="tx64"/>
-            <p:cNvSpPr/>
-            <p:nvPr/>
-          </p:nvSpPr>
-          <p:spPr>
-            <a:xfrm>
-              <a:off x="5516992" y="2545745"/>
+            <p:cNvPr id="82" name="tx81"/>
+            <p:cNvSpPr/>
+            <p:nvPr/>
+          </p:nvSpPr>
+          <p:spPr>
+            <a:xfrm>
+              <a:off x="5202887" y="1818041"/>
               <a:ext cx="101968" cy="82614"/>
             </a:xfrm>
             <a:prstGeom prst="rect">
@@ -5469,24 +6827,196 @@
         </p:sp>
         <p:sp>
           <p:nvSpPr>
-            <p:cNvPr id="66" name="pl65"/>
-            <p:cNvSpPr/>
-            <p:nvPr/>
-          </p:nvSpPr>
-          <p:spPr>
-            <a:xfrm>
-              <a:off x="5503176" y="2728846"/>
-              <a:ext cx="129600" cy="0"/>
+            <p:cNvPr id="83" name="pl82"/>
+            <p:cNvSpPr/>
+            <p:nvPr/>
+          </p:nvSpPr>
+          <p:spPr>
+            <a:xfrm>
+              <a:off x="5189071" y="2001142"/>
+              <a:ext cx="129599" cy="0"/>
             </a:xfrm>
             <a:custGeom>
               <a:avLst/>
               <a:pathLst>
-                <a:path w="129600" h="0">
+                <a:path w="129599" h="0">
                   <a:moveTo>
                     <a:pt x="0" y="0"/>
                   </a:moveTo>
                   <a:lnTo>
-                    <a:pt x="129600" y="0"/>
+                    <a:pt x="129599" y="0"/>
+                  </a:lnTo>
+                </a:path>
+              </a:pathLst>
+            </a:custGeom>
+            <a:ln w="27101" cap="flat">
+              <a:solidFill>
+                <a:srgbClr val="DE8C00">
+                  <a:alpha val="100000"/>
+                </a:srgbClr>
+              </a:solidFill>
+              <a:prstDash val="solid"/>
+              <a:round/>
+            </a:ln>
+          </p:spPr>
+          <p:txBody>
+            <a:bodyPr/>
+            <a:lstStyle/>
+            <a:p/>
+          </p:txBody>
+        </p:sp>
+        <p:sp>
+          <p:nvSpPr>
+            <p:cNvPr id="84" name="tx83"/>
+            <p:cNvSpPr/>
+            <p:nvPr/>
+          </p:nvSpPr>
+          <p:spPr>
+            <a:xfrm>
+              <a:off x="5202887" y="1980041"/>
+              <a:ext cx="101968" cy="82614"/>
+            </a:xfrm>
+            <a:prstGeom prst="rect">
+              <a:avLst/>
+            </a:prstGeom>
+            <a:noFill/>
+          </p:spPr>
+          <p:txBody>
+            <a:bodyPr lIns="0" rIns="0" tIns="0" bIns="0" anchorCtr="1" anchor="ctr" wrap="none"/>
+            <a:lstStyle/>
+            <a:p>
+              <a:pPr algn="l" marL="0" marR="0" indent="0">
+                <a:lnSpc>
+                  <a:spcPts val="1374"/>
+                </a:lnSpc>
+                <a:spcBef>
+                  <a:spcPts val="0"/>
+                </a:spcBef>
+                <a:spcAft>
+                  <a:spcPts val="0"/>
+                </a:spcAft>
+              </a:pPr>
+              <a:r>
+                <a:rPr sz="1374">
+                  <a:solidFill>
+                    <a:srgbClr val="DE8C00">
+                      <a:alpha val="100000"/>
+                    </a:srgbClr>
+                  </a:solidFill>
+                  <a:latin typeface="Arial"/>
+                  <a:cs typeface="Arial"/>
+                </a:rPr>
+                <a:t>+</a:t>
+              </a:r>
+            </a:p>
+          </p:txBody>
+        </p:sp>
+        <p:sp>
+          <p:nvSpPr>
+            <p:cNvPr id="85" name="pl84"/>
+            <p:cNvSpPr/>
+            <p:nvPr/>
+          </p:nvSpPr>
+          <p:spPr>
+            <a:xfrm>
+              <a:off x="5189071" y="2163142"/>
+              <a:ext cx="129599" cy="0"/>
+            </a:xfrm>
+            <a:custGeom>
+              <a:avLst/>
+              <a:pathLst>
+                <a:path w="129599" h="0">
+                  <a:moveTo>
+                    <a:pt x="0" y="0"/>
+                  </a:moveTo>
+                  <a:lnTo>
+                    <a:pt x="129599" y="0"/>
+                  </a:lnTo>
+                </a:path>
+              </a:pathLst>
+            </a:custGeom>
+            <a:ln w="27101" cap="flat">
+              <a:solidFill>
+                <a:srgbClr val="B79F00">
+                  <a:alpha val="100000"/>
+                </a:srgbClr>
+              </a:solidFill>
+              <a:prstDash val="solid"/>
+              <a:round/>
+            </a:ln>
+          </p:spPr>
+          <p:txBody>
+            <a:bodyPr/>
+            <a:lstStyle/>
+            <a:p/>
+          </p:txBody>
+        </p:sp>
+        <p:sp>
+          <p:nvSpPr>
+            <p:cNvPr id="86" name="tx85"/>
+            <p:cNvSpPr/>
+            <p:nvPr/>
+          </p:nvSpPr>
+          <p:spPr>
+            <a:xfrm>
+              <a:off x="5202887" y="2142041"/>
+              <a:ext cx="101968" cy="82614"/>
+            </a:xfrm>
+            <a:prstGeom prst="rect">
+              <a:avLst/>
+            </a:prstGeom>
+            <a:noFill/>
+          </p:spPr>
+          <p:txBody>
+            <a:bodyPr lIns="0" rIns="0" tIns="0" bIns="0" anchorCtr="1" anchor="ctr" wrap="none"/>
+            <a:lstStyle/>
+            <a:p>
+              <a:pPr algn="l" marL="0" marR="0" indent="0">
+                <a:lnSpc>
+                  <a:spcPts val="1374"/>
+                </a:lnSpc>
+                <a:spcBef>
+                  <a:spcPts val="0"/>
+                </a:spcBef>
+                <a:spcAft>
+                  <a:spcPts val="0"/>
+                </a:spcAft>
+              </a:pPr>
+              <a:r>
+                <a:rPr sz="1374">
+                  <a:solidFill>
+                    <a:srgbClr val="B79F00">
+                      <a:alpha val="100000"/>
+                    </a:srgbClr>
+                  </a:solidFill>
+                  <a:latin typeface="Arial"/>
+                  <a:cs typeface="Arial"/>
+                </a:rPr>
+                <a:t>+</a:t>
+              </a:r>
+            </a:p>
+          </p:txBody>
+        </p:sp>
+        <p:sp>
+          <p:nvSpPr>
+            <p:cNvPr id="87" name="pl86"/>
+            <p:cNvSpPr/>
+            <p:nvPr/>
+          </p:nvSpPr>
+          <p:spPr>
+            <a:xfrm>
+              <a:off x="5189071" y="2325142"/>
+              <a:ext cx="129599" cy="0"/>
+            </a:xfrm>
+            <a:custGeom>
+              <a:avLst/>
+              <a:pathLst>
+                <a:path w="129599" h="0">
+                  <a:moveTo>
+                    <a:pt x="0" y="0"/>
+                  </a:moveTo>
+                  <a:lnTo>
+                    <a:pt x="129599" y="0"/>
                   </a:lnTo>
                 </a:path>
               </a:pathLst>
@@ -5509,13 +7039,13 @@
         </p:sp>
         <p:sp>
           <p:nvSpPr>
-            <p:cNvPr id="67" name="tx66"/>
-            <p:cNvSpPr/>
-            <p:nvPr/>
-          </p:nvSpPr>
-          <p:spPr>
-            <a:xfrm>
-              <a:off x="5516992" y="2707745"/>
+            <p:cNvPr id="88" name="tx87"/>
+            <p:cNvSpPr/>
+            <p:nvPr/>
+          </p:nvSpPr>
+          <p:spPr>
+            <a:xfrm>
+              <a:off x="5202887" y="2304041"/>
               <a:ext cx="101968" cy="82614"/>
             </a:xfrm>
             <a:prstGeom prst="rect">
@@ -5555,13 +7085,185 @@
         </p:sp>
         <p:sp>
           <p:nvSpPr>
-            <p:cNvPr id="68" name="pl67"/>
-            <p:cNvSpPr/>
-            <p:nvPr/>
-          </p:nvSpPr>
-          <p:spPr>
-            <a:xfrm>
-              <a:off x="5937185" y="2566846"/>
+            <p:cNvPr id="89" name="pl88"/>
+            <p:cNvSpPr/>
+            <p:nvPr/>
+          </p:nvSpPr>
+          <p:spPr>
+            <a:xfrm>
+              <a:off x="5189071" y="2487142"/>
+              <a:ext cx="129599" cy="0"/>
+            </a:xfrm>
+            <a:custGeom>
+              <a:avLst/>
+              <a:pathLst>
+                <a:path w="129599" h="0">
+                  <a:moveTo>
+                    <a:pt x="0" y="0"/>
+                  </a:moveTo>
+                  <a:lnTo>
+                    <a:pt x="129599" y="0"/>
+                  </a:lnTo>
+                </a:path>
+              </a:pathLst>
+            </a:custGeom>
+            <a:ln w="27101" cap="flat">
+              <a:solidFill>
+                <a:srgbClr val="00BA38">
+                  <a:alpha val="100000"/>
+                </a:srgbClr>
+              </a:solidFill>
+              <a:prstDash val="solid"/>
+              <a:round/>
+            </a:ln>
+          </p:spPr>
+          <p:txBody>
+            <a:bodyPr/>
+            <a:lstStyle/>
+            <a:p/>
+          </p:txBody>
+        </p:sp>
+        <p:sp>
+          <p:nvSpPr>
+            <p:cNvPr id="90" name="tx89"/>
+            <p:cNvSpPr/>
+            <p:nvPr/>
+          </p:nvSpPr>
+          <p:spPr>
+            <a:xfrm>
+              <a:off x="5202887" y="2466041"/>
+              <a:ext cx="101968" cy="82614"/>
+            </a:xfrm>
+            <a:prstGeom prst="rect">
+              <a:avLst/>
+            </a:prstGeom>
+            <a:noFill/>
+          </p:spPr>
+          <p:txBody>
+            <a:bodyPr lIns="0" rIns="0" tIns="0" bIns="0" anchorCtr="1" anchor="ctr" wrap="none"/>
+            <a:lstStyle/>
+            <a:p>
+              <a:pPr algn="l" marL="0" marR="0" indent="0">
+                <a:lnSpc>
+                  <a:spcPts val="1374"/>
+                </a:lnSpc>
+                <a:spcBef>
+                  <a:spcPts val="0"/>
+                </a:spcBef>
+                <a:spcAft>
+                  <a:spcPts val="0"/>
+                </a:spcAft>
+              </a:pPr>
+              <a:r>
+                <a:rPr sz="1374">
+                  <a:solidFill>
+                    <a:srgbClr val="00BA38">
+                      <a:alpha val="100000"/>
+                    </a:srgbClr>
+                  </a:solidFill>
+                  <a:latin typeface="Arial"/>
+                  <a:cs typeface="Arial"/>
+                </a:rPr>
+                <a:t>+</a:t>
+              </a:r>
+            </a:p>
+          </p:txBody>
+        </p:sp>
+        <p:sp>
+          <p:nvSpPr>
+            <p:cNvPr id="91" name="pl90"/>
+            <p:cNvSpPr/>
+            <p:nvPr/>
+          </p:nvSpPr>
+          <p:spPr>
+            <a:xfrm>
+              <a:off x="5189071" y="2649142"/>
+              <a:ext cx="129599" cy="0"/>
+            </a:xfrm>
+            <a:custGeom>
+              <a:avLst/>
+              <a:pathLst>
+                <a:path w="129599" h="0">
+                  <a:moveTo>
+                    <a:pt x="0" y="0"/>
+                  </a:moveTo>
+                  <a:lnTo>
+                    <a:pt x="129599" y="0"/>
+                  </a:lnTo>
+                </a:path>
+              </a:pathLst>
+            </a:custGeom>
+            <a:ln w="27101" cap="flat">
+              <a:solidFill>
+                <a:srgbClr val="00C08B">
+                  <a:alpha val="100000"/>
+                </a:srgbClr>
+              </a:solidFill>
+              <a:prstDash val="solid"/>
+              <a:round/>
+            </a:ln>
+          </p:spPr>
+          <p:txBody>
+            <a:bodyPr/>
+            <a:lstStyle/>
+            <a:p/>
+          </p:txBody>
+        </p:sp>
+        <p:sp>
+          <p:nvSpPr>
+            <p:cNvPr id="92" name="tx91"/>
+            <p:cNvSpPr/>
+            <p:nvPr/>
+          </p:nvSpPr>
+          <p:spPr>
+            <a:xfrm>
+              <a:off x="5202887" y="2628041"/>
+              <a:ext cx="101968" cy="82614"/>
+            </a:xfrm>
+            <a:prstGeom prst="rect">
+              <a:avLst/>
+            </a:prstGeom>
+            <a:noFill/>
+          </p:spPr>
+          <p:txBody>
+            <a:bodyPr lIns="0" rIns="0" tIns="0" bIns="0" anchorCtr="1" anchor="ctr" wrap="none"/>
+            <a:lstStyle/>
+            <a:p>
+              <a:pPr algn="l" marL="0" marR="0" indent="0">
+                <a:lnSpc>
+                  <a:spcPts val="1374"/>
+                </a:lnSpc>
+                <a:spcBef>
+                  <a:spcPts val="0"/>
+                </a:spcBef>
+                <a:spcAft>
+                  <a:spcPts val="0"/>
+                </a:spcAft>
+              </a:pPr>
+              <a:r>
+                <a:rPr sz="1374">
+                  <a:solidFill>
+                    <a:srgbClr val="00C08B">
+                      <a:alpha val="100000"/>
+                    </a:srgbClr>
+                  </a:solidFill>
+                  <a:latin typeface="Arial"/>
+                  <a:cs typeface="Arial"/>
+                </a:rPr>
+                <a:t>+</a:t>
+              </a:r>
+            </a:p>
+          </p:txBody>
+        </p:sp>
+        <p:sp>
+          <p:nvSpPr>
+            <p:cNvPr id="93" name="pl92"/>
+            <p:cNvSpPr/>
+            <p:nvPr/>
+          </p:nvSpPr>
+          <p:spPr>
+            <a:xfrm>
+              <a:off x="5189071" y="2811142"/>
               <a:ext cx="129599" cy="0"/>
             </a:xfrm>
             <a:custGeom>
@@ -5595,13 +7297,13 @@
         </p:sp>
         <p:sp>
           <p:nvSpPr>
-            <p:cNvPr id="69" name="tx68"/>
-            <p:cNvSpPr/>
-            <p:nvPr/>
-          </p:nvSpPr>
-          <p:spPr>
-            <a:xfrm>
-              <a:off x="5951001" y="2545745"/>
+            <p:cNvPr id="94" name="tx93"/>
+            <p:cNvSpPr/>
+            <p:nvPr/>
+          </p:nvSpPr>
+          <p:spPr>
+            <a:xfrm>
+              <a:off x="5202887" y="2790041"/>
               <a:ext cx="101968" cy="82614"/>
             </a:xfrm>
             <a:prstGeom prst="rect">
@@ -5641,13 +7343,185 @@
         </p:sp>
         <p:sp>
           <p:nvSpPr>
-            <p:cNvPr id="70" name="pl69"/>
-            <p:cNvSpPr/>
-            <p:nvPr/>
-          </p:nvSpPr>
-          <p:spPr>
-            <a:xfrm>
-              <a:off x="5937185" y="2728846"/>
+            <p:cNvPr id="95" name="pl94"/>
+            <p:cNvSpPr/>
+            <p:nvPr/>
+          </p:nvSpPr>
+          <p:spPr>
+            <a:xfrm>
+              <a:off x="5189071" y="2973142"/>
+              <a:ext cx="129599" cy="0"/>
+            </a:xfrm>
+            <a:custGeom>
+              <a:avLst/>
+              <a:pathLst>
+                <a:path w="129599" h="0">
+                  <a:moveTo>
+                    <a:pt x="0" y="0"/>
+                  </a:moveTo>
+                  <a:lnTo>
+                    <a:pt x="129599" y="0"/>
+                  </a:lnTo>
+                </a:path>
+              </a:pathLst>
+            </a:custGeom>
+            <a:ln w="27101" cap="flat">
+              <a:solidFill>
+                <a:srgbClr val="00B4F0">
+                  <a:alpha val="100000"/>
+                </a:srgbClr>
+              </a:solidFill>
+              <a:prstDash val="solid"/>
+              <a:round/>
+            </a:ln>
+          </p:spPr>
+          <p:txBody>
+            <a:bodyPr/>
+            <a:lstStyle/>
+            <a:p/>
+          </p:txBody>
+        </p:sp>
+        <p:sp>
+          <p:nvSpPr>
+            <p:cNvPr id="96" name="tx95"/>
+            <p:cNvSpPr/>
+            <p:nvPr/>
+          </p:nvSpPr>
+          <p:spPr>
+            <a:xfrm>
+              <a:off x="5202887" y="2952041"/>
+              <a:ext cx="101968" cy="82614"/>
+            </a:xfrm>
+            <a:prstGeom prst="rect">
+              <a:avLst/>
+            </a:prstGeom>
+            <a:noFill/>
+          </p:spPr>
+          <p:txBody>
+            <a:bodyPr lIns="0" rIns="0" tIns="0" bIns="0" anchorCtr="1" anchor="ctr" wrap="none"/>
+            <a:lstStyle/>
+            <a:p>
+              <a:pPr algn="l" marL="0" marR="0" indent="0">
+                <a:lnSpc>
+                  <a:spcPts val="1374"/>
+                </a:lnSpc>
+                <a:spcBef>
+                  <a:spcPts val="0"/>
+                </a:spcBef>
+                <a:spcAft>
+                  <a:spcPts val="0"/>
+                </a:spcAft>
+              </a:pPr>
+              <a:r>
+                <a:rPr sz="1374">
+                  <a:solidFill>
+                    <a:srgbClr val="00B4F0">
+                      <a:alpha val="100000"/>
+                    </a:srgbClr>
+                  </a:solidFill>
+                  <a:latin typeface="Arial"/>
+                  <a:cs typeface="Arial"/>
+                </a:rPr>
+                <a:t>+</a:t>
+              </a:r>
+            </a:p>
+          </p:txBody>
+        </p:sp>
+        <p:sp>
+          <p:nvSpPr>
+            <p:cNvPr id="97" name="pl96"/>
+            <p:cNvSpPr/>
+            <p:nvPr/>
+          </p:nvSpPr>
+          <p:spPr>
+            <a:xfrm>
+              <a:off x="5189071" y="3135142"/>
+              <a:ext cx="129599" cy="0"/>
+            </a:xfrm>
+            <a:custGeom>
+              <a:avLst/>
+              <a:pathLst>
+                <a:path w="129599" h="0">
+                  <a:moveTo>
+                    <a:pt x="0" y="0"/>
+                  </a:moveTo>
+                  <a:lnTo>
+                    <a:pt x="129599" y="0"/>
+                  </a:lnTo>
+                </a:path>
+              </a:pathLst>
+            </a:custGeom>
+            <a:ln w="27101" cap="flat">
+              <a:solidFill>
+                <a:srgbClr val="619CFF">
+                  <a:alpha val="100000"/>
+                </a:srgbClr>
+              </a:solidFill>
+              <a:prstDash val="solid"/>
+              <a:round/>
+            </a:ln>
+          </p:spPr>
+          <p:txBody>
+            <a:bodyPr/>
+            <a:lstStyle/>
+            <a:p/>
+          </p:txBody>
+        </p:sp>
+        <p:sp>
+          <p:nvSpPr>
+            <p:cNvPr id="98" name="tx97"/>
+            <p:cNvSpPr/>
+            <p:nvPr/>
+          </p:nvSpPr>
+          <p:spPr>
+            <a:xfrm>
+              <a:off x="5202887" y="3114041"/>
+              <a:ext cx="101968" cy="82614"/>
+            </a:xfrm>
+            <a:prstGeom prst="rect">
+              <a:avLst/>
+            </a:prstGeom>
+            <a:noFill/>
+          </p:spPr>
+          <p:txBody>
+            <a:bodyPr lIns="0" rIns="0" tIns="0" bIns="0" anchorCtr="1" anchor="ctr" wrap="none"/>
+            <a:lstStyle/>
+            <a:p>
+              <a:pPr algn="l" marL="0" marR="0" indent="0">
+                <a:lnSpc>
+                  <a:spcPts val="1374"/>
+                </a:lnSpc>
+                <a:spcBef>
+                  <a:spcPts val="0"/>
+                </a:spcBef>
+                <a:spcAft>
+                  <a:spcPts val="0"/>
+                </a:spcAft>
+              </a:pPr>
+              <a:r>
+                <a:rPr sz="1374">
+                  <a:solidFill>
+                    <a:srgbClr val="619CFF">
+                      <a:alpha val="100000"/>
+                    </a:srgbClr>
+                  </a:solidFill>
+                  <a:latin typeface="Arial"/>
+                  <a:cs typeface="Arial"/>
+                </a:rPr>
+                <a:t>+</a:t>
+              </a:r>
+            </a:p>
+          </p:txBody>
+        </p:sp>
+        <p:sp>
+          <p:nvSpPr>
+            <p:cNvPr id="99" name="pl98"/>
+            <p:cNvSpPr/>
+            <p:nvPr/>
+          </p:nvSpPr>
+          <p:spPr>
+            <a:xfrm>
+              <a:off x="5189071" y="3297142"/>
               <a:ext cx="129599" cy="0"/>
             </a:xfrm>
             <a:custGeom>
@@ -5681,13 +7555,13 @@
         </p:sp>
         <p:sp>
           <p:nvSpPr>
-            <p:cNvPr id="71" name="tx70"/>
-            <p:cNvSpPr/>
-            <p:nvPr/>
-          </p:nvSpPr>
-          <p:spPr>
-            <a:xfrm>
-              <a:off x="5951001" y="2707745"/>
+            <p:cNvPr id="100" name="tx99"/>
+            <p:cNvSpPr/>
+            <p:nvPr/>
+          </p:nvSpPr>
+          <p:spPr>
+            <a:xfrm>
+              <a:off x="5202887" y="3276041"/>
               <a:ext cx="101968" cy="82614"/>
             </a:xfrm>
             <a:prstGeom prst="rect">
@@ -5727,14 +7601,186 @@
         </p:sp>
         <p:sp>
           <p:nvSpPr>
-            <p:cNvPr id="72" name="tx71"/>
-            <p:cNvSpPr/>
-            <p:nvPr/>
-          </p:nvSpPr>
-          <p:spPr>
-            <a:xfrm>
-              <a:off x="5737544" y="2515937"/>
-              <a:ext cx="94872" cy="101818"/>
+            <p:cNvPr id="101" name="pl100"/>
+            <p:cNvSpPr/>
+            <p:nvPr/>
+          </p:nvSpPr>
+          <p:spPr>
+            <a:xfrm>
+              <a:off x="5189071" y="3459142"/>
+              <a:ext cx="129599" cy="0"/>
+            </a:xfrm>
+            <a:custGeom>
+              <a:avLst/>
+              <a:pathLst>
+                <a:path w="129599" h="0">
+                  <a:moveTo>
+                    <a:pt x="0" y="0"/>
+                  </a:moveTo>
+                  <a:lnTo>
+                    <a:pt x="129599" y="0"/>
+                  </a:lnTo>
+                </a:path>
+              </a:pathLst>
+            </a:custGeom>
+            <a:ln w="27101" cap="flat">
+              <a:solidFill>
+                <a:srgbClr val="F564E3">
+                  <a:alpha val="100000"/>
+                </a:srgbClr>
+              </a:solidFill>
+              <a:prstDash val="solid"/>
+              <a:round/>
+            </a:ln>
+          </p:spPr>
+          <p:txBody>
+            <a:bodyPr/>
+            <a:lstStyle/>
+            <a:p/>
+          </p:txBody>
+        </p:sp>
+        <p:sp>
+          <p:nvSpPr>
+            <p:cNvPr id="102" name="tx101"/>
+            <p:cNvSpPr/>
+            <p:nvPr/>
+          </p:nvSpPr>
+          <p:spPr>
+            <a:xfrm>
+              <a:off x="5202887" y="3438041"/>
+              <a:ext cx="101968" cy="82614"/>
+            </a:xfrm>
+            <a:prstGeom prst="rect">
+              <a:avLst/>
+            </a:prstGeom>
+            <a:noFill/>
+          </p:spPr>
+          <p:txBody>
+            <a:bodyPr lIns="0" rIns="0" tIns="0" bIns="0" anchorCtr="1" anchor="ctr" wrap="none"/>
+            <a:lstStyle/>
+            <a:p>
+              <a:pPr algn="l" marL="0" marR="0" indent="0">
+                <a:lnSpc>
+                  <a:spcPts val="1374"/>
+                </a:lnSpc>
+                <a:spcBef>
+                  <a:spcPts val="0"/>
+                </a:spcBef>
+                <a:spcAft>
+                  <a:spcPts val="0"/>
+                </a:spcAft>
+              </a:pPr>
+              <a:r>
+                <a:rPr sz="1374">
+                  <a:solidFill>
+                    <a:srgbClr val="F564E3">
+                      <a:alpha val="100000"/>
+                    </a:srgbClr>
+                  </a:solidFill>
+                  <a:latin typeface="Arial"/>
+                  <a:cs typeface="Arial"/>
+                </a:rPr>
+                <a:t>+</a:t>
+              </a:r>
+            </a:p>
+          </p:txBody>
+        </p:sp>
+        <p:sp>
+          <p:nvSpPr>
+            <p:cNvPr id="103" name="pl102"/>
+            <p:cNvSpPr/>
+            <p:nvPr/>
+          </p:nvSpPr>
+          <p:spPr>
+            <a:xfrm>
+              <a:off x="5189071" y="3621142"/>
+              <a:ext cx="129599" cy="0"/>
+            </a:xfrm>
+            <a:custGeom>
+              <a:avLst/>
+              <a:pathLst>
+                <a:path w="129599" h="0">
+                  <a:moveTo>
+                    <a:pt x="0" y="0"/>
+                  </a:moveTo>
+                  <a:lnTo>
+                    <a:pt x="129599" y="0"/>
+                  </a:lnTo>
+                </a:path>
+              </a:pathLst>
+            </a:custGeom>
+            <a:ln w="27101" cap="flat">
+              <a:solidFill>
+                <a:srgbClr val="FF64B0">
+                  <a:alpha val="100000"/>
+                </a:srgbClr>
+              </a:solidFill>
+              <a:prstDash val="solid"/>
+              <a:round/>
+            </a:ln>
+          </p:spPr>
+          <p:txBody>
+            <a:bodyPr/>
+            <a:lstStyle/>
+            <a:p/>
+          </p:txBody>
+        </p:sp>
+        <p:sp>
+          <p:nvSpPr>
+            <p:cNvPr id="104" name="tx103"/>
+            <p:cNvSpPr/>
+            <p:nvPr/>
+          </p:nvSpPr>
+          <p:spPr>
+            <a:xfrm>
+              <a:off x="5202887" y="3600041"/>
+              <a:ext cx="101968" cy="82614"/>
+            </a:xfrm>
+            <a:prstGeom prst="rect">
+              <a:avLst/>
+            </a:prstGeom>
+            <a:noFill/>
+          </p:spPr>
+          <p:txBody>
+            <a:bodyPr lIns="0" rIns="0" tIns="0" bIns="0" anchorCtr="1" anchor="ctr" wrap="none"/>
+            <a:lstStyle/>
+            <a:p>
+              <a:pPr algn="l" marL="0" marR="0" indent="0">
+                <a:lnSpc>
+                  <a:spcPts val="1374"/>
+                </a:lnSpc>
+                <a:spcBef>
+                  <a:spcPts val="0"/>
+                </a:spcBef>
+                <a:spcAft>
+                  <a:spcPts val="0"/>
+                </a:spcAft>
+              </a:pPr>
+              <a:r>
+                <a:rPr sz="1374">
+                  <a:solidFill>
+                    <a:srgbClr val="FF64B0">
+                      <a:alpha val="100000"/>
+                    </a:srgbClr>
+                  </a:solidFill>
+                  <a:latin typeface="Arial"/>
+                  <a:cs typeface="Arial"/>
+                </a:rPr>
+                <a:t>+</a:t>
+              </a:r>
+            </a:p>
+          </p:txBody>
+        </p:sp>
+        <p:sp>
+          <p:nvSpPr>
+            <p:cNvPr id="105" name="tx104"/>
+            <p:cNvSpPr/>
+            <p:nvPr/>
+          </p:nvSpPr>
+          <p:spPr>
+            <a:xfrm>
+              <a:off x="5423439" y="1766355"/>
+              <a:ext cx="355738" cy="123696"/>
             </a:xfrm>
             <a:prstGeom prst="rect">
               <a:avLst/>
@@ -5766,21 +7812,21 @@
                   <a:latin typeface="Arial"/>
                   <a:cs typeface="Arial"/>
                 </a:rPr>
-                <a:t>A</a:t>
+                <a:t>C1, B</a:t>
               </a:r>
             </a:p>
           </p:txBody>
         </p:sp>
         <p:sp>
           <p:nvSpPr>
-            <p:cNvPr id="73" name="tx72"/>
-            <p:cNvSpPr/>
-            <p:nvPr/>
-          </p:nvSpPr>
-          <p:spPr>
-            <a:xfrm>
-              <a:off x="5737544" y="2677937"/>
-              <a:ext cx="94872" cy="101818"/>
+            <p:cNvPr id="106" name="tx105"/>
+            <p:cNvSpPr/>
+            <p:nvPr/>
+          </p:nvSpPr>
+          <p:spPr>
+            <a:xfrm>
+              <a:off x="5423439" y="1928355"/>
+              <a:ext cx="434846" cy="123696"/>
             </a:xfrm>
             <a:prstGeom prst="rect">
               <a:avLst/>
@@ -5812,21 +7858,21 @@
                   <a:latin typeface="Arial"/>
                   <a:cs typeface="Arial"/>
                 </a:rPr>
-                <a:t>B</a:t>
+                <a:t>C11, B</a:t>
               </a:r>
             </a:p>
           </p:txBody>
         </p:sp>
         <p:sp>
           <p:nvSpPr>
-            <p:cNvPr id="74" name="tx73"/>
-            <p:cNvSpPr/>
-            <p:nvPr/>
-          </p:nvSpPr>
-          <p:spPr>
-            <a:xfrm>
-              <a:off x="6171553" y="2512464"/>
-              <a:ext cx="102721" cy="105290"/>
+            <p:cNvPr id="107" name="tx106"/>
+            <p:cNvSpPr/>
+            <p:nvPr/>
+          </p:nvSpPr>
+          <p:spPr>
+            <a:xfrm>
+              <a:off x="5423439" y="2090355"/>
+              <a:ext cx="442694" cy="123696"/>
             </a:xfrm>
             <a:prstGeom prst="rect">
               <a:avLst/>
@@ -5858,21 +7904,21 @@
                   <a:latin typeface="Arial"/>
                   <a:cs typeface="Arial"/>
                 </a:rPr>
-                <a:t>C</a:t>
+                <a:t>C12, C</a:t>
               </a:r>
             </a:p>
           </p:txBody>
         </p:sp>
         <p:sp>
           <p:nvSpPr>
-            <p:cNvPr id="75" name="tx74"/>
-            <p:cNvSpPr/>
-            <p:nvPr/>
-          </p:nvSpPr>
-          <p:spPr>
-            <a:xfrm>
-              <a:off x="6171553" y="2677937"/>
-              <a:ext cx="102721" cy="101818"/>
+            <p:cNvPr id="108" name="tx107"/>
+            <p:cNvSpPr/>
+            <p:nvPr/>
+          </p:nvSpPr>
+          <p:spPr>
+            <a:xfrm>
+              <a:off x="5423439" y="2252355"/>
+              <a:ext cx="434846" cy="123696"/>
             </a:xfrm>
             <a:prstGeom prst="rect">
               <a:avLst/>
@@ -5904,7 +7950,375 @@
                   <a:latin typeface="Arial"/>
                   <a:cs typeface="Arial"/>
                 </a:rPr>
-                <a:t>D</a:t>
+                <a:t>C14, A</a:t>
+              </a:r>
+            </a:p>
+          </p:txBody>
+        </p:sp>
+        <p:sp>
+          <p:nvSpPr>
+            <p:cNvPr id="109" name="tx108"/>
+            <p:cNvSpPr/>
+            <p:nvPr/>
+          </p:nvSpPr>
+          <p:spPr>
+            <a:xfrm>
+              <a:off x="5423439" y="2414355"/>
+              <a:ext cx="442694" cy="123696"/>
+            </a:xfrm>
+            <a:prstGeom prst="rect">
+              <a:avLst/>
+            </a:prstGeom>
+            <a:noFill/>
+          </p:spPr>
+          <p:txBody>
+            <a:bodyPr lIns="0" rIns="0" tIns="0" bIns="0" anchorCtr="1" anchor="ctr" wrap="none"/>
+            <a:lstStyle/>
+            <a:p>
+              <a:pPr algn="l" marL="0" marR="0" indent="0">
+                <a:lnSpc>
+                  <a:spcPts val="1120"/>
+                </a:lnSpc>
+                <a:spcBef>
+                  <a:spcPts val="0"/>
+                </a:spcBef>
+                <a:spcAft>
+                  <a:spcPts val="0"/>
+                </a:spcAft>
+              </a:pPr>
+              <a:r>
+                <a:rPr sz="1120">
+                  <a:solidFill>
+                    <a:srgbClr val="000000">
+                      <a:alpha val="100000"/>
+                    </a:srgbClr>
+                  </a:solidFill>
+                  <a:latin typeface="Arial"/>
+                  <a:cs typeface="Arial"/>
+                </a:rPr>
+                <a:t>C15, C</a:t>
+              </a:r>
+            </a:p>
+          </p:txBody>
+        </p:sp>
+        <p:sp>
+          <p:nvSpPr>
+            <p:cNvPr id="110" name="tx109"/>
+            <p:cNvSpPr/>
+            <p:nvPr/>
+          </p:nvSpPr>
+          <p:spPr>
+            <a:xfrm>
+              <a:off x="5423439" y="2576355"/>
+              <a:ext cx="355738" cy="123696"/>
+            </a:xfrm>
+            <a:prstGeom prst="rect">
+              <a:avLst/>
+            </a:prstGeom>
+            <a:noFill/>
+          </p:spPr>
+          <p:txBody>
+            <a:bodyPr lIns="0" rIns="0" tIns="0" bIns="0" anchorCtr="1" anchor="ctr" wrap="none"/>
+            <a:lstStyle/>
+            <a:p>
+              <a:pPr algn="l" marL="0" marR="0" indent="0">
+                <a:lnSpc>
+                  <a:spcPts val="1120"/>
+                </a:lnSpc>
+                <a:spcBef>
+                  <a:spcPts val="0"/>
+                </a:spcBef>
+                <a:spcAft>
+                  <a:spcPts val="0"/>
+                </a:spcAft>
+              </a:pPr>
+              <a:r>
+                <a:rPr sz="1120">
+                  <a:solidFill>
+                    <a:srgbClr val="000000">
+                      <a:alpha val="100000"/>
+                    </a:srgbClr>
+                  </a:solidFill>
+                  <a:latin typeface="Arial"/>
+                  <a:cs typeface="Arial"/>
+                </a:rPr>
+                <a:t>C2, A</a:t>
+              </a:r>
+            </a:p>
+          </p:txBody>
+        </p:sp>
+        <p:sp>
+          <p:nvSpPr>
+            <p:cNvPr id="111" name="tx110"/>
+            <p:cNvSpPr/>
+            <p:nvPr/>
+          </p:nvSpPr>
+          <p:spPr>
+            <a:xfrm>
+              <a:off x="5423439" y="2738355"/>
+              <a:ext cx="363587" cy="123696"/>
+            </a:xfrm>
+            <a:prstGeom prst="rect">
+              <a:avLst/>
+            </a:prstGeom>
+            <a:noFill/>
+          </p:spPr>
+          <p:txBody>
+            <a:bodyPr lIns="0" rIns="0" tIns="0" bIns="0" anchorCtr="1" anchor="ctr" wrap="none"/>
+            <a:lstStyle/>
+            <a:p>
+              <a:pPr algn="l" marL="0" marR="0" indent="0">
+                <a:lnSpc>
+                  <a:spcPts val="1120"/>
+                </a:lnSpc>
+                <a:spcBef>
+                  <a:spcPts val="0"/>
+                </a:spcBef>
+                <a:spcAft>
+                  <a:spcPts val="0"/>
+                </a:spcAft>
+              </a:pPr>
+              <a:r>
+                <a:rPr sz="1120">
+                  <a:solidFill>
+                    <a:srgbClr val="000000">
+                      <a:alpha val="100000"/>
+                    </a:srgbClr>
+                  </a:solidFill>
+                  <a:latin typeface="Arial"/>
+                  <a:cs typeface="Arial"/>
+                </a:rPr>
+                <a:t>C3, C</a:t>
+              </a:r>
+            </a:p>
+          </p:txBody>
+        </p:sp>
+        <p:sp>
+          <p:nvSpPr>
+            <p:cNvPr id="112" name="tx111"/>
+            <p:cNvSpPr/>
+            <p:nvPr/>
+          </p:nvSpPr>
+          <p:spPr>
+            <a:xfrm>
+              <a:off x="5423439" y="2900355"/>
+              <a:ext cx="363587" cy="123696"/>
+            </a:xfrm>
+            <a:prstGeom prst="rect">
+              <a:avLst/>
+            </a:prstGeom>
+            <a:noFill/>
+          </p:spPr>
+          <p:txBody>
+            <a:bodyPr lIns="0" rIns="0" tIns="0" bIns="0" anchorCtr="1" anchor="ctr" wrap="none"/>
+            <a:lstStyle/>
+            <a:p>
+              <a:pPr algn="l" marL="0" marR="0" indent="0">
+                <a:lnSpc>
+                  <a:spcPts val="1120"/>
+                </a:lnSpc>
+                <a:spcBef>
+                  <a:spcPts val="0"/>
+                </a:spcBef>
+                <a:spcAft>
+                  <a:spcPts val="0"/>
+                </a:spcAft>
+              </a:pPr>
+              <a:r>
+                <a:rPr sz="1120">
+                  <a:solidFill>
+                    <a:srgbClr val="000000">
+                      <a:alpha val="100000"/>
+                    </a:srgbClr>
+                  </a:solidFill>
+                  <a:latin typeface="Arial"/>
+                  <a:cs typeface="Arial"/>
+                </a:rPr>
+                <a:t>C4, D</a:t>
+              </a:r>
+            </a:p>
+          </p:txBody>
+        </p:sp>
+        <p:sp>
+          <p:nvSpPr>
+            <p:cNvPr id="113" name="tx112"/>
+            <p:cNvSpPr/>
+            <p:nvPr/>
+          </p:nvSpPr>
+          <p:spPr>
+            <a:xfrm>
+              <a:off x="5423439" y="3062355"/>
+              <a:ext cx="363587" cy="123696"/>
+            </a:xfrm>
+            <a:prstGeom prst="rect">
+              <a:avLst/>
+            </a:prstGeom>
+            <a:noFill/>
+          </p:spPr>
+          <p:txBody>
+            <a:bodyPr lIns="0" rIns="0" tIns="0" bIns="0" anchorCtr="1" anchor="ctr" wrap="none"/>
+            <a:lstStyle/>
+            <a:p>
+              <a:pPr algn="l" marL="0" marR="0" indent="0">
+                <a:lnSpc>
+                  <a:spcPts val="1120"/>
+                </a:lnSpc>
+                <a:spcBef>
+                  <a:spcPts val="0"/>
+                </a:spcBef>
+                <a:spcAft>
+                  <a:spcPts val="0"/>
+                </a:spcAft>
+              </a:pPr>
+              <a:r>
+                <a:rPr sz="1120">
+                  <a:solidFill>
+                    <a:srgbClr val="000000">
+                      <a:alpha val="100000"/>
+                    </a:srgbClr>
+                  </a:solidFill>
+                  <a:latin typeface="Arial"/>
+                  <a:cs typeface="Arial"/>
+                </a:rPr>
+                <a:t>C5, D</a:t>
+              </a:r>
+            </a:p>
+          </p:txBody>
+        </p:sp>
+        <p:sp>
+          <p:nvSpPr>
+            <p:cNvPr id="114" name="tx113"/>
+            <p:cNvSpPr/>
+            <p:nvPr/>
+          </p:nvSpPr>
+          <p:spPr>
+            <a:xfrm>
+              <a:off x="5423439" y="3224355"/>
+              <a:ext cx="355738" cy="123696"/>
+            </a:xfrm>
+            <a:prstGeom prst="rect">
+              <a:avLst/>
+            </a:prstGeom>
+            <a:noFill/>
+          </p:spPr>
+          <p:txBody>
+            <a:bodyPr lIns="0" rIns="0" tIns="0" bIns="0" anchorCtr="1" anchor="ctr" wrap="none"/>
+            <a:lstStyle/>
+            <a:p>
+              <a:pPr algn="l" marL="0" marR="0" indent="0">
+                <a:lnSpc>
+                  <a:spcPts val="1120"/>
+                </a:lnSpc>
+                <a:spcBef>
+                  <a:spcPts val="0"/>
+                </a:spcBef>
+                <a:spcAft>
+                  <a:spcPts val="0"/>
+                </a:spcAft>
+              </a:pPr>
+              <a:r>
+                <a:rPr sz="1120">
+                  <a:solidFill>
+                    <a:srgbClr val="000000">
+                      <a:alpha val="100000"/>
+                    </a:srgbClr>
+                  </a:solidFill>
+                  <a:latin typeface="Arial"/>
+                  <a:cs typeface="Arial"/>
+                </a:rPr>
+                <a:t>C6, B</a:t>
+              </a:r>
+            </a:p>
+          </p:txBody>
+        </p:sp>
+        <p:sp>
+          <p:nvSpPr>
+            <p:cNvPr id="115" name="tx114"/>
+            <p:cNvSpPr/>
+            <p:nvPr/>
+          </p:nvSpPr>
+          <p:spPr>
+            <a:xfrm>
+              <a:off x="5423439" y="3386355"/>
+              <a:ext cx="363587" cy="123696"/>
+            </a:xfrm>
+            <a:prstGeom prst="rect">
+              <a:avLst/>
+            </a:prstGeom>
+            <a:noFill/>
+          </p:spPr>
+          <p:txBody>
+            <a:bodyPr lIns="0" rIns="0" tIns="0" bIns="0" anchorCtr="1" anchor="ctr" wrap="none"/>
+            <a:lstStyle/>
+            <a:p>
+              <a:pPr algn="l" marL="0" marR="0" indent="0">
+                <a:lnSpc>
+                  <a:spcPts val="1120"/>
+                </a:lnSpc>
+                <a:spcBef>
+                  <a:spcPts val="0"/>
+                </a:spcBef>
+                <a:spcAft>
+                  <a:spcPts val="0"/>
+                </a:spcAft>
+              </a:pPr>
+              <a:r>
+                <a:rPr sz="1120">
+                  <a:solidFill>
+                    <a:srgbClr val="000000">
+                      <a:alpha val="100000"/>
+                    </a:srgbClr>
+                  </a:solidFill>
+                  <a:latin typeface="Arial"/>
+                  <a:cs typeface="Arial"/>
+                </a:rPr>
+                <a:t>C8, D</a:t>
+              </a:r>
+            </a:p>
+          </p:txBody>
+        </p:sp>
+        <p:sp>
+          <p:nvSpPr>
+            <p:cNvPr id="116" name="tx115"/>
+            <p:cNvSpPr/>
+            <p:nvPr/>
+          </p:nvSpPr>
+          <p:spPr>
+            <a:xfrm>
+              <a:off x="5423439" y="3548355"/>
+              <a:ext cx="355738" cy="123696"/>
+            </a:xfrm>
+            <a:prstGeom prst="rect">
+              <a:avLst/>
+            </a:prstGeom>
+            <a:noFill/>
+          </p:spPr>
+          <p:txBody>
+            <a:bodyPr lIns="0" rIns="0" tIns="0" bIns="0" anchorCtr="1" anchor="ctr" wrap="none"/>
+            <a:lstStyle/>
+            <a:p>
+              <a:pPr algn="l" marL="0" marR="0" indent="0">
+                <a:lnSpc>
+                  <a:spcPts val="1120"/>
+                </a:lnSpc>
+                <a:spcBef>
+                  <a:spcPts val="0"/>
+                </a:spcBef>
+                <a:spcAft>
+                  <a:spcPts val="0"/>
+                </a:spcAft>
+              </a:pPr>
+              <a:r>
+                <a:rPr sz="1120">
+                  <a:solidFill>
+                    <a:srgbClr val="000000">
+                      <a:alpha val="100000"/>
+                    </a:srgbClr>
+                  </a:solidFill>
+                  <a:latin typeface="Arial"/>
+                  <a:cs typeface="Arial"/>
+                </a:rPr>
+                <a:t>C9, A</a:t>
               </a:r>
             </a:p>
           </p:txBody>
